--- a/DataStructuresAndAlgorithms/Aula 05 - Arvores Balanceadas (AVL)/Aula 05 - AVL Tree.pptx
+++ b/DataStructuresAndAlgorithms/Aula 05 - Arvores Balanceadas (AVL)/Aula 05 - AVL Tree.pptx
@@ -76,19 +76,16 @@
             <a:noAutofit/>
           </a:bodyPr>
           <a:p>
-            <a:r>
-              <a:rPr b="0" lang="pt-BR" sz="1800" spc="-1" strike="noStrike">
-                <a:solidFill>
-                  <a:srgbClr val="000000"/>
-                </a:solidFill>
+            <a:pPr algn="ctr">
+              <a:buNone/>
+            </a:pPr>
+            <a:r>
+              <a:rPr b="0" lang="pt-BR" sz="4400" spc="-1" strike="noStrike">
                 <a:latin typeface="Arial"/>
               </a:rPr>
               <a:t>Click to move the slide</a:t>
             </a:r>
-            <a:endParaRPr b="0" lang="pt-BR" sz="1800" spc="-1" strike="noStrike">
-              <a:solidFill>
-                <a:srgbClr val="000000"/>
-              </a:solidFill>
+            <a:endParaRPr b="0" lang="pt-BR" sz="4400" spc="-1" strike="noStrike">
               <a:latin typeface="Arial"/>
             </a:endParaRPr>
           </a:p>
@@ -311,7 +308,7 @@
             <a:pPr algn="r">
               <a:buNone/>
             </a:pPr>
-            <a:fld id="{DEC2F756-8A34-4C2E-ABF3-4794D71445C2}" type="slidenum">
+            <a:fld id="{0E173081-31A4-4F64-9F37-8EA6F7949D38}" type="slidenum">
               <a:rPr b="0" lang="pt-BR" sz="1400" spc="-1" strike="noStrike">
                 <a:latin typeface="Times New Roman"/>
               </a:rPr>
@@ -359,7 +356,7 @@
         <p:spPr>
           <a:xfrm>
             <a:off x="1376280" y="1336680"/>
-            <a:ext cx="4801680" cy="3601800"/>
+            <a:ext cx="4801320" cy="3601440"/>
           </a:xfrm>
           <a:prstGeom prst="rect">
             <a:avLst/>
@@ -382,7 +379,7 @@
         <p:spPr>
           <a:xfrm>
             <a:off x="756000" y="5145120"/>
-            <a:ext cx="6041160" cy="4203360"/>
+            <a:ext cx="6040800" cy="4203000"/>
           </a:xfrm>
           <a:prstGeom prst="rect">
             <a:avLst/>
@@ -412,7 +409,7 @@
         <p:spPr>
           <a:xfrm>
             <a:off x="0" y="10155240"/>
-            <a:ext cx="3269520" cy="529920"/>
+            <a:ext cx="3269160" cy="529560"/>
           </a:xfrm>
           <a:prstGeom prst="rect">
             <a:avLst/>
@@ -490,7 +487,7 @@
         <p:spPr>
           <a:xfrm>
             <a:off x="1376280" y="1336680"/>
-            <a:ext cx="4801680" cy="3601800"/>
+            <a:ext cx="4801320" cy="3601440"/>
           </a:xfrm>
           <a:prstGeom prst="rect">
             <a:avLst/>
@@ -513,7 +510,7 @@
         <p:spPr>
           <a:xfrm>
             <a:off x="756000" y="5145120"/>
-            <a:ext cx="6041160" cy="4203360"/>
+            <a:ext cx="6040800" cy="4203000"/>
           </a:xfrm>
           <a:prstGeom prst="rect">
             <a:avLst/>
@@ -543,7 +540,7 @@
         <p:spPr>
           <a:xfrm>
             <a:off x="0" y="10155240"/>
-            <a:ext cx="3269520" cy="529920"/>
+            <a:ext cx="3269160" cy="529560"/>
           </a:xfrm>
           <a:prstGeom prst="rect">
             <a:avLst/>
@@ -621,7 +618,7 @@
         <p:spPr>
           <a:xfrm>
             <a:off x="1376280" y="1336680"/>
-            <a:ext cx="4801680" cy="3601800"/>
+            <a:ext cx="4801320" cy="3601440"/>
           </a:xfrm>
           <a:prstGeom prst="rect">
             <a:avLst/>
@@ -644,7 +641,7 @@
         <p:spPr>
           <a:xfrm>
             <a:off x="756000" y="5145120"/>
-            <a:ext cx="6041160" cy="4203360"/>
+            <a:ext cx="6040800" cy="4203000"/>
           </a:xfrm>
           <a:prstGeom prst="rect">
             <a:avLst/>
@@ -674,7 +671,7 @@
         <p:spPr>
           <a:xfrm>
             <a:off x="0" y="10155240"/>
-            <a:ext cx="3269520" cy="529920"/>
+            <a:ext cx="3269160" cy="529560"/>
           </a:xfrm>
           <a:prstGeom prst="rect">
             <a:avLst/>
@@ -752,7 +749,7 @@
         <p:spPr>
           <a:xfrm>
             <a:off x="1376280" y="1336680"/>
-            <a:ext cx="4801680" cy="3601800"/>
+            <a:ext cx="4801320" cy="3601440"/>
           </a:xfrm>
           <a:prstGeom prst="rect">
             <a:avLst/>
@@ -775,7 +772,7 @@
         <p:spPr>
           <a:xfrm>
             <a:off x="756000" y="5145120"/>
-            <a:ext cx="6041160" cy="4203360"/>
+            <a:ext cx="6040800" cy="4203000"/>
           </a:xfrm>
           <a:prstGeom prst="rect">
             <a:avLst/>
@@ -805,7 +802,7 @@
         <p:spPr>
           <a:xfrm>
             <a:off x="0" y="10155240"/>
-            <a:ext cx="3269520" cy="529920"/>
+            <a:ext cx="3269160" cy="529560"/>
           </a:xfrm>
           <a:prstGeom prst="rect">
             <a:avLst/>
@@ -883,7 +880,7 @@
         <p:spPr>
           <a:xfrm>
             <a:off x="1376280" y="1336680"/>
-            <a:ext cx="4801680" cy="3601800"/>
+            <a:ext cx="4801320" cy="3601440"/>
           </a:xfrm>
           <a:prstGeom prst="rect">
             <a:avLst/>
@@ -906,7 +903,7 @@
         <p:spPr>
           <a:xfrm>
             <a:off x="756000" y="5145120"/>
-            <a:ext cx="6041160" cy="4203360"/>
+            <a:ext cx="6040800" cy="4203000"/>
           </a:xfrm>
           <a:prstGeom prst="rect">
             <a:avLst/>
@@ -936,7 +933,7 @@
         <p:spPr>
           <a:xfrm>
             <a:off x="0" y="10155240"/>
-            <a:ext cx="3269520" cy="529920"/>
+            <a:ext cx="3269160" cy="529560"/>
           </a:xfrm>
           <a:prstGeom prst="rect">
             <a:avLst/>
@@ -1014,7 +1011,7 @@
         <p:spPr>
           <a:xfrm>
             <a:off x="1376280" y="1336680"/>
-            <a:ext cx="4801680" cy="3601800"/>
+            <a:ext cx="4801320" cy="3601440"/>
           </a:xfrm>
           <a:prstGeom prst="rect">
             <a:avLst/>
@@ -1037,7 +1034,7 @@
         <p:spPr>
           <a:xfrm>
             <a:off x="756000" y="5145120"/>
-            <a:ext cx="6041160" cy="4203360"/>
+            <a:ext cx="6040800" cy="4203000"/>
           </a:xfrm>
           <a:prstGeom prst="rect">
             <a:avLst/>
@@ -1067,7 +1064,7 @@
         <p:spPr>
           <a:xfrm>
             <a:off x="0" y="10155240"/>
-            <a:ext cx="3269520" cy="529920"/>
+            <a:ext cx="3269160" cy="529560"/>
           </a:xfrm>
           <a:prstGeom prst="rect">
             <a:avLst/>
@@ -1145,7 +1142,7 @@
         <p:spPr>
           <a:xfrm>
             <a:off x="1376280" y="1336680"/>
-            <a:ext cx="4801680" cy="3601800"/>
+            <a:ext cx="4801320" cy="3601440"/>
           </a:xfrm>
           <a:prstGeom prst="rect">
             <a:avLst/>
@@ -1168,7 +1165,7 @@
         <p:spPr>
           <a:xfrm>
             <a:off x="756000" y="5145120"/>
-            <a:ext cx="6041160" cy="4203360"/>
+            <a:ext cx="6040800" cy="4203000"/>
           </a:xfrm>
           <a:prstGeom prst="rect">
             <a:avLst/>
@@ -1198,7 +1195,7 @@
         <p:spPr>
           <a:xfrm>
             <a:off x="0" y="10155240"/>
-            <a:ext cx="3269520" cy="529920"/>
+            <a:ext cx="3269160" cy="529560"/>
           </a:xfrm>
           <a:prstGeom prst="rect">
             <a:avLst/>
@@ -1276,7 +1273,7 @@
         <p:spPr>
           <a:xfrm>
             <a:off x="1376280" y="1336680"/>
-            <a:ext cx="4801680" cy="3601800"/>
+            <a:ext cx="4801320" cy="3601440"/>
           </a:xfrm>
           <a:prstGeom prst="rect">
             <a:avLst/>
@@ -1299,7 +1296,7 @@
         <p:spPr>
           <a:xfrm>
             <a:off x="756000" y="5145120"/>
-            <a:ext cx="6041160" cy="4203360"/>
+            <a:ext cx="6040800" cy="4203000"/>
           </a:xfrm>
           <a:prstGeom prst="rect">
             <a:avLst/>
@@ -1329,7 +1326,7 @@
         <p:spPr>
           <a:xfrm>
             <a:off x="0" y="10155240"/>
-            <a:ext cx="3269520" cy="529920"/>
+            <a:ext cx="3269160" cy="529560"/>
           </a:xfrm>
           <a:prstGeom prst="rect">
             <a:avLst/>
@@ -1407,7 +1404,7 @@
         <p:spPr>
           <a:xfrm>
             <a:off x="1376280" y="1336680"/>
-            <a:ext cx="4801680" cy="3601800"/>
+            <a:ext cx="4801320" cy="3601440"/>
           </a:xfrm>
           <a:prstGeom prst="rect">
             <a:avLst/>
@@ -1430,7 +1427,7 @@
         <p:spPr>
           <a:xfrm>
             <a:off x="756000" y="5145120"/>
-            <a:ext cx="6041160" cy="4203360"/>
+            <a:ext cx="6040800" cy="4203000"/>
           </a:xfrm>
           <a:prstGeom prst="rect">
             <a:avLst/>
@@ -1460,7 +1457,7 @@
         <p:spPr>
           <a:xfrm>
             <a:off x="0" y="10155240"/>
-            <a:ext cx="3269520" cy="529920"/>
+            <a:ext cx="3269160" cy="529560"/>
           </a:xfrm>
           <a:prstGeom prst="rect">
             <a:avLst/>
@@ -1538,7 +1535,7 @@
         <p:spPr>
           <a:xfrm>
             <a:off x="1376280" y="1336680"/>
-            <a:ext cx="4801680" cy="3601800"/>
+            <a:ext cx="4801320" cy="3601440"/>
           </a:xfrm>
           <a:prstGeom prst="rect">
             <a:avLst/>
@@ -1561,7 +1558,7 @@
         <p:spPr>
           <a:xfrm>
             <a:off x="756000" y="5145120"/>
-            <a:ext cx="6041160" cy="4203360"/>
+            <a:ext cx="6040800" cy="4203000"/>
           </a:xfrm>
           <a:prstGeom prst="rect">
             <a:avLst/>
@@ -1591,7 +1588,7 @@
         <p:spPr>
           <a:xfrm>
             <a:off x="0" y="10155240"/>
-            <a:ext cx="3269520" cy="529920"/>
+            <a:ext cx="3269160" cy="529560"/>
           </a:xfrm>
           <a:prstGeom prst="rect">
             <a:avLst/>
@@ -1669,7 +1666,7 @@
         <p:spPr>
           <a:xfrm>
             <a:off x="1376280" y="1336680"/>
-            <a:ext cx="4801680" cy="3601800"/>
+            <a:ext cx="4801320" cy="3601440"/>
           </a:xfrm>
           <a:prstGeom prst="rect">
             <a:avLst/>
@@ -1692,7 +1689,7 @@
         <p:spPr>
           <a:xfrm>
             <a:off x="756000" y="5145120"/>
-            <a:ext cx="6041160" cy="4203360"/>
+            <a:ext cx="6040800" cy="4203000"/>
           </a:xfrm>
           <a:prstGeom prst="rect">
             <a:avLst/>
@@ -1722,7 +1719,7 @@
         <p:spPr>
           <a:xfrm>
             <a:off x="0" y="10155240"/>
-            <a:ext cx="3269520" cy="529920"/>
+            <a:ext cx="3269160" cy="529560"/>
           </a:xfrm>
           <a:prstGeom prst="rect">
             <a:avLst/>
@@ -1800,7 +1797,7 @@
         <p:spPr>
           <a:xfrm>
             <a:off x="1376280" y="1336680"/>
-            <a:ext cx="4801680" cy="3601800"/>
+            <a:ext cx="4801320" cy="3601440"/>
           </a:xfrm>
           <a:prstGeom prst="rect">
             <a:avLst/>
@@ -1823,7 +1820,7 @@
         <p:spPr>
           <a:xfrm>
             <a:off x="756000" y="5145120"/>
-            <a:ext cx="6041160" cy="4203360"/>
+            <a:ext cx="6040800" cy="4203000"/>
           </a:xfrm>
           <a:prstGeom prst="rect">
             <a:avLst/>
@@ -1853,7 +1850,7 @@
         <p:spPr>
           <a:xfrm>
             <a:off x="0" y="10155240"/>
-            <a:ext cx="3269520" cy="529920"/>
+            <a:ext cx="3269160" cy="529560"/>
           </a:xfrm>
           <a:prstGeom prst="rect">
             <a:avLst/>
@@ -1931,7 +1928,7 @@
         <p:spPr>
           <a:xfrm>
             <a:off x="1376280" y="1336680"/>
-            <a:ext cx="4801680" cy="3601800"/>
+            <a:ext cx="4801320" cy="3601440"/>
           </a:xfrm>
           <a:prstGeom prst="rect">
             <a:avLst/>
@@ -1954,7 +1951,7 @@
         <p:spPr>
           <a:xfrm>
             <a:off x="756000" y="5145120"/>
-            <a:ext cx="6041160" cy="4203360"/>
+            <a:ext cx="6040800" cy="4203000"/>
           </a:xfrm>
           <a:prstGeom prst="rect">
             <a:avLst/>
@@ -1984,7 +1981,7 @@
         <p:spPr>
           <a:xfrm>
             <a:off x="0" y="10155240"/>
-            <a:ext cx="3269520" cy="529920"/>
+            <a:ext cx="3269160" cy="529560"/>
           </a:xfrm>
           <a:prstGeom prst="rect">
             <a:avLst/>
@@ -2062,7 +2059,7 @@
         <p:spPr>
           <a:xfrm>
             <a:off x="1376280" y="1336680"/>
-            <a:ext cx="4801680" cy="3601800"/>
+            <a:ext cx="4801320" cy="3601440"/>
           </a:xfrm>
           <a:prstGeom prst="rect">
             <a:avLst/>
@@ -2085,7 +2082,7 @@
         <p:spPr>
           <a:xfrm>
             <a:off x="756000" y="5145120"/>
-            <a:ext cx="6041160" cy="4203360"/>
+            <a:ext cx="6040800" cy="4203000"/>
           </a:xfrm>
           <a:prstGeom prst="rect">
             <a:avLst/>
@@ -2115,7 +2112,7 @@
         <p:spPr>
           <a:xfrm>
             <a:off x="0" y="10155240"/>
-            <a:ext cx="3269520" cy="529920"/>
+            <a:ext cx="3269160" cy="529560"/>
           </a:xfrm>
           <a:prstGeom prst="rect">
             <a:avLst/>
@@ -2193,7 +2190,7 @@
         <p:spPr>
           <a:xfrm>
             <a:off x="1376280" y="1336680"/>
-            <a:ext cx="4801680" cy="3601800"/>
+            <a:ext cx="4801320" cy="3601440"/>
           </a:xfrm>
           <a:prstGeom prst="rect">
             <a:avLst/>
@@ -2216,7 +2213,7 @@
         <p:spPr>
           <a:xfrm>
             <a:off x="756000" y="5145120"/>
-            <a:ext cx="6041160" cy="4203360"/>
+            <a:ext cx="6040800" cy="4203000"/>
           </a:xfrm>
           <a:prstGeom prst="rect">
             <a:avLst/>
@@ -2246,7 +2243,7 @@
         <p:spPr>
           <a:xfrm>
             <a:off x="0" y="10155240"/>
-            <a:ext cx="3269520" cy="529920"/>
+            <a:ext cx="3269160" cy="529560"/>
           </a:xfrm>
           <a:prstGeom prst="rect">
             <a:avLst/>
@@ -2324,7 +2321,7 @@
         <p:spPr>
           <a:xfrm>
             <a:off x="1376280" y="1336680"/>
-            <a:ext cx="4801680" cy="3601800"/>
+            <a:ext cx="4801320" cy="3601440"/>
           </a:xfrm>
           <a:prstGeom prst="rect">
             <a:avLst/>
@@ -2347,7 +2344,7 @@
         <p:spPr>
           <a:xfrm>
             <a:off x="756000" y="5145120"/>
-            <a:ext cx="6041160" cy="4203360"/>
+            <a:ext cx="6040800" cy="4203000"/>
           </a:xfrm>
           <a:prstGeom prst="rect">
             <a:avLst/>
@@ -2377,7 +2374,7 @@
         <p:spPr>
           <a:xfrm>
             <a:off x="0" y="10155240"/>
-            <a:ext cx="3269520" cy="529920"/>
+            <a:ext cx="3269160" cy="529560"/>
           </a:xfrm>
           <a:prstGeom prst="rect">
             <a:avLst/>
@@ -2492,10 +2489,10 @@
             <a:noAutofit/>
           </a:bodyPr>
           <a:p>
-            <a:endParaRPr b="0" lang="pt-BR" sz="1800" spc="-1" strike="noStrike">
-              <a:solidFill>
-                <a:srgbClr val="000000"/>
-              </a:solidFill>
+            <a:pPr algn="ctr">
+              <a:buNone/>
+            </a:pPr>
+            <a:endParaRPr b="0" lang="pt-BR" sz="4400" spc="-1" strike="noStrike">
               <a:latin typeface="Arial"/>
             </a:endParaRPr>
           </a:p>
@@ -2529,19 +2526,7 @@
             <a:normAutofit/>
           </a:bodyPr>
           <a:p>
-            <a:pPr>
-              <a:lnSpc>
-                <a:spcPct val="90000"/>
-              </a:lnSpc>
-              <a:spcBef>
-                <a:spcPts val="1417"/>
-              </a:spcBef>
-              <a:buNone/>
-            </a:pPr>
-            <a:endParaRPr b="0" lang="pt-BR" sz="2800" spc="-1" strike="noStrike">
-              <a:solidFill>
-                <a:srgbClr val="000000"/>
-              </a:solidFill>
+            <a:endParaRPr b="0" lang="pt-BR" sz="3200" spc="-1" strike="noStrike">
               <a:latin typeface="Arial"/>
             </a:endParaRPr>
           </a:p>
@@ -2575,19 +2560,7 @@
             <a:normAutofit/>
           </a:bodyPr>
           <a:p>
-            <a:pPr>
-              <a:lnSpc>
-                <a:spcPct val="90000"/>
-              </a:lnSpc>
-              <a:spcBef>
-                <a:spcPts val="1417"/>
-              </a:spcBef>
-              <a:buNone/>
-            </a:pPr>
-            <a:endParaRPr b="0" lang="pt-BR" sz="2800" spc="-1" strike="noStrike">
-              <a:solidFill>
-                <a:srgbClr val="000000"/>
-              </a:solidFill>
+            <a:endParaRPr b="0" lang="pt-BR" sz="3200" spc="-1" strike="noStrike">
               <a:latin typeface="Arial"/>
             </a:endParaRPr>
           </a:p>
@@ -2643,10 +2616,10 @@
             <a:noAutofit/>
           </a:bodyPr>
           <a:p>
-            <a:endParaRPr b="0" lang="pt-BR" sz="1800" spc="-1" strike="noStrike">
-              <a:solidFill>
-                <a:srgbClr val="000000"/>
-              </a:solidFill>
+            <a:pPr algn="ctr">
+              <a:buNone/>
+            </a:pPr>
+            <a:endParaRPr b="0" lang="pt-BR" sz="4400" spc="-1" strike="noStrike">
               <a:latin typeface="Arial"/>
             </a:endParaRPr>
           </a:p>
@@ -2680,19 +2653,7 @@
             <a:normAutofit/>
           </a:bodyPr>
           <a:p>
-            <a:pPr>
-              <a:lnSpc>
-                <a:spcPct val="90000"/>
-              </a:lnSpc>
-              <a:spcBef>
-                <a:spcPts val="1417"/>
-              </a:spcBef>
-              <a:buNone/>
-            </a:pPr>
-            <a:endParaRPr b="0" lang="pt-BR" sz="2800" spc="-1" strike="noStrike">
-              <a:solidFill>
-                <a:srgbClr val="000000"/>
-              </a:solidFill>
+            <a:endParaRPr b="0" lang="pt-BR" sz="3200" spc="-1" strike="noStrike">
               <a:latin typeface="Arial"/>
             </a:endParaRPr>
           </a:p>
@@ -2726,19 +2687,7 @@
             <a:normAutofit/>
           </a:bodyPr>
           <a:p>
-            <a:pPr>
-              <a:lnSpc>
-                <a:spcPct val="90000"/>
-              </a:lnSpc>
-              <a:spcBef>
-                <a:spcPts val="1417"/>
-              </a:spcBef>
-              <a:buNone/>
-            </a:pPr>
-            <a:endParaRPr b="0" lang="pt-BR" sz="2800" spc="-1" strike="noStrike">
-              <a:solidFill>
-                <a:srgbClr val="000000"/>
-              </a:solidFill>
+            <a:endParaRPr b="0" lang="pt-BR" sz="3200" spc="-1" strike="noStrike">
               <a:latin typeface="Arial"/>
             </a:endParaRPr>
           </a:p>
@@ -2772,19 +2721,7 @@
             <a:normAutofit/>
           </a:bodyPr>
           <a:p>
-            <a:pPr>
-              <a:lnSpc>
-                <a:spcPct val="90000"/>
-              </a:lnSpc>
-              <a:spcBef>
-                <a:spcPts val="1417"/>
-              </a:spcBef>
-              <a:buNone/>
-            </a:pPr>
-            <a:endParaRPr b="0" lang="pt-BR" sz="2800" spc="-1" strike="noStrike">
-              <a:solidFill>
-                <a:srgbClr val="000000"/>
-              </a:solidFill>
+            <a:endParaRPr b="0" lang="pt-BR" sz="3200" spc="-1" strike="noStrike">
               <a:latin typeface="Arial"/>
             </a:endParaRPr>
           </a:p>
@@ -2818,19 +2755,7 @@
             <a:normAutofit/>
           </a:bodyPr>
           <a:p>
-            <a:pPr>
-              <a:lnSpc>
-                <a:spcPct val="90000"/>
-              </a:lnSpc>
-              <a:spcBef>
-                <a:spcPts val="1417"/>
-              </a:spcBef>
-              <a:buNone/>
-            </a:pPr>
-            <a:endParaRPr b="0" lang="pt-BR" sz="2800" spc="-1" strike="noStrike">
-              <a:solidFill>
-                <a:srgbClr val="000000"/>
-              </a:solidFill>
+            <a:endParaRPr b="0" lang="pt-BR" sz="3200" spc="-1" strike="noStrike">
               <a:latin typeface="Arial"/>
             </a:endParaRPr>
           </a:p>
@@ -2886,10 +2811,10 @@
             <a:noAutofit/>
           </a:bodyPr>
           <a:p>
-            <a:endParaRPr b="0" lang="pt-BR" sz="1800" spc="-1" strike="noStrike">
-              <a:solidFill>
-                <a:srgbClr val="000000"/>
-              </a:solidFill>
+            <a:pPr algn="ctr">
+              <a:buNone/>
+            </a:pPr>
+            <a:endParaRPr b="0" lang="pt-BR" sz="4400" spc="-1" strike="noStrike">
               <a:latin typeface="Arial"/>
             </a:endParaRPr>
           </a:p>
@@ -2923,19 +2848,7 @@
             <a:normAutofit/>
           </a:bodyPr>
           <a:p>
-            <a:pPr>
-              <a:lnSpc>
-                <a:spcPct val="90000"/>
-              </a:lnSpc>
-              <a:spcBef>
-                <a:spcPts val="1417"/>
-              </a:spcBef>
-              <a:buNone/>
-            </a:pPr>
-            <a:endParaRPr b="0" lang="pt-BR" sz="2800" spc="-1" strike="noStrike">
-              <a:solidFill>
-                <a:srgbClr val="000000"/>
-              </a:solidFill>
+            <a:endParaRPr b="0" lang="pt-BR" sz="3200" spc="-1" strike="noStrike">
               <a:latin typeface="Arial"/>
             </a:endParaRPr>
           </a:p>
@@ -2969,19 +2882,7 @@
             <a:normAutofit/>
           </a:bodyPr>
           <a:p>
-            <a:pPr>
-              <a:lnSpc>
-                <a:spcPct val="90000"/>
-              </a:lnSpc>
-              <a:spcBef>
-                <a:spcPts val="1417"/>
-              </a:spcBef>
-              <a:buNone/>
-            </a:pPr>
-            <a:endParaRPr b="0" lang="pt-BR" sz="2800" spc="-1" strike="noStrike">
-              <a:solidFill>
-                <a:srgbClr val="000000"/>
-              </a:solidFill>
+            <a:endParaRPr b="0" lang="pt-BR" sz="3200" spc="-1" strike="noStrike">
               <a:latin typeface="Arial"/>
             </a:endParaRPr>
           </a:p>
@@ -3015,19 +2916,7 @@
             <a:normAutofit/>
           </a:bodyPr>
           <a:p>
-            <a:pPr>
-              <a:lnSpc>
-                <a:spcPct val="90000"/>
-              </a:lnSpc>
-              <a:spcBef>
-                <a:spcPts val="1417"/>
-              </a:spcBef>
-              <a:buNone/>
-            </a:pPr>
-            <a:endParaRPr b="0" lang="pt-BR" sz="2800" spc="-1" strike="noStrike">
-              <a:solidFill>
-                <a:srgbClr val="000000"/>
-              </a:solidFill>
+            <a:endParaRPr b="0" lang="pt-BR" sz="3200" spc="-1" strike="noStrike">
               <a:latin typeface="Arial"/>
             </a:endParaRPr>
           </a:p>
@@ -3061,19 +2950,7 @@
             <a:normAutofit/>
           </a:bodyPr>
           <a:p>
-            <a:pPr>
-              <a:lnSpc>
-                <a:spcPct val="90000"/>
-              </a:lnSpc>
-              <a:spcBef>
-                <a:spcPts val="1417"/>
-              </a:spcBef>
-              <a:buNone/>
-            </a:pPr>
-            <a:endParaRPr b="0" lang="pt-BR" sz="2800" spc="-1" strike="noStrike">
-              <a:solidFill>
-                <a:srgbClr val="000000"/>
-              </a:solidFill>
+            <a:endParaRPr b="0" lang="pt-BR" sz="3200" spc="-1" strike="noStrike">
               <a:latin typeface="Arial"/>
             </a:endParaRPr>
           </a:p>
@@ -3107,19 +2984,7 @@
             <a:normAutofit/>
           </a:bodyPr>
           <a:p>
-            <a:pPr>
-              <a:lnSpc>
-                <a:spcPct val="90000"/>
-              </a:lnSpc>
-              <a:spcBef>
-                <a:spcPts val="1417"/>
-              </a:spcBef>
-              <a:buNone/>
-            </a:pPr>
-            <a:endParaRPr b="0" lang="pt-BR" sz="2800" spc="-1" strike="noStrike">
-              <a:solidFill>
-                <a:srgbClr val="000000"/>
-              </a:solidFill>
+            <a:endParaRPr b="0" lang="pt-BR" sz="3200" spc="-1" strike="noStrike">
               <a:latin typeface="Arial"/>
             </a:endParaRPr>
           </a:p>
@@ -3153,19 +3018,7 @@
             <a:normAutofit/>
           </a:bodyPr>
           <a:p>
-            <a:pPr>
-              <a:lnSpc>
-                <a:spcPct val="90000"/>
-              </a:lnSpc>
-              <a:spcBef>
-                <a:spcPts val="1417"/>
-              </a:spcBef>
-              <a:buNone/>
-            </a:pPr>
-            <a:endParaRPr b="0" lang="pt-BR" sz="2800" spc="-1" strike="noStrike">
-              <a:solidFill>
-                <a:srgbClr val="000000"/>
-              </a:solidFill>
+            <a:endParaRPr b="0" lang="pt-BR" sz="3200" spc="-1" strike="noStrike">
               <a:latin typeface="Arial"/>
             </a:endParaRPr>
           </a:p>
@@ -3243,10 +3096,10 @@
             <a:noAutofit/>
           </a:bodyPr>
           <a:p>
-            <a:endParaRPr b="0" lang="pt-BR" sz="1800" spc="-1" strike="noStrike">
-              <a:solidFill>
-                <a:srgbClr val="000000"/>
-              </a:solidFill>
+            <a:pPr algn="ctr">
+              <a:buNone/>
+            </a:pPr>
+            <a:endParaRPr b="0" lang="pt-BR" sz="4400" spc="-1" strike="noStrike">
               <a:latin typeface="Arial"/>
             </a:endParaRPr>
           </a:p>
@@ -3339,10 +3192,10 @@
             <a:noAutofit/>
           </a:bodyPr>
           <a:p>
-            <a:endParaRPr b="0" lang="pt-BR" sz="1800" spc="-1" strike="noStrike">
-              <a:solidFill>
-                <a:srgbClr val="000000"/>
-              </a:solidFill>
+            <a:pPr algn="ctr">
+              <a:buNone/>
+            </a:pPr>
+            <a:endParaRPr b="0" lang="pt-BR" sz="4400" spc="-1" strike="noStrike">
               <a:latin typeface="Arial"/>
             </a:endParaRPr>
           </a:p>
@@ -3376,19 +3229,7 @@
             <a:normAutofit/>
           </a:bodyPr>
           <a:p>
-            <a:pPr>
-              <a:lnSpc>
-                <a:spcPct val="90000"/>
-              </a:lnSpc>
-              <a:spcBef>
-                <a:spcPts val="1417"/>
-              </a:spcBef>
-              <a:buNone/>
-            </a:pPr>
-            <a:endParaRPr b="0" lang="pt-BR" sz="2800" spc="-1" strike="noStrike">
-              <a:solidFill>
-                <a:srgbClr val="000000"/>
-              </a:solidFill>
+            <a:endParaRPr b="0" lang="pt-BR" sz="3200" spc="-1" strike="noStrike">
               <a:latin typeface="Arial"/>
             </a:endParaRPr>
           </a:p>
@@ -3444,10 +3285,10 @@
             <a:noAutofit/>
           </a:bodyPr>
           <a:p>
-            <a:endParaRPr b="0" lang="pt-BR" sz="1800" spc="-1" strike="noStrike">
-              <a:solidFill>
-                <a:srgbClr val="000000"/>
-              </a:solidFill>
+            <a:pPr algn="ctr">
+              <a:buNone/>
+            </a:pPr>
+            <a:endParaRPr b="0" lang="pt-BR" sz="4400" spc="-1" strike="noStrike">
               <a:latin typeface="Arial"/>
             </a:endParaRPr>
           </a:p>
@@ -3481,19 +3322,7 @@
             <a:normAutofit/>
           </a:bodyPr>
           <a:p>
-            <a:pPr>
-              <a:lnSpc>
-                <a:spcPct val="90000"/>
-              </a:lnSpc>
-              <a:spcBef>
-                <a:spcPts val="1417"/>
-              </a:spcBef>
-              <a:buNone/>
-            </a:pPr>
-            <a:endParaRPr b="0" lang="pt-BR" sz="2800" spc="-1" strike="noStrike">
-              <a:solidFill>
-                <a:srgbClr val="000000"/>
-              </a:solidFill>
+            <a:endParaRPr b="0" lang="pt-BR" sz="3200" spc="-1" strike="noStrike">
               <a:latin typeface="Arial"/>
             </a:endParaRPr>
           </a:p>
@@ -3527,19 +3356,7 @@
             <a:normAutofit/>
           </a:bodyPr>
           <a:p>
-            <a:pPr>
-              <a:lnSpc>
-                <a:spcPct val="90000"/>
-              </a:lnSpc>
-              <a:spcBef>
-                <a:spcPts val="1417"/>
-              </a:spcBef>
-              <a:buNone/>
-            </a:pPr>
-            <a:endParaRPr b="0" lang="pt-BR" sz="2800" spc="-1" strike="noStrike">
-              <a:solidFill>
-                <a:srgbClr val="000000"/>
-              </a:solidFill>
+            <a:endParaRPr b="0" lang="pt-BR" sz="3200" spc="-1" strike="noStrike">
               <a:latin typeface="Arial"/>
             </a:endParaRPr>
           </a:p>
@@ -3595,10 +3412,10 @@
             <a:noAutofit/>
           </a:bodyPr>
           <a:p>
-            <a:endParaRPr b="0" lang="pt-BR" sz="1800" spc="-1" strike="noStrike">
-              <a:solidFill>
-                <a:srgbClr val="000000"/>
-              </a:solidFill>
+            <a:pPr algn="ctr">
+              <a:buNone/>
+            </a:pPr>
+            <a:endParaRPr b="0" lang="pt-BR" sz="4400" spc="-1" strike="noStrike">
               <a:latin typeface="Arial"/>
             </a:endParaRPr>
           </a:p>
@@ -3713,10 +3530,10 @@
             <a:noAutofit/>
           </a:bodyPr>
           <a:p>
-            <a:endParaRPr b="0" lang="pt-BR" sz="1800" spc="-1" strike="noStrike">
-              <a:solidFill>
-                <a:srgbClr val="000000"/>
-              </a:solidFill>
+            <a:pPr algn="ctr">
+              <a:buNone/>
+            </a:pPr>
+            <a:endParaRPr b="0" lang="pt-BR" sz="4400" spc="-1" strike="noStrike">
               <a:latin typeface="Arial"/>
             </a:endParaRPr>
           </a:p>
@@ -3750,19 +3567,7 @@
             <a:normAutofit/>
           </a:bodyPr>
           <a:p>
-            <a:pPr>
-              <a:lnSpc>
-                <a:spcPct val="90000"/>
-              </a:lnSpc>
-              <a:spcBef>
-                <a:spcPts val="1417"/>
-              </a:spcBef>
-              <a:buNone/>
-            </a:pPr>
-            <a:endParaRPr b="0" lang="pt-BR" sz="2800" spc="-1" strike="noStrike">
-              <a:solidFill>
-                <a:srgbClr val="000000"/>
-              </a:solidFill>
+            <a:endParaRPr b="0" lang="pt-BR" sz="3200" spc="-1" strike="noStrike">
               <a:latin typeface="Arial"/>
             </a:endParaRPr>
           </a:p>
@@ -3796,19 +3601,7 @@
             <a:normAutofit/>
           </a:bodyPr>
           <a:p>
-            <a:pPr>
-              <a:lnSpc>
-                <a:spcPct val="90000"/>
-              </a:lnSpc>
-              <a:spcBef>
-                <a:spcPts val="1417"/>
-              </a:spcBef>
-              <a:buNone/>
-            </a:pPr>
-            <a:endParaRPr b="0" lang="pt-BR" sz="2800" spc="-1" strike="noStrike">
-              <a:solidFill>
-                <a:srgbClr val="000000"/>
-              </a:solidFill>
+            <a:endParaRPr b="0" lang="pt-BR" sz="3200" spc="-1" strike="noStrike">
               <a:latin typeface="Arial"/>
             </a:endParaRPr>
           </a:p>
@@ -3842,19 +3635,7 @@
             <a:normAutofit/>
           </a:bodyPr>
           <a:p>
-            <a:pPr>
-              <a:lnSpc>
-                <a:spcPct val="90000"/>
-              </a:lnSpc>
-              <a:spcBef>
-                <a:spcPts val="1417"/>
-              </a:spcBef>
-              <a:buNone/>
-            </a:pPr>
-            <a:endParaRPr b="0" lang="pt-BR" sz="2800" spc="-1" strike="noStrike">
-              <a:solidFill>
-                <a:srgbClr val="000000"/>
-              </a:solidFill>
+            <a:endParaRPr b="0" lang="pt-BR" sz="3200" spc="-1" strike="noStrike">
               <a:latin typeface="Arial"/>
             </a:endParaRPr>
           </a:p>
@@ -3910,10 +3691,10 @@
             <a:noAutofit/>
           </a:bodyPr>
           <a:p>
-            <a:endParaRPr b="0" lang="pt-BR" sz="1800" spc="-1" strike="noStrike">
-              <a:solidFill>
-                <a:srgbClr val="000000"/>
-              </a:solidFill>
+            <a:pPr algn="ctr">
+              <a:buNone/>
+            </a:pPr>
+            <a:endParaRPr b="0" lang="pt-BR" sz="4400" spc="-1" strike="noStrike">
               <a:latin typeface="Arial"/>
             </a:endParaRPr>
           </a:p>
@@ -4006,10 +3787,10 @@
             <a:noAutofit/>
           </a:bodyPr>
           <a:p>
-            <a:endParaRPr b="0" lang="pt-BR" sz="1800" spc="-1" strike="noStrike">
-              <a:solidFill>
-                <a:srgbClr val="000000"/>
-              </a:solidFill>
+            <a:pPr algn="ctr">
+              <a:buNone/>
+            </a:pPr>
+            <a:endParaRPr b="0" lang="pt-BR" sz="4400" spc="-1" strike="noStrike">
               <a:latin typeface="Arial"/>
             </a:endParaRPr>
           </a:p>
@@ -4043,19 +3824,7 @@
             <a:normAutofit/>
           </a:bodyPr>
           <a:p>
-            <a:pPr>
-              <a:lnSpc>
-                <a:spcPct val="90000"/>
-              </a:lnSpc>
-              <a:spcBef>
-                <a:spcPts val="1417"/>
-              </a:spcBef>
-              <a:buNone/>
-            </a:pPr>
-            <a:endParaRPr b="0" lang="pt-BR" sz="2800" spc="-1" strike="noStrike">
-              <a:solidFill>
-                <a:srgbClr val="000000"/>
-              </a:solidFill>
+            <a:endParaRPr b="0" lang="pt-BR" sz="3200" spc="-1" strike="noStrike">
               <a:latin typeface="Arial"/>
             </a:endParaRPr>
           </a:p>
@@ -4089,19 +3858,7 @@
             <a:normAutofit/>
           </a:bodyPr>
           <a:p>
-            <a:pPr>
-              <a:lnSpc>
-                <a:spcPct val="90000"/>
-              </a:lnSpc>
-              <a:spcBef>
-                <a:spcPts val="1417"/>
-              </a:spcBef>
-              <a:buNone/>
-            </a:pPr>
-            <a:endParaRPr b="0" lang="pt-BR" sz="2800" spc="-1" strike="noStrike">
-              <a:solidFill>
-                <a:srgbClr val="000000"/>
-              </a:solidFill>
+            <a:endParaRPr b="0" lang="pt-BR" sz="3200" spc="-1" strike="noStrike">
               <a:latin typeface="Arial"/>
             </a:endParaRPr>
           </a:p>
@@ -4135,19 +3892,7 @@
             <a:normAutofit/>
           </a:bodyPr>
           <a:p>
-            <a:pPr>
-              <a:lnSpc>
-                <a:spcPct val="90000"/>
-              </a:lnSpc>
-              <a:spcBef>
-                <a:spcPts val="1417"/>
-              </a:spcBef>
-              <a:buNone/>
-            </a:pPr>
-            <a:endParaRPr b="0" lang="pt-BR" sz="2800" spc="-1" strike="noStrike">
-              <a:solidFill>
-                <a:srgbClr val="000000"/>
-              </a:solidFill>
+            <a:endParaRPr b="0" lang="pt-BR" sz="3200" spc="-1" strike="noStrike">
               <a:latin typeface="Arial"/>
             </a:endParaRPr>
           </a:p>
@@ -4203,10 +3948,10 @@
             <a:noAutofit/>
           </a:bodyPr>
           <a:p>
-            <a:endParaRPr b="0" lang="pt-BR" sz="1800" spc="-1" strike="noStrike">
-              <a:solidFill>
-                <a:srgbClr val="000000"/>
-              </a:solidFill>
+            <a:pPr algn="ctr">
+              <a:buNone/>
+            </a:pPr>
+            <a:endParaRPr b="0" lang="pt-BR" sz="4400" spc="-1" strike="noStrike">
               <a:latin typeface="Arial"/>
             </a:endParaRPr>
           </a:p>
@@ -4240,19 +3985,7 @@
             <a:normAutofit/>
           </a:bodyPr>
           <a:p>
-            <a:pPr>
-              <a:lnSpc>
-                <a:spcPct val="90000"/>
-              </a:lnSpc>
-              <a:spcBef>
-                <a:spcPts val="1417"/>
-              </a:spcBef>
-              <a:buNone/>
-            </a:pPr>
-            <a:endParaRPr b="0" lang="pt-BR" sz="2800" spc="-1" strike="noStrike">
-              <a:solidFill>
-                <a:srgbClr val="000000"/>
-              </a:solidFill>
+            <a:endParaRPr b="0" lang="pt-BR" sz="3200" spc="-1" strike="noStrike">
               <a:latin typeface="Arial"/>
             </a:endParaRPr>
           </a:p>
@@ -4286,19 +4019,7 @@
             <a:normAutofit/>
           </a:bodyPr>
           <a:p>
-            <a:pPr>
-              <a:lnSpc>
-                <a:spcPct val="90000"/>
-              </a:lnSpc>
-              <a:spcBef>
-                <a:spcPts val="1417"/>
-              </a:spcBef>
-              <a:buNone/>
-            </a:pPr>
-            <a:endParaRPr b="0" lang="pt-BR" sz="2800" spc="-1" strike="noStrike">
-              <a:solidFill>
-                <a:srgbClr val="000000"/>
-              </a:solidFill>
+            <a:endParaRPr b="0" lang="pt-BR" sz="3200" spc="-1" strike="noStrike">
               <a:latin typeface="Arial"/>
             </a:endParaRPr>
           </a:p>
@@ -4332,19 +4053,7 @@
             <a:normAutofit/>
           </a:bodyPr>
           <a:p>
-            <a:pPr>
-              <a:lnSpc>
-                <a:spcPct val="90000"/>
-              </a:lnSpc>
-              <a:spcBef>
-                <a:spcPts val="1417"/>
-              </a:spcBef>
-              <a:buNone/>
-            </a:pPr>
-            <a:endParaRPr b="0" lang="pt-BR" sz="2800" spc="-1" strike="noStrike">
-              <a:solidFill>
-                <a:srgbClr val="000000"/>
-              </a:solidFill>
+            <a:endParaRPr b="0" lang="pt-BR" sz="3200" spc="-1" strike="noStrike">
               <a:latin typeface="Arial"/>
             </a:endParaRPr>
           </a:p>
@@ -4400,10 +4109,10 @@
             <a:noAutofit/>
           </a:bodyPr>
           <a:p>
-            <a:endParaRPr b="0" lang="pt-BR" sz="1800" spc="-1" strike="noStrike">
-              <a:solidFill>
-                <a:srgbClr val="000000"/>
-              </a:solidFill>
+            <a:pPr algn="ctr">
+              <a:buNone/>
+            </a:pPr>
+            <a:endParaRPr b="0" lang="pt-BR" sz="4400" spc="-1" strike="noStrike">
               <a:latin typeface="Arial"/>
             </a:endParaRPr>
           </a:p>
@@ -4437,19 +4146,7 @@
             <a:normAutofit/>
           </a:bodyPr>
           <a:p>
-            <a:pPr>
-              <a:lnSpc>
-                <a:spcPct val="90000"/>
-              </a:lnSpc>
-              <a:spcBef>
-                <a:spcPts val="1417"/>
-              </a:spcBef>
-              <a:buNone/>
-            </a:pPr>
-            <a:endParaRPr b="0" lang="pt-BR" sz="2800" spc="-1" strike="noStrike">
-              <a:solidFill>
-                <a:srgbClr val="000000"/>
-              </a:solidFill>
+            <a:endParaRPr b="0" lang="pt-BR" sz="3200" spc="-1" strike="noStrike">
               <a:latin typeface="Arial"/>
             </a:endParaRPr>
           </a:p>
@@ -4483,19 +4180,7 @@
             <a:normAutofit/>
           </a:bodyPr>
           <a:p>
-            <a:pPr>
-              <a:lnSpc>
-                <a:spcPct val="90000"/>
-              </a:lnSpc>
-              <a:spcBef>
-                <a:spcPts val="1417"/>
-              </a:spcBef>
-              <a:buNone/>
-            </a:pPr>
-            <a:endParaRPr b="0" lang="pt-BR" sz="2800" spc="-1" strike="noStrike">
-              <a:solidFill>
-                <a:srgbClr val="000000"/>
-              </a:solidFill>
+            <a:endParaRPr b="0" lang="pt-BR" sz="3200" spc="-1" strike="noStrike">
               <a:latin typeface="Arial"/>
             </a:endParaRPr>
           </a:p>
@@ -4551,10 +4236,10 @@
             <a:noAutofit/>
           </a:bodyPr>
           <a:p>
-            <a:endParaRPr b="0" lang="pt-BR" sz="1800" spc="-1" strike="noStrike">
-              <a:solidFill>
-                <a:srgbClr val="000000"/>
-              </a:solidFill>
+            <a:pPr algn="ctr">
+              <a:buNone/>
+            </a:pPr>
+            <a:endParaRPr b="0" lang="pt-BR" sz="4400" spc="-1" strike="noStrike">
               <a:latin typeface="Arial"/>
             </a:endParaRPr>
           </a:p>
@@ -4588,19 +4273,7 @@
             <a:normAutofit/>
           </a:bodyPr>
           <a:p>
-            <a:pPr>
-              <a:lnSpc>
-                <a:spcPct val="90000"/>
-              </a:lnSpc>
-              <a:spcBef>
-                <a:spcPts val="1417"/>
-              </a:spcBef>
-              <a:buNone/>
-            </a:pPr>
-            <a:endParaRPr b="0" lang="pt-BR" sz="2800" spc="-1" strike="noStrike">
-              <a:solidFill>
-                <a:srgbClr val="000000"/>
-              </a:solidFill>
+            <a:endParaRPr b="0" lang="pt-BR" sz="3200" spc="-1" strike="noStrike">
               <a:latin typeface="Arial"/>
             </a:endParaRPr>
           </a:p>
@@ -4634,19 +4307,7 @@
             <a:normAutofit/>
           </a:bodyPr>
           <a:p>
-            <a:pPr>
-              <a:lnSpc>
-                <a:spcPct val="90000"/>
-              </a:lnSpc>
-              <a:spcBef>
-                <a:spcPts val="1417"/>
-              </a:spcBef>
-              <a:buNone/>
-            </a:pPr>
-            <a:endParaRPr b="0" lang="pt-BR" sz="2800" spc="-1" strike="noStrike">
-              <a:solidFill>
-                <a:srgbClr val="000000"/>
-              </a:solidFill>
+            <a:endParaRPr b="0" lang="pt-BR" sz="3200" spc="-1" strike="noStrike">
               <a:latin typeface="Arial"/>
             </a:endParaRPr>
           </a:p>
@@ -4680,19 +4341,7 @@
             <a:normAutofit/>
           </a:bodyPr>
           <a:p>
-            <a:pPr>
-              <a:lnSpc>
-                <a:spcPct val="90000"/>
-              </a:lnSpc>
-              <a:spcBef>
-                <a:spcPts val="1417"/>
-              </a:spcBef>
-              <a:buNone/>
-            </a:pPr>
-            <a:endParaRPr b="0" lang="pt-BR" sz="2800" spc="-1" strike="noStrike">
-              <a:solidFill>
-                <a:srgbClr val="000000"/>
-              </a:solidFill>
+            <a:endParaRPr b="0" lang="pt-BR" sz="3200" spc="-1" strike="noStrike">
               <a:latin typeface="Arial"/>
             </a:endParaRPr>
           </a:p>
@@ -4726,19 +4375,7 @@
             <a:normAutofit/>
           </a:bodyPr>
           <a:p>
-            <a:pPr>
-              <a:lnSpc>
-                <a:spcPct val="90000"/>
-              </a:lnSpc>
-              <a:spcBef>
-                <a:spcPts val="1417"/>
-              </a:spcBef>
-              <a:buNone/>
-            </a:pPr>
-            <a:endParaRPr b="0" lang="pt-BR" sz="2800" spc="-1" strike="noStrike">
-              <a:solidFill>
-                <a:srgbClr val="000000"/>
-              </a:solidFill>
+            <a:endParaRPr b="0" lang="pt-BR" sz="3200" spc="-1" strike="noStrike">
               <a:latin typeface="Arial"/>
             </a:endParaRPr>
           </a:p>
@@ -4794,10 +4431,10 @@
             <a:noAutofit/>
           </a:bodyPr>
           <a:p>
-            <a:endParaRPr b="0" lang="pt-BR" sz="1800" spc="-1" strike="noStrike">
-              <a:solidFill>
-                <a:srgbClr val="000000"/>
-              </a:solidFill>
+            <a:pPr algn="ctr">
+              <a:buNone/>
+            </a:pPr>
+            <a:endParaRPr b="0" lang="pt-BR" sz="4400" spc="-1" strike="noStrike">
               <a:latin typeface="Arial"/>
             </a:endParaRPr>
           </a:p>
@@ -4831,19 +4468,7 @@
             <a:normAutofit/>
           </a:bodyPr>
           <a:p>
-            <a:pPr>
-              <a:lnSpc>
-                <a:spcPct val="90000"/>
-              </a:lnSpc>
-              <a:spcBef>
-                <a:spcPts val="1417"/>
-              </a:spcBef>
-              <a:buNone/>
-            </a:pPr>
-            <a:endParaRPr b="0" lang="pt-BR" sz="2800" spc="-1" strike="noStrike">
-              <a:solidFill>
-                <a:srgbClr val="000000"/>
-              </a:solidFill>
+            <a:endParaRPr b="0" lang="pt-BR" sz="3200" spc="-1" strike="noStrike">
               <a:latin typeface="Arial"/>
             </a:endParaRPr>
           </a:p>
@@ -4877,19 +4502,7 @@
             <a:normAutofit/>
           </a:bodyPr>
           <a:p>
-            <a:pPr>
-              <a:lnSpc>
-                <a:spcPct val="90000"/>
-              </a:lnSpc>
-              <a:spcBef>
-                <a:spcPts val="1417"/>
-              </a:spcBef>
-              <a:buNone/>
-            </a:pPr>
-            <a:endParaRPr b="0" lang="pt-BR" sz="2800" spc="-1" strike="noStrike">
-              <a:solidFill>
-                <a:srgbClr val="000000"/>
-              </a:solidFill>
+            <a:endParaRPr b="0" lang="pt-BR" sz="3200" spc="-1" strike="noStrike">
               <a:latin typeface="Arial"/>
             </a:endParaRPr>
           </a:p>
@@ -4923,19 +4536,7 @@
             <a:normAutofit/>
           </a:bodyPr>
           <a:p>
-            <a:pPr>
-              <a:lnSpc>
-                <a:spcPct val="90000"/>
-              </a:lnSpc>
-              <a:spcBef>
-                <a:spcPts val="1417"/>
-              </a:spcBef>
-              <a:buNone/>
-            </a:pPr>
-            <a:endParaRPr b="0" lang="pt-BR" sz="2800" spc="-1" strike="noStrike">
-              <a:solidFill>
-                <a:srgbClr val="000000"/>
-              </a:solidFill>
+            <a:endParaRPr b="0" lang="pt-BR" sz="3200" spc="-1" strike="noStrike">
               <a:latin typeface="Arial"/>
             </a:endParaRPr>
           </a:p>
@@ -4969,19 +4570,7 @@
             <a:normAutofit/>
           </a:bodyPr>
           <a:p>
-            <a:pPr>
-              <a:lnSpc>
-                <a:spcPct val="90000"/>
-              </a:lnSpc>
-              <a:spcBef>
-                <a:spcPts val="1417"/>
-              </a:spcBef>
-              <a:buNone/>
-            </a:pPr>
-            <a:endParaRPr b="0" lang="pt-BR" sz="2800" spc="-1" strike="noStrike">
-              <a:solidFill>
-                <a:srgbClr val="000000"/>
-              </a:solidFill>
+            <a:endParaRPr b="0" lang="pt-BR" sz="3200" spc="-1" strike="noStrike">
               <a:latin typeface="Arial"/>
             </a:endParaRPr>
           </a:p>
@@ -5015,19 +4604,7 @@
             <a:normAutofit/>
           </a:bodyPr>
           <a:p>
-            <a:pPr>
-              <a:lnSpc>
-                <a:spcPct val="90000"/>
-              </a:lnSpc>
-              <a:spcBef>
-                <a:spcPts val="1417"/>
-              </a:spcBef>
-              <a:buNone/>
-            </a:pPr>
-            <a:endParaRPr b="0" lang="pt-BR" sz="2800" spc="-1" strike="noStrike">
-              <a:solidFill>
-                <a:srgbClr val="000000"/>
-              </a:solidFill>
+            <a:endParaRPr b="0" lang="pt-BR" sz="3200" spc="-1" strike="noStrike">
               <a:latin typeface="Arial"/>
             </a:endParaRPr>
           </a:p>
@@ -5061,19 +4638,7 @@
             <a:normAutofit/>
           </a:bodyPr>
           <a:p>
-            <a:pPr>
-              <a:lnSpc>
-                <a:spcPct val="90000"/>
-              </a:lnSpc>
-              <a:spcBef>
-                <a:spcPts val="1417"/>
-              </a:spcBef>
-              <a:buNone/>
-            </a:pPr>
-            <a:endParaRPr b="0" lang="pt-BR" sz="2800" spc="-1" strike="noStrike">
-              <a:solidFill>
-                <a:srgbClr val="000000"/>
-              </a:solidFill>
+            <a:endParaRPr b="0" lang="pt-BR" sz="3200" spc="-1" strike="noStrike">
               <a:latin typeface="Arial"/>
             </a:endParaRPr>
           </a:p>
@@ -5129,10 +4694,10 @@
             <a:noAutofit/>
           </a:bodyPr>
           <a:p>
-            <a:endParaRPr b="0" lang="pt-BR" sz="1800" spc="-1" strike="noStrike">
-              <a:solidFill>
-                <a:srgbClr val="000000"/>
-              </a:solidFill>
+            <a:pPr algn="ctr">
+              <a:buNone/>
+            </a:pPr>
+            <a:endParaRPr b="0" lang="pt-BR" sz="4400" spc="-1" strike="noStrike">
               <a:latin typeface="Arial"/>
             </a:endParaRPr>
           </a:p>
@@ -5166,19 +4731,7 @@
             <a:normAutofit/>
           </a:bodyPr>
           <a:p>
-            <a:pPr>
-              <a:lnSpc>
-                <a:spcPct val="90000"/>
-              </a:lnSpc>
-              <a:spcBef>
-                <a:spcPts val="1417"/>
-              </a:spcBef>
-              <a:buNone/>
-            </a:pPr>
-            <a:endParaRPr b="0" lang="pt-BR" sz="2800" spc="-1" strike="noStrike">
-              <a:solidFill>
-                <a:srgbClr val="000000"/>
-              </a:solidFill>
+            <a:endParaRPr b="0" lang="pt-BR" sz="3200" spc="-1" strike="noStrike">
               <a:latin typeface="Arial"/>
             </a:endParaRPr>
           </a:p>
@@ -5234,10 +4787,10 @@
             <a:noAutofit/>
           </a:bodyPr>
           <a:p>
-            <a:endParaRPr b="0" lang="pt-BR" sz="1800" spc="-1" strike="noStrike">
-              <a:solidFill>
-                <a:srgbClr val="000000"/>
-              </a:solidFill>
+            <a:pPr algn="ctr">
+              <a:buNone/>
+            </a:pPr>
+            <a:endParaRPr b="0" lang="pt-BR" sz="4400" spc="-1" strike="noStrike">
               <a:latin typeface="Arial"/>
             </a:endParaRPr>
           </a:p>
@@ -5271,19 +4824,7 @@
             <a:normAutofit/>
           </a:bodyPr>
           <a:p>
-            <a:pPr>
-              <a:lnSpc>
-                <a:spcPct val="90000"/>
-              </a:lnSpc>
-              <a:spcBef>
-                <a:spcPts val="1417"/>
-              </a:spcBef>
-              <a:buNone/>
-            </a:pPr>
-            <a:endParaRPr b="0" lang="pt-BR" sz="2800" spc="-1" strike="noStrike">
-              <a:solidFill>
-                <a:srgbClr val="000000"/>
-              </a:solidFill>
+            <a:endParaRPr b="0" lang="pt-BR" sz="3200" spc="-1" strike="noStrike">
               <a:latin typeface="Arial"/>
             </a:endParaRPr>
           </a:p>
@@ -5317,19 +4858,7 @@
             <a:normAutofit/>
           </a:bodyPr>
           <a:p>
-            <a:pPr>
-              <a:lnSpc>
-                <a:spcPct val="90000"/>
-              </a:lnSpc>
-              <a:spcBef>
-                <a:spcPts val="1417"/>
-              </a:spcBef>
-              <a:buNone/>
-            </a:pPr>
-            <a:endParaRPr b="0" lang="pt-BR" sz="2800" spc="-1" strike="noStrike">
-              <a:solidFill>
-                <a:srgbClr val="000000"/>
-              </a:solidFill>
+            <a:endParaRPr b="0" lang="pt-BR" sz="3200" spc="-1" strike="noStrike">
               <a:latin typeface="Arial"/>
             </a:endParaRPr>
           </a:p>
@@ -5385,10 +4914,10 @@
             <a:noAutofit/>
           </a:bodyPr>
           <a:p>
-            <a:endParaRPr b="0" lang="pt-BR" sz="1800" spc="-1" strike="noStrike">
-              <a:solidFill>
-                <a:srgbClr val="000000"/>
-              </a:solidFill>
+            <a:pPr algn="ctr">
+              <a:buNone/>
+            </a:pPr>
+            <a:endParaRPr b="0" lang="pt-BR" sz="4400" spc="-1" strike="noStrike">
               <a:latin typeface="Arial"/>
             </a:endParaRPr>
           </a:p>
@@ -5503,10 +5032,10 @@
             <a:noAutofit/>
           </a:bodyPr>
           <a:p>
-            <a:endParaRPr b="0" lang="pt-BR" sz="1800" spc="-1" strike="noStrike">
-              <a:solidFill>
-                <a:srgbClr val="000000"/>
-              </a:solidFill>
+            <a:pPr algn="ctr">
+              <a:buNone/>
+            </a:pPr>
+            <a:endParaRPr b="0" lang="pt-BR" sz="4400" spc="-1" strike="noStrike">
               <a:latin typeface="Arial"/>
             </a:endParaRPr>
           </a:p>
@@ -5540,19 +5069,7 @@
             <a:normAutofit/>
           </a:bodyPr>
           <a:p>
-            <a:pPr>
-              <a:lnSpc>
-                <a:spcPct val="90000"/>
-              </a:lnSpc>
-              <a:spcBef>
-                <a:spcPts val="1417"/>
-              </a:spcBef>
-              <a:buNone/>
-            </a:pPr>
-            <a:endParaRPr b="0" lang="pt-BR" sz="2800" spc="-1" strike="noStrike">
-              <a:solidFill>
-                <a:srgbClr val="000000"/>
-              </a:solidFill>
+            <a:endParaRPr b="0" lang="pt-BR" sz="3200" spc="-1" strike="noStrike">
               <a:latin typeface="Arial"/>
             </a:endParaRPr>
           </a:p>
@@ -5586,19 +5103,7 @@
             <a:normAutofit/>
           </a:bodyPr>
           <a:p>
-            <a:pPr>
-              <a:lnSpc>
-                <a:spcPct val="90000"/>
-              </a:lnSpc>
-              <a:spcBef>
-                <a:spcPts val="1417"/>
-              </a:spcBef>
-              <a:buNone/>
-            </a:pPr>
-            <a:endParaRPr b="0" lang="pt-BR" sz="2800" spc="-1" strike="noStrike">
-              <a:solidFill>
-                <a:srgbClr val="000000"/>
-              </a:solidFill>
+            <a:endParaRPr b="0" lang="pt-BR" sz="3200" spc="-1" strike="noStrike">
               <a:latin typeface="Arial"/>
             </a:endParaRPr>
           </a:p>
@@ -5632,19 +5137,7 @@
             <a:normAutofit/>
           </a:bodyPr>
           <a:p>
-            <a:pPr>
-              <a:lnSpc>
-                <a:spcPct val="90000"/>
-              </a:lnSpc>
-              <a:spcBef>
-                <a:spcPts val="1417"/>
-              </a:spcBef>
-              <a:buNone/>
-            </a:pPr>
-            <a:endParaRPr b="0" lang="pt-BR" sz="2800" spc="-1" strike="noStrike">
-              <a:solidFill>
-                <a:srgbClr val="000000"/>
-              </a:solidFill>
+            <a:endParaRPr b="0" lang="pt-BR" sz="3200" spc="-1" strike="noStrike">
               <a:latin typeface="Arial"/>
             </a:endParaRPr>
           </a:p>
@@ -5700,10 +5193,10 @@
             <a:noAutofit/>
           </a:bodyPr>
           <a:p>
-            <a:endParaRPr b="0" lang="pt-BR" sz="1800" spc="-1" strike="noStrike">
-              <a:solidFill>
-                <a:srgbClr val="000000"/>
-              </a:solidFill>
+            <a:pPr algn="ctr">
+              <a:buNone/>
+            </a:pPr>
+            <a:endParaRPr b="0" lang="pt-BR" sz="4400" spc="-1" strike="noStrike">
               <a:latin typeface="Arial"/>
             </a:endParaRPr>
           </a:p>
@@ -5737,19 +5230,7 @@
             <a:normAutofit/>
           </a:bodyPr>
           <a:p>
-            <a:pPr>
-              <a:lnSpc>
-                <a:spcPct val="90000"/>
-              </a:lnSpc>
-              <a:spcBef>
-                <a:spcPts val="1417"/>
-              </a:spcBef>
-              <a:buNone/>
-            </a:pPr>
-            <a:endParaRPr b="0" lang="pt-BR" sz="2800" spc="-1" strike="noStrike">
-              <a:solidFill>
-                <a:srgbClr val="000000"/>
-              </a:solidFill>
+            <a:endParaRPr b="0" lang="pt-BR" sz="3200" spc="-1" strike="noStrike">
               <a:latin typeface="Arial"/>
             </a:endParaRPr>
           </a:p>
@@ -5783,19 +5264,7 @@
             <a:normAutofit/>
           </a:bodyPr>
           <a:p>
-            <a:pPr>
-              <a:lnSpc>
-                <a:spcPct val="90000"/>
-              </a:lnSpc>
-              <a:spcBef>
-                <a:spcPts val="1417"/>
-              </a:spcBef>
-              <a:buNone/>
-            </a:pPr>
-            <a:endParaRPr b="0" lang="pt-BR" sz="2800" spc="-1" strike="noStrike">
-              <a:solidFill>
-                <a:srgbClr val="000000"/>
-              </a:solidFill>
+            <a:endParaRPr b="0" lang="pt-BR" sz="3200" spc="-1" strike="noStrike">
               <a:latin typeface="Arial"/>
             </a:endParaRPr>
           </a:p>
@@ -5829,19 +5298,7 @@
             <a:normAutofit/>
           </a:bodyPr>
           <a:p>
-            <a:pPr>
-              <a:lnSpc>
-                <a:spcPct val="90000"/>
-              </a:lnSpc>
-              <a:spcBef>
-                <a:spcPts val="1417"/>
-              </a:spcBef>
-              <a:buNone/>
-            </a:pPr>
-            <a:endParaRPr b="0" lang="pt-BR" sz="2800" spc="-1" strike="noStrike">
-              <a:solidFill>
-                <a:srgbClr val="000000"/>
-              </a:solidFill>
+            <a:endParaRPr b="0" lang="pt-BR" sz="3200" spc="-1" strike="noStrike">
               <a:latin typeface="Arial"/>
             </a:endParaRPr>
           </a:p>
@@ -5897,10 +5354,10 @@
             <a:noAutofit/>
           </a:bodyPr>
           <a:p>
-            <a:endParaRPr b="0" lang="pt-BR" sz="1800" spc="-1" strike="noStrike">
-              <a:solidFill>
-                <a:srgbClr val="000000"/>
-              </a:solidFill>
+            <a:pPr algn="ctr">
+              <a:buNone/>
+            </a:pPr>
+            <a:endParaRPr b="0" lang="pt-BR" sz="4400" spc="-1" strike="noStrike">
               <a:latin typeface="Arial"/>
             </a:endParaRPr>
           </a:p>
@@ -5934,19 +5391,7 @@
             <a:normAutofit/>
           </a:bodyPr>
           <a:p>
-            <a:pPr>
-              <a:lnSpc>
-                <a:spcPct val="90000"/>
-              </a:lnSpc>
-              <a:spcBef>
-                <a:spcPts val="1417"/>
-              </a:spcBef>
-              <a:buNone/>
-            </a:pPr>
-            <a:endParaRPr b="0" lang="pt-BR" sz="2800" spc="-1" strike="noStrike">
-              <a:solidFill>
-                <a:srgbClr val="000000"/>
-              </a:solidFill>
+            <a:endParaRPr b="0" lang="pt-BR" sz="3200" spc="-1" strike="noStrike">
               <a:latin typeface="Arial"/>
             </a:endParaRPr>
           </a:p>
@@ -5980,19 +5425,7 @@
             <a:normAutofit/>
           </a:bodyPr>
           <a:p>
-            <a:pPr>
-              <a:lnSpc>
-                <a:spcPct val="90000"/>
-              </a:lnSpc>
-              <a:spcBef>
-                <a:spcPts val="1417"/>
-              </a:spcBef>
-              <a:buNone/>
-            </a:pPr>
-            <a:endParaRPr b="0" lang="pt-BR" sz="2800" spc="-1" strike="noStrike">
-              <a:solidFill>
-                <a:srgbClr val="000000"/>
-              </a:solidFill>
+            <a:endParaRPr b="0" lang="pt-BR" sz="3200" spc="-1" strike="noStrike">
               <a:latin typeface="Arial"/>
             </a:endParaRPr>
           </a:p>
@@ -6026,19 +5459,7 @@
             <a:normAutofit/>
           </a:bodyPr>
           <a:p>
-            <a:pPr>
-              <a:lnSpc>
-                <a:spcPct val="90000"/>
-              </a:lnSpc>
-              <a:spcBef>
-                <a:spcPts val="1417"/>
-              </a:spcBef>
-              <a:buNone/>
-            </a:pPr>
-            <a:endParaRPr b="0" lang="pt-BR" sz="2800" spc="-1" strike="noStrike">
-              <a:solidFill>
-                <a:srgbClr val="000000"/>
-              </a:solidFill>
+            <a:endParaRPr b="0" lang="pt-BR" sz="3200" spc="-1" strike="noStrike">
               <a:latin typeface="Arial"/>
             </a:endParaRPr>
           </a:p>
@@ -6082,7 +5503,7 @@
         <p:spPr>
           <a:xfrm>
             <a:off x="0" y="3150000"/>
-            <a:ext cx="9713520" cy="1253520"/>
+            <a:ext cx="9713160" cy="1253160"/>
           </a:xfrm>
           <a:prstGeom prst="rect">
             <a:avLst/>
@@ -6129,19 +5550,16 @@
             <a:noAutofit/>
           </a:bodyPr>
           <a:p>
-            <a:r>
-              <a:rPr b="0" lang="pt-BR" sz="1800" spc="-1" strike="noStrike">
-                <a:solidFill>
-                  <a:srgbClr val="000000"/>
-                </a:solidFill>
+            <a:pPr algn="ctr">
+              <a:buNone/>
+            </a:pPr>
+            <a:r>
+              <a:rPr b="0" lang="pt-BR" sz="4400" spc="-1" strike="noStrike">
                 <a:latin typeface="Arial"/>
               </a:rPr>
               <a:t>Click to edit the title text format</a:t>
             </a:r>
-            <a:endParaRPr b="0" lang="pt-BR" sz="1800" spc="-1" strike="noStrike">
-              <a:solidFill>
-                <a:srgbClr val="000000"/>
-              </a:solidFill>
+            <a:endParaRPr b="0" lang="pt-BR" sz="4400" spc="-1" strike="noStrike">
               <a:latin typeface="Arial"/>
             </a:endParaRPr>
           </a:p>
@@ -6176,9 +5594,6 @@
           </a:bodyPr>
           <a:p>
             <a:pPr marL="432000" indent="-324000">
-              <a:lnSpc>
-                <a:spcPct val="90000"/>
-              </a:lnSpc>
               <a:spcBef>
                 <a:spcPts val="1417"/>
               </a:spcBef>
@@ -6190,26 +5605,17 @@
               <a:buChar char=""/>
             </a:pPr>
             <a:r>
-              <a:rPr b="0" lang="pt-BR" sz="2800" spc="-1" strike="noStrike">
-                <a:solidFill>
-                  <a:srgbClr val="000000"/>
-                </a:solidFill>
+              <a:rPr b="0" lang="pt-BR" sz="3200" spc="-1" strike="noStrike">
                 <a:latin typeface="Arial"/>
               </a:rPr>
               <a:t>Click to edit the outline text format</a:t>
             </a:r>
-            <a:endParaRPr b="0" lang="pt-BR" sz="2800" spc="-1" strike="noStrike">
-              <a:solidFill>
-                <a:srgbClr val="000000"/>
-              </a:solidFill>
+            <a:endParaRPr b="0" lang="pt-BR" sz="3200" spc="-1" strike="noStrike">
               <a:latin typeface="Arial"/>
             </a:endParaRPr>
           </a:p>
           <a:p>
             <a:pPr lvl="1" marL="864000" indent="-324000">
-              <a:lnSpc>
-                <a:spcPct val="90000"/>
-              </a:lnSpc>
               <a:spcBef>
                 <a:spcPts val="1134"/>
               </a:spcBef>
@@ -6221,26 +5627,17 @@
               <a:buChar char=""/>
             </a:pPr>
             <a:r>
-              <a:rPr b="0" lang="pt-BR" sz="2000" spc="-1" strike="noStrike">
-                <a:solidFill>
-                  <a:srgbClr val="000000"/>
-                </a:solidFill>
+              <a:rPr b="0" lang="pt-BR" sz="2800" spc="-1" strike="noStrike">
                 <a:latin typeface="Arial"/>
               </a:rPr>
               <a:t>Second Outline Level</a:t>
             </a:r>
-            <a:endParaRPr b="0" lang="pt-BR" sz="2000" spc="-1" strike="noStrike">
-              <a:solidFill>
-                <a:srgbClr val="000000"/>
-              </a:solidFill>
+            <a:endParaRPr b="0" lang="pt-BR" sz="2800" spc="-1" strike="noStrike">
               <a:latin typeface="Arial"/>
             </a:endParaRPr>
           </a:p>
           <a:p>
             <a:pPr lvl="2" marL="1296000" indent="-288000">
-              <a:lnSpc>
-                <a:spcPct val="90000"/>
-              </a:lnSpc>
               <a:spcBef>
                 <a:spcPts val="850"/>
               </a:spcBef>
@@ -6252,26 +5649,17 @@
               <a:buChar char=""/>
             </a:pPr>
             <a:r>
-              <a:rPr b="0" lang="pt-BR" sz="1800" spc="-1" strike="noStrike">
-                <a:solidFill>
-                  <a:srgbClr val="000000"/>
-                </a:solidFill>
+              <a:rPr b="0" lang="pt-BR" sz="2400" spc="-1" strike="noStrike">
                 <a:latin typeface="Arial"/>
               </a:rPr>
               <a:t>Third Outline Level</a:t>
             </a:r>
-            <a:endParaRPr b="0" lang="pt-BR" sz="1800" spc="-1" strike="noStrike">
-              <a:solidFill>
-                <a:srgbClr val="000000"/>
-              </a:solidFill>
+            <a:endParaRPr b="0" lang="pt-BR" sz="2400" spc="-1" strike="noStrike">
               <a:latin typeface="Arial"/>
             </a:endParaRPr>
           </a:p>
           <a:p>
             <a:pPr lvl="3" marL="1728000" indent="-216000">
-              <a:lnSpc>
-                <a:spcPct val="90000"/>
-              </a:lnSpc>
               <a:spcBef>
                 <a:spcPts val="567"/>
               </a:spcBef>
@@ -6283,26 +5671,17 @@
               <a:buChar char=""/>
             </a:pPr>
             <a:r>
-              <a:rPr b="0" lang="pt-BR" sz="1800" spc="-1" strike="noStrike">
-                <a:solidFill>
-                  <a:srgbClr val="000000"/>
-                </a:solidFill>
+              <a:rPr b="0" lang="pt-BR" sz="2000" spc="-1" strike="noStrike">
                 <a:latin typeface="Arial"/>
               </a:rPr>
               <a:t>Fourth Outline Level</a:t>
             </a:r>
-            <a:endParaRPr b="0" lang="pt-BR" sz="1800" spc="-1" strike="noStrike">
-              <a:solidFill>
-                <a:srgbClr val="000000"/>
-              </a:solidFill>
+            <a:endParaRPr b="0" lang="pt-BR" sz="2000" spc="-1" strike="noStrike">
               <a:latin typeface="Arial"/>
             </a:endParaRPr>
           </a:p>
           <a:p>
             <a:pPr lvl="4" marL="2160000" indent="-216000">
-              <a:lnSpc>
-                <a:spcPct val="90000"/>
-              </a:lnSpc>
               <a:spcBef>
                 <a:spcPts val="283"/>
               </a:spcBef>
@@ -6315,25 +5694,16 @@
             </a:pPr>
             <a:r>
               <a:rPr b="0" lang="pt-BR" sz="2000" spc="-1" strike="noStrike">
-                <a:solidFill>
-                  <a:srgbClr val="000000"/>
-                </a:solidFill>
                 <a:latin typeface="Arial"/>
               </a:rPr>
               <a:t>Fifth Outline Level</a:t>
             </a:r>
             <a:endParaRPr b="0" lang="pt-BR" sz="2000" spc="-1" strike="noStrike">
-              <a:solidFill>
-                <a:srgbClr val="000000"/>
-              </a:solidFill>
               <a:latin typeface="Arial"/>
             </a:endParaRPr>
           </a:p>
           <a:p>
             <a:pPr lvl="5" marL="2592000" indent="-216000">
-              <a:lnSpc>
-                <a:spcPct val="90000"/>
-              </a:lnSpc>
               <a:spcBef>
                 <a:spcPts val="283"/>
               </a:spcBef>
@@ -6346,25 +5716,16 @@
             </a:pPr>
             <a:r>
               <a:rPr b="0" lang="pt-BR" sz="2000" spc="-1" strike="noStrike">
-                <a:solidFill>
-                  <a:srgbClr val="000000"/>
-                </a:solidFill>
                 <a:latin typeface="Arial"/>
               </a:rPr>
               <a:t>Sixth Outline Level</a:t>
             </a:r>
             <a:endParaRPr b="0" lang="pt-BR" sz="2000" spc="-1" strike="noStrike">
-              <a:solidFill>
-                <a:srgbClr val="000000"/>
-              </a:solidFill>
               <a:latin typeface="Arial"/>
             </a:endParaRPr>
           </a:p>
           <a:p>
             <a:pPr lvl="6" marL="3024000" indent="-216000">
-              <a:lnSpc>
-                <a:spcPct val="90000"/>
-              </a:lnSpc>
               <a:spcBef>
                 <a:spcPts val="283"/>
               </a:spcBef>
@@ -6377,17 +5738,11 @@
             </a:pPr>
             <a:r>
               <a:rPr b="0" lang="pt-BR" sz="2000" spc="-1" strike="noStrike">
-                <a:solidFill>
-                  <a:srgbClr val="000000"/>
-                </a:solidFill>
                 <a:latin typeface="Arial"/>
               </a:rPr>
               <a:t>Seventh Outline Level</a:t>
             </a:r>
             <a:endParaRPr b="0" lang="pt-BR" sz="2000" spc="-1" strike="noStrike">
-              <a:solidFill>
-                <a:srgbClr val="000000"/>
-              </a:solidFill>
               <a:latin typeface="Arial"/>
             </a:endParaRPr>
           </a:p>
@@ -6446,7 +5801,7 @@
         <p:spPr>
           <a:xfrm>
             <a:off x="0" y="180000"/>
-            <a:ext cx="9713520" cy="1253520"/>
+            <a:ext cx="9713160" cy="1253160"/>
           </a:xfrm>
           <a:prstGeom prst="rect">
             <a:avLst/>
@@ -6474,7 +5829,7 @@
         <p:spPr>
           <a:xfrm>
             <a:off x="7560000" y="6840000"/>
-            <a:ext cx="2513520" cy="533520"/>
+            <a:ext cx="2513160" cy="533160"/>
           </a:xfrm>
           <a:prstGeom prst="rect">
             <a:avLst/>
@@ -6502,7 +5857,7 @@
         <p:spPr>
           <a:xfrm>
             <a:off x="900000" y="6840000"/>
-            <a:ext cx="6473520" cy="533520"/>
+            <a:ext cx="6473160" cy="533160"/>
           </a:xfrm>
           <a:prstGeom prst="rect">
             <a:avLst/>
@@ -6530,7 +5885,7 @@
         <p:spPr>
           <a:xfrm>
             <a:off x="180000" y="6840000"/>
-            <a:ext cx="533520" cy="533520"/>
+            <a:ext cx="533160" cy="533160"/>
           </a:xfrm>
           <a:prstGeom prst="rect">
             <a:avLst/>
@@ -6575,19 +5930,16 @@
             <a:noAutofit/>
           </a:bodyPr>
           <a:p>
-            <a:r>
-              <a:rPr b="0" lang="pt-BR" sz="1800" spc="-1" strike="noStrike">
-                <a:solidFill>
-                  <a:srgbClr val="000000"/>
-                </a:solidFill>
+            <a:pPr algn="ctr">
+              <a:buNone/>
+            </a:pPr>
+            <a:r>
+              <a:rPr b="0" lang="pt-BR" sz="4400" spc="-1" strike="noStrike">
                 <a:latin typeface="Arial"/>
               </a:rPr>
               <a:t>Click to edit the title text format</a:t>
             </a:r>
-            <a:endParaRPr b="0" lang="pt-BR" sz="1800" spc="-1" strike="noStrike">
-              <a:solidFill>
-                <a:srgbClr val="000000"/>
-              </a:solidFill>
+            <a:endParaRPr b="0" lang="pt-BR" sz="4400" spc="-1" strike="noStrike">
               <a:latin typeface="Arial"/>
             </a:endParaRPr>
           </a:p>
@@ -6622,9 +5974,6 @@
           </a:bodyPr>
           <a:p>
             <a:pPr marL="432000" indent="-324000">
-              <a:lnSpc>
-                <a:spcPct val="90000"/>
-              </a:lnSpc>
               <a:spcBef>
                 <a:spcPts val="1417"/>
               </a:spcBef>
@@ -6636,26 +5985,17 @@
               <a:buChar char=""/>
             </a:pPr>
             <a:r>
-              <a:rPr b="0" lang="pt-BR" sz="2800" spc="-1" strike="noStrike">
-                <a:solidFill>
-                  <a:srgbClr val="000000"/>
-                </a:solidFill>
+              <a:rPr b="0" lang="pt-BR" sz="3200" spc="-1" strike="noStrike">
                 <a:latin typeface="Arial"/>
               </a:rPr>
               <a:t>Click to edit the outline text format</a:t>
             </a:r>
-            <a:endParaRPr b="0" lang="pt-BR" sz="2800" spc="-1" strike="noStrike">
-              <a:solidFill>
-                <a:srgbClr val="000000"/>
-              </a:solidFill>
+            <a:endParaRPr b="0" lang="pt-BR" sz="3200" spc="-1" strike="noStrike">
               <a:latin typeface="Arial"/>
             </a:endParaRPr>
           </a:p>
           <a:p>
             <a:pPr lvl="1" marL="864000" indent="-324000">
-              <a:lnSpc>
-                <a:spcPct val="90000"/>
-              </a:lnSpc>
               <a:spcBef>
                 <a:spcPts val="1134"/>
               </a:spcBef>
@@ -6667,26 +6007,17 @@
               <a:buChar char=""/>
             </a:pPr>
             <a:r>
-              <a:rPr b="0" lang="pt-BR" sz="2000" spc="-1" strike="noStrike">
-                <a:solidFill>
-                  <a:srgbClr val="000000"/>
-                </a:solidFill>
+              <a:rPr b="0" lang="pt-BR" sz="2800" spc="-1" strike="noStrike">
                 <a:latin typeface="Arial"/>
               </a:rPr>
               <a:t>Second Outline Level</a:t>
             </a:r>
-            <a:endParaRPr b="0" lang="pt-BR" sz="2000" spc="-1" strike="noStrike">
-              <a:solidFill>
-                <a:srgbClr val="000000"/>
-              </a:solidFill>
+            <a:endParaRPr b="0" lang="pt-BR" sz="2800" spc="-1" strike="noStrike">
               <a:latin typeface="Arial"/>
             </a:endParaRPr>
           </a:p>
           <a:p>
             <a:pPr lvl="2" marL="1296000" indent="-288000">
-              <a:lnSpc>
-                <a:spcPct val="90000"/>
-              </a:lnSpc>
               <a:spcBef>
                 <a:spcPts val="850"/>
               </a:spcBef>
@@ -6698,26 +6029,17 @@
               <a:buChar char=""/>
             </a:pPr>
             <a:r>
-              <a:rPr b="0" lang="pt-BR" sz="1800" spc="-1" strike="noStrike">
-                <a:solidFill>
-                  <a:srgbClr val="000000"/>
-                </a:solidFill>
+              <a:rPr b="0" lang="pt-BR" sz="2400" spc="-1" strike="noStrike">
                 <a:latin typeface="Arial"/>
               </a:rPr>
               <a:t>Third Outline Level</a:t>
             </a:r>
-            <a:endParaRPr b="0" lang="pt-BR" sz="1800" spc="-1" strike="noStrike">
-              <a:solidFill>
-                <a:srgbClr val="000000"/>
-              </a:solidFill>
+            <a:endParaRPr b="0" lang="pt-BR" sz="2400" spc="-1" strike="noStrike">
               <a:latin typeface="Arial"/>
             </a:endParaRPr>
           </a:p>
           <a:p>
             <a:pPr lvl="3" marL="1728000" indent="-216000">
-              <a:lnSpc>
-                <a:spcPct val="90000"/>
-              </a:lnSpc>
               <a:spcBef>
                 <a:spcPts val="567"/>
               </a:spcBef>
@@ -6729,26 +6051,17 @@
               <a:buChar char=""/>
             </a:pPr>
             <a:r>
-              <a:rPr b="0" lang="pt-BR" sz="1800" spc="-1" strike="noStrike">
-                <a:solidFill>
-                  <a:srgbClr val="000000"/>
-                </a:solidFill>
+              <a:rPr b="0" lang="pt-BR" sz="2000" spc="-1" strike="noStrike">
                 <a:latin typeface="Arial"/>
               </a:rPr>
               <a:t>Fourth Outline Level</a:t>
             </a:r>
-            <a:endParaRPr b="0" lang="pt-BR" sz="1800" spc="-1" strike="noStrike">
-              <a:solidFill>
-                <a:srgbClr val="000000"/>
-              </a:solidFill>
+            <a:endParaRPr b="0" lang="pt-BR" sz="2000" spc="-1" strike="noStrike">
               <a:latin typeface="Arial"/>
             </a:endParaRPr>
           </a:p>
           <a:p>
             <a:pPr lvl="4" marL="2160000" indent="-216000">
-              <a:lnSpc>
-                <a:spcPct val="90000"/>
-              </a:lnSpc>
               <a:spcBef>
                 <a:spcPts val="283"/>
               </a:spcBef>
@@ -6761,25 +6074,16 @@
             </a:pPr>
             <a:r>
               <a:rPr b="0" lang="pt-BR" sz="2000" spc="-1" strike="noStrike">
-                <a:solidFill>
-                  <a:srgbClr val="000000"/>
-                </a:solidFill>
                 <a:latin typeface="Arial"/>
               </a:rPr>
               <a:t>Fifth Outline Level</a:t>
             </a:r>
             <a:endParaRPr b="0" lang="pt-BR" sz="2000" spc="-1" strike="noStrike">
-              <a:solidFill>
-                <a:srgbClr val="000000"/>
-              </a:solidFill>
               <a:latin typeface="Arial"/>
             </a:endParaRPr>
           </a:p>
           <a:p>
             <a:pPr lvl="5" marL="2592000" indent="-216000">
-              <a:lnSpc>
-                <a:spcPct val="90000"/>
-              </a:lnSpc>
               <a:spcBef>
                 <a:spcPts val="283"/>
               </a:spcBef>
@@ -6792,25 +6096,16 @@
             </a:pPr>
             <a:r>
               <a:rPr b="0" lang="pt-BR" sz="2000" spc="-1" strike="noStrike">
-                <a:solidFill>
-                  <a:srgbClr val="000000"/>
-                </a:solidFill>
                 <a:latin typeface="Arial"/>
               </a:rPr>
               <a:t>Sixth Outline Level</a:t>
             </a:r>
             <a:endParaRPr b="0" lang="pt-BR" sz="2000" spc="-1" strike="noStrike">
-              <a:solidFill>
-                <a:srgbClr val="000000"/>
-              </a:solidFill>
               <a:latin typeface="Arial"/>
             </a:endParaRPr>
           </a:p>
           <a:p>
             <a:pPr lvl="6" marL="3024000" indent="-216000">
-              <a:lnSpc>
-                <a:spcPct val="90000"/>
-              </a:lnSpc>
               <a:spcBef>
                 <a:spcPts val="283"/>
               </a:spcBef>
@@ -6823,17 +6118,11 @@
             </a:pPr>
             <a:r>
               <a:rPr b="0" lang="pt-BR" sz="2000" spc="-1" strike="noStrike">
-                <a:solidFill>
-                  <a:srgbClr val="000000"/>
-                </a:solidFill>
                 <a:latin typeface="Arial"/>
               </a:rPr>
               <a:t>Seventh Outline Level</a:t>
             </a:r>
             <a:endParaRPr b="0" lang="pt-BR" sz="2000" spc="-1" strike="noStrike">
-              <a:solidFill>
-                <a:srgbClr val="000000"/>
-              </a:solidFill>
               <a:latin typeface="Arial"/>
             </a:endParaRPr>
           </a:p>
@@ -6885,7 +6174,7 @@
         <p:spPr>
           <a:xfrm>
             <a:off x="360000" y="3330000"/>
-            <a:ext cx="9353520" cy="893520"/>
+            <a:ext cx="9353160" cy="893160"/>
           </a:xfrm>
           <a:prstGeom prst="rect">
             <a:avLst/>
@@ -6937,7 +6226,7 @@
         <p:spPr>
           <a:xfrm>
             <a:off x="540000" y="4680000"/>
-            <a:ext cx="9173520" cy="2513520"/>
+            <a:ext cx="9173160" cy="2513160"/>
           </a:xfrm>
           <a:prstGeom prst="rect">
             <a:avLst/>
@@ -7142,7 +6431,7 @@
         <p:spPr>
           <a:xfrm>
             <a:off x="360000" y="360000"/>
-            <a:ext cx="9353520" cy="893520"/>
+            <a:ext cx="9353160" cy="893160"/>
           </a:xfrm>
           <a:prstGeom prst="rect">
             <a:avLst/>
@@ -7194,7 +6483,7 @@
         <p:spPr>
           <a:xfrm>
             <a:off x="360000" y="1980000"/>
-            <a:ext cx="3843720" cy="4673520"/>
+            <a:ext cx="3843360" cy="4673160"/>
           </a:xfrm>
           <a:prstGeom prst="rect">
             <a:avLst/>
@@ -7367,7 +6656,7 @@
         <p:spPr>
           <a:xfrm>
             <a:off x="7608600" y="6886080"/>
-            <a:ext cx="2278800" cy="358560"/>
+            <a:ext cx="2278440" cy="358200"/>
           </a:xfrm>
           <a:prstGeom prst="rect">
             <a:avLst/>
@@ -7419,7 +6708,7 @@
         <p:spPr>
           <a:xfrm>
             <a:off x="897120" y="6886080"/>
-            <a:ext cx="6440760" cy="358560"/>
+            <a:ext cx="6440400" cy="358200"/>
           </a:xfrm>
           <a:prstGeom prst="rect">
             <a:avLst/>
@@ -7475,7 +6764,7 @@
         <p:spPr>
           <a:xfrm>
             <a:off x="897480" y="2743200"/>
-            <a:ext cx="2940480" cy="2949840"/>
+            <a:ext cx="2940120" cy="2949480"/>
           </a:xfrm>
           <a:prstGeom prst="rect">
             <a:avLst/>
@@ -7498,7 +6787,7 @@
         <p:spPr>
           <a:xfrm>
             <a:off x="6027840" y="2834640"/>
-            <a:ext cx="2930760" cy="3007080"/>
+            <a:ext cx="2930400" cy="3006720"/>
           </a:xfrm>
           <a:prstGeom prst="rect">
             <a:avLst/>
@@ -7517,7 +6806,7 @@
         <p:spPr>
           <a:xfrm>
             <a:off x="5472000" y="1980000"/>
-            <a:ext cx="4118040" cy="4673520"/>
+            <a:ext cx="4117680" cy="4673160"/>
           </a:xfrm>
           <a:prstGeom prst="rect">
             <a:avLst/>
@@ -7692,7 +6981,7 @@
         <p:spPr>
           <a:xfrm>
             <a:off x="360000" y="360000"/>
-            <a:ext cx="9353520" cy="893520"/>
+            <a:ext cx="9353160" cy="893160"/>
           </a:xfrm>
           <a:prstGeom prst="rect">
             <a:avLst/>
@@ -7744,7 +7033,7 @@
         <p:spPr>
           <a:xfrm>
             <a:off x="7608600" y="6886080"/>
-            <a:ext cx="2278800" cy="358560"/>
+            <a:ext cx="2278440" cy="358200"/>
           </a:xfrm>
           <a:prstGeom prst="rect">
             <a:avLst/>
@@ -7796,7 +7085,7 @@
         <p:spPr>
           <a:xfrm>
             <a:off x="897120" y="6886080"/>
-            <a:ext cx="6440760" cy="358560"/>
+            <a:ext cx="6440400" cy="358200"/>
           </a:xfrm>
           <a:prstGeom prst="rect">
             <a:avLst/>
@@ -7848,7 +7137,7 @@
         <p:spPr>
           <a:xfrm>
             <a:off x="360000" y="1980000"/>
-            <a:ext cx="9330120" cy="4673520"/>
+            <a:ext cx="9329760" cy="4673160"/>
           </a:xfrm>
           <a:prstGeom prst="rect">
             <a:avLst/>
@@ -8115,10 +7404,11 @@
               <a:buChar char=""/>
             </a:pPr>
             <a:r>
-              <a:rPr b="0" lang="pt-BR" sz="1600" spc="-1" strike="noStrike">
+              <a:rPr b="0" lang="pt-BR" sz="1600" spc="-1" strike="noStrike" u="sng">
                 <a:solidFill>
                   <a:srgbClr val="0000ff"/>
                 </a:solidFill>
+                <a:uFillTx/>
                 <a:latin typeface="-apple-system"/>
                 <a:ea typeface="DejaVu Sans"/>
                 <a:hlinkClick r:id="rId1"/>
@@ -8279,7 +7569,7 @@
         <p:spPr>
           <a:xfrm>
             <a:off x="360000" y="360000"/>
-            <a:ext cx="9353520" cy="893520"/>
+            <a:ext cx="9353160" cy="893160"/>
           </a:xfrm>
           <a:prstGeom prst="rect">
             <a:avLst/>
@@ -8331,7 +7621,7 @@
         <p:spPr>
           <a:xfrm>
             <a:off x="360000" y="1980000"/>
-            <a:ext cx="9173520" cy="4673520"/>
+            <a:ext cx="9173160" cy="4673160"/>
           </a:xfrm>
           <a:prstGeom prst="rect">
             <a:avLst/>
@@ -8505,7 +7795,7 @@
         <p:spPr>
           <a:xfrm>
             <a:off x="7608600" y="6886080"/>
-            <a:ext cx="2278800" cy="358560"/>
+            <a:ext cx="2278440" cy="358200"/>
           </a:xfrm>
           <a:prstGeom prst="rect">
             <a:avLst/>
@@ -8557,7 +7847,7 @@
         <p:spPr>
           <a:xfrm>
             <a:off x="897120" y="6886080"/>
-            <a:ext cx="6440760" cy="358560"/>
+            <a:ext cx="6440400" cy="358200"/>
           </a:xfrm>
           <a:prstGeom prst="rect">
             <a:avLst/>
@@ -8613,7 +7903,7 @@
         <p:spPr>
           <a:xfrm>
             <a:off x="716400" y="3176640"/>
-            <a:ext cx="2892600" cy="2454480"/>
+            <a:ext cx="2892240" cy="2454120"/>
           </a:xfrm>
           <a:prstGeom prst="rect">
             <a:avLst/>
@@ -8636,7 +7926,7 @@
         <p:spPr>
           <a:xfrm>
             <a:off x="5702040" y="2574000"/>
-            <a:ext cx="3530880" cy="3245040"/>
+            <a:ext cx="3530520" cy="3244680"/>
           </a:xfrm>
           <a:prstGeom prst="rect">
             <a:avLst/>
@@ -8659,7 +7949,7 @@
         <p:spPr>
           <a:xfrm>
             <a:off x="5647680" y="1899720"/>
-            <a:ext cx="2873160" cy="292320"/>
+            <a:ext cx="2872800" cy="291960"/>
           </a:xfrm>
           <a:prstGeom prst="rect">
             <a:avLst/>
@@ -8708,7 +7998,7 @@
         <p:spPr>
           <a:xfrm>
             <a:off x="360000" y="360000"/>
-            <a:ext cx="9353520" cy="893520"/>
+            <a:ext cx="9353160" cy="893160"/>
           </a:xfrm>
           <a:prstGeom prst="rect">
             <a:avLst/>
@@ -8760,7 +8050,7 @@
         <p:spPr>
           <a:xfrm>
             <a:off x="360000" y="1980000"/>
-            <a:ext cx="9173520" cy="4673520"/>
+            <a:ext cx="9173160" cy="4673160"/>
           </a:xfrm>
           <a:prstGeom prst="rect">
             <a:avLst/>
@@ -8891,7 +8181,7 @@
         <p:spPr>
           <a:xfrm>
             <a:off x="7608600" y="6886080"/>
-            <a:ext cx="2278800" cy="358560"/>
+            <a:ext cx="2278440" cy="358200"/>
           </a:xfrm>
           <a:prstGeom prst="rect">
             <a:avLst/>
@@ -8943,7 +8233,7 @@
         <p:spPr>
           <a:xfrm>
             <a:off x="897120" y="6886080"/>
-            <a:ext cx="6440760" cy="358560"/>
+            <a:ext cx="6440400" cy="358200"/>
           </a:xfrm>
           <a:prstGeom prst="rect">
             <a:avLst/>
@@ -8999,7 +8289,7 @@
         <p:spPr>
           <a:xfrm>
             <a:off x="914400" y="2923920"/>
-            <a:ext cx="2864160" cy="2521080"/>
+            <a:ext cx="2863800" cy="2520720"/>
           </a:xfrm>
           <a:prstGeom prst="rect">
             <a:avLst/>
@@ -9022,7 +8312,7 @@
         <p:spPr>
           <a:xfrm>
             <a:off x="6012360" y="2926080"/>
-            <a:ext cx="3312000" cy="3245040"/>
+            <a:ext cx="3311640" cy="3244680"/>
           </a:xfrm>
           <a:prstGeom prst="rect">
             <a:avLst/>
@@ -9045,7 +8335,7 @@
         <p:spPr>
           <a:xfrm>
             <a:off x="5999040" y="2286000"/>
-            <a:ext cx="3016080" cy="292320"/>
+            <a:ext cx="3015720" cy="291960"/>
           </a:xfrm>
           <a:prstGeom prst="rect">
             <a:avLst/>
@@ -9094,7 +8384,7 @@
         <p:spPr>
           <a:xfrm>
             <a:off x="360000" y="360000"/>
-            <a:ext cx="9353520" cy="893520"/>
+            <a:ext cx="9353160" cy="893160"/>
           </a:xfrm>
           <a:prstGeom prst="rect">
             <a:avLst/>
@@ -9146,7 +8436,7 @@
         <p:spPr>
           <a:xfrm>
             <a:off x="360000" y="1980000"/>
-            <a:ext cx="9173520" cy="4673520"/>
+            <a:ext cx="9173160" cy="4673160"/>
           </a:xfrm>
           <a:prstGeom prst="rect">
             <a:avLst/>
@@ -9319,7 +8609,7 @@
         <p:spPr>
           <a:xfrm>
             <a:off x="7608600" y="6886080"/>
-            <a:ext cx="2278800" cy="358560"/>
+            <a:ext cx="2278440" cy="358200"/>
           </a:xfrm>
           <a:prstGeom prst="rect">
             <a:avLst/>
@@ -9371,7 +8661,7 @@
         <p:spPr>
           <a:xfrm>
             <a:off x="897120" y="6886080"/>
-            <a:ext cx="6440760" cy="358560"/>
+            <a:ext cx="6440400" cy="358200"/>
           </a:xfrm>
           <a:prstGeom prst="rect">
             <a:avLst/>
@@ -9427,7 +8717,7 @@
         <p:spPr>
           <a:xfrm>
             <a:off x="897480" y="2743200"/>
-            <a:ext cx="2940480" cy="2949840"/>
+            <a:ext cx="2940120" cy="2949480"/>
           </a:xfrm>
           <a:prstGeom prst="rect">
             <a:avLst/>
@@ -9450,7 +8740,7 @@
         <p:spPr>
           <a:xfrm>
             <a:off x="6049440" y="2194560"/>
-            <a:ext cx="3092040" cy="853920"/>
+            <a:ext cx="3091680" cy="853560"/>
           </a:xfrm>
           <a:prstGeom prst="rect">
             <a:avLst/>
@@ -9499,7 +8789,7 @@
         <p:spPr>
           <a:xfrm>
             <a:off x="360000" y="360000"/>
-            <a:ext cx="9353520" cy="893520"/>
+            <a:ext cx="9353160" cy="893160"/>
           </a:xfrm>
           <a:prstGeom prst="rect">
             <a:avLst/>
@@ -9551,7 +8841,7 @@
         <p:spPr>
           <a:xfrm>
             <a:off x="360000" y="1980000"/>
-            <a:ext cx="9173520" cy="4673520"/>
+            <a:ext cx="9173160" cy="4673160"/>
           </a:xfrm>
           <a:prstGeom prst="rect">
             <a:avLst/>
@@ -9696,7 +8986,7 @@
         <p:spPr>
           <a:xfrm>
             <a:off x="7608600" y="6886080"/>
-            <a:ext cx="2278800" cy="358560"/>
+            <a:ext cx="2278440" cy="358200"/>
           </a:xfrm>
           <a:prstGeom prst="rect">
             <a:avLst/>
@@ -9748,7 +9038,7 @@
         <p:spPr>
           <a:xfrm>
             <a:off x="897120" y="6886080"/>
-            <a:ext cx="6440760" cy="358560"/>
+            <a:ext cx="6440400" cy="358200"/>
           </a:xfrm>
           <a:prstGeom prst="rect">
             <a:avLst/>
@@ -9804,7 +9094,7 @@
         <p:spPr>
           <a:xfrm>
             <a:off x="907200" y="2842560"/>
-            <a:ext cx="2930760" cy="3007080"/>
+            <a:ext cx="2930400" cy="3006720"/>
           </a:xfrm>
           <a:prstGeom prst="rect">
             <a:avLst/>
@@ -9827,7 +9117,7 @@
         <p:spPr>
           <a:xfrm>
             <a:off x="6126480" y="2651760"/>
-            <a:ext cx="3159360" cy="902160"/>
+            <a:ext cx="3159000" cy="901800"/>
           </a:xfrm>
           <a:prstGeom prst="rect">
             <a:avLst/>
@@ -9876,7 +9166,7 @@
         <p:spPr>
           <a:xfrm>
             <a:off x="360000" y="360000"/>
-            <a:ext cx="9353520" cy="893520"/>
+            <a:ext cx="9353160" cy="893160"/>
           </a:xfrm>
           <a:prstGeom prst="rect">
             <a:avLst/>
@@ -9928,7 +9218,7 @@
         <p:spPr>
           <a:xfrm>
             <a:off x="720000" y="1980000"/>
-            <a:ext cx="7740000" cy="4320000"/>
+            <a:ext cx="7739640" cy="4319640"/>
           </a:xfrm>
           <a:prstGeom prst="rect">
             <a:avLst/>
@@ -9946,7 +9236,7 @@
         </p:style>
         <p:txBody>
           <a:bodyPr lIns="0" rIns="0" tIns="0" bIns="0" anchor="t">
-            <a:normAutofit fontScale="78000"/>
+            <a:normAutofit fontScale="68000"/>
           </a:bodyPr>
           <a:p>
             <a:pPr>
@@ -10043,14 +9333,14 @@
                 <a:latin typeface="Latin Modern Sans"/>
                 <a:ea typeface="DejaVu Sans"/>
               </a:rPr>
-              <a:t>Vídeo-Apresentação (8 a 10 min)</a:t>
+              <a:t>Vídeo-Apresentação (Max 8 a 10 min)</a:t>
             </a:r>
             <a:endParaRPr b="0" lang="pt-BR" sz="2000" spc="-1" strike="noStrike">
               <a:latin typeface="Arial"/>
             </a:endParaRPr>
           </a:p>
           <a:p>
-            <a:pPr lvl="2" marL="889200" indent="-212400">
+            <a:pPr lvl="4" marL="1080000" indent="-216000">
               <a:lnSpc>
                 <a:spcPct val="100000"/>
               </a:lnSpc>
@@ -10072,28 +9362,14 @@
                 <a:latin typeface="Latin Modern Sans"/>
                 <a:ea typeface="DejaVu Sans"/>
               </a:rPr>
-              <a:t>12/09 - 23:59 </a:t>
+              <a:t>Desenvolver uma analise crítica em função de diferentes massas de dados: (Busca, Inserção, etc).</a:t>
             </a:r>
             <a:endParaRPr b="0" lang="pt-BR" sz="2000" spc="-1" strike="noStrike">
               <a:latin typeface="Arial"/>
             </a:endParaRPr>
           </a:p>
           <a:p>
-            <a:pPr>
-              <a:lnSpc>
-                <a:spcPct val="100000"/>
-              </a:lnSpc>
-              <a:spcAft>
-                <a:spcPts val="1140"/>
-              </a:spcAft>
-              <a:buNone/>
-            </a:pPr>
-            <a:endParaRPr b="0" lang="pt-BR" sz="1600" spc="-1" strike="noStrike">
-              <a:latin typeface="Arial"/>
-            </a:endParaRPr>
-          </a:p>
-          <a:p>
-            <a:pPr lvl="1" marL="432000" indent="-212400">
+            <a:pPr lvl="2" marL="889200" indent="-212400">
               <a:lnSpc>
                 <a:spcPct val="100000"/>
               </a:lnSpc>
@@ -10115,14 +9391,28 @@
                 <a:latin typeface="Latin Modern Sans"/>
                 <a:ea typeface="DejaVu Sans"/>
               </a:rPr>
-              <a:t>Artigo sobre AVL x Red-Black (10 pts)</a:t>
+              <a:t>12/09 - 23:59 </a:t>
             </a:r>
             <a:endParaRPr b="0" lang="pt-BR" sz="2000" spc="-1" strike="noStrike">
               <a:latin typeface="Arial"/>
             </a:endParaRPr>
           </a:p>
           <a:p>
-            <a:pPr lvl="2" marL="648000" indent="-213840">
+            <a:pPr>
+              <a:lnSpc>
+                <a:spcPct val="100000"/>
+              </a:lnSpc>
+              <a:spcAft>
+                <a:spcPts val="1140"/>
+              </a:spcAft>
+              <a:buNone/>
+            </a:pPr>
+            <a:endParaRPr b="0" lang="pt-BR" sz="1600" spc="-1" strike="noStrike">
+              <a:latin typeface="Arial"/>
+            </a:endParaRPr>
+          </a:p>
+          <a:p>
+            <a:pPr lvl="1" marL="432000" indent="-212400">
               <a:lnSpc>
                 <a:spcPct val="100000"/>
               </a:lnSpc>
@@ -10144,7 +9434,7 @@
                 <a:latin typeface="Latin Modern Sans"/>
                 <a:ea typeface="DejaVu Sans"/>
               </a:rPr>
-              <a:t>Explicar a diferença entre as abordagens</a:t>
+              <a:t>Artigo sobre AVL x Red-Black (10 pts)</a:t>
             </a:r>
             <a:endParaRPr b="0" lang="pt-BR" sz="2000" spc="-1" strike="noStrike">
               <a:latin typeface="Arial"/>
@@ -10173,7 +9463,7 @@
                 <a:latin typeface="Latin Modern Sans"/>
                 <a:ea typeface="DejaVu Sans"/>
               </a:rPr>
-              <a:t>Inserção, Remoção, Desempenho e Casos de Uso</a:t>
+              <a:t>Explicar a diferença entre as abordagens</a:t>
             </a:r>
             <a:endParaRPr b="0" lang="pt-BR" sz="2000" spc="-1" strike="noStrike">
               <a:latin typeface="Arial"/>
@@ -10202,7 +9492,7 @@
                 <a:latin typeface="Latin Modern Sans"/>
                 <a:ea typeface="DejaVu Sans"/>
               </a:rPr>
-              <a:t>Artigo em formato de artigo SBC</a:t>
+              <a:t>Inserção, Remoção, Desempenho e Casos de Uso</a:t>
             </a:r>
             <a:endParaRPr b="0" lang="pt-BR" sz="2000" spc="-1" strike="noStrike">
               <a:latin typeface="Arial"/>
@@ -10231,8 +9521,27 @@
                 <a:latin typeface="Latin Modern Sans"/>
                 <a:ea typeface="DejaVu Sans"/>
               </a:rPr>
-              <a:t> </a:t>
-            </a:r>
+              <a:t>Artigo em formato de artigo SBC</a:t>
+            </a:r>
+            <a:endParaRPr b="0" lang="pt-BR" sz="2000" spc="-1" strike="noStrike">
+              <a:latin typeface="Arial"/>
+            </a:endParaRPr>
+          </a:p>
+          <a:p>
+            <a:pPr lvl="2" marL="648000" indent="-213840">
+              <a:lnSpc>
+                <a:spcPct val="100000"/>
+              </a:lnSpc>
+              <a:spcAft>
+                <a:spcPts val="1140"/>
+              </a:spcAft>
+              <a:buClr>
+                <a:srgbClr val="000000"/>
+              </a:buClr>
+              <a:buSzPct val="45000"/>
+              <a:buFont typeface="Wingdings" charset="2"/>
+              <a:buChar char=""/>
+            </a:pPr>
             <a:r>
               <a:rPr b="1" lang="pt-BR" sz="2000" spc="-1" strike="noStrike">
                 <a:solidFill>
@@ -10241,9 +9550,33 @@
                 <a:latin typeface="Latin Modern Sans"/>
                 <a:ea typeface="DejaVu Sans"/>
               </a:rPr>
+              <a:t> </a:t>
+            </a:r>
+            <a:r>
+              <a:rPr b="1" lang="pt-BR" sz="2000" spc="-1" strike="noStrike">
+                <a:solidFill>
+                  <a:srgbClr val="1c1c1c"/>
+                </a:solidFill>
+                <a:latin typeface="Latin Modern Sans"/>
+                <a:ea typeface="DejaVu Sans"/>
+              </a:rPr>
               <a:t>12/09</a:t>
             </a:r>
             <a:endParaRPr b="0" lang="pt-BR" sz="2000" spc="-1" strike="noStrike">
+              <a:latin typeface="Arial"/>
+            </a:endParaRPr>
+          </a:p>
+          <a:p>
+            <a:pPr>
+              <a:lnSpc>
+                <a:spcPct val="100000"/>
+              </a:lnSpc>
+              <a:spcAft>
+                <a:spcPts val="1140"/>
+              </a:spcAft>
+              <a:buNone/>
+            </a:pPr>
+            <a:endParaRPr b="0" lang="pt-BR" sz="1600" spc="-1" strike="noStrike">
               <a:latin typeface="Arial"/>
             </a:endParaRPr>
           </a:p>
@@ -10262,25 +9595,6 @@
               <a:buFont typeface="Wingdings" charset="2"/>
               <a:buChar char=""/>
             </a:pPr>
-            <a:endParaRPr b="0" lang="pt-BR" sz="1600" spc="-1" strike="noStrike">
-              <a:latin typeface="Arial"/>
-            </a:endParaRPr>
-          </a:p>
-          <a:p>
-            <a:pPr lvl="1" marL="432000" indent="-212400">
-              <a:lnSpc>
-                <a:spcPct val="100000"/>
-              </a:lnSpc>
-              <a:spcAft>
-                <a:spcPts val="1140"/>
-              </a:spcAft>
-              <a:buClr>
-                <a:srgbClr val="000000"/>
-              </a:buClr>
-              <a:buSzPct val="45000"/>
-              <a:buFont typeface="Wingdings" charset="2"/>
-              <a:buChar char=""/>
-            </a:pPr>
             <a:r>
               <a:rPr b="1" lang="pt-BR" sz="2000" spc="-1" strike="noStrike">
                 <a:solidFill>
@@ -10404,7 +9718,7 @@
         <p:spPr>
           <a:xfrm>
             <a:off x="7608600" y="6886080"/>
-            <a:ext cx="2278800" cy="358560"/>
+            <a:ext cx="2278440" cy="358200"/>
           </a:xfrm>
           <a:prstGeom prst="rect">
             <a:avLst/>
@@ -10456,7 +9770,7 @@
         <p:spPr>
           <a:xfrm>
             <a:off x="897120" y="6886080"/>
-            <a:ext cx="6440760" cy="358560"/>
+            <a:ext cx="6440400" cy="358200"/>
           </a:xfrm>
           <a:prstGeom prst="rect">
             <a:avLst/>
@@ -10538,7 +9852,7 @@
         <p:spPr>
           <a:xfrm>
             <a:off x="360000" y="360000"/>
-            <a:ext cx="9353520" cy="893520"/>
+            <a:ext cx="9353160" cy="893160"/>
           </a:xfrm>
           <a:prstGeom prst="rect">
             <a:avLst/>
@@ -10590,7 +9904,7 @@
         <p:spPr>
           <a:xfrm>
             <a:off x="360000" y="1980000"/>
-            <a:ext cx="9173520" cy="4673520"/>
+            <a:ext cx="9173160" cy="4673160"/>
           </a:xfrm>
           <a:prstGeom prst="rect">
             <a:avLst/>
@@ -10721,7 +10035,7 @@
         <p:spPr>
           <a:xfrm>
             <a:off x="7608600" y="6886080"/>
-            <a:ext cx="2278800" cy="358560"/>
+            <a:ext cx="2278440" cy="358200"/>
           </a:xfrm>
           <a:prstGeom prst="rect">
             <a:avLst/>
@@ -10773,7 +10087,7 @@
         <p:spPr>
           <a:xfrm>
             <a:off x="897120" y="6886080"/>
-            <a:ext cx="6440760" cy="358560"/>
+            <a:ext cx="6440400" cy="358200"/>
           </a:xfrm>
           <a:prstGeom prst="rect">
             <a:avLst/>
@@ -10855,7 +10169,7 @@
         <p:spPr>
           <a:xfrm>
             <a:off x="360000" y="360000"/>
-            <a:ext cx="9353520" cy="893520"/>
+            <a:ext cx="9353160" cy="893160"/>
           </a:xfrm>
           <a:prstGeom prst="rect">
             <a:avLst/>
@@ -10907,7 +10221,7 @@
         <p:spPr>
           <a:xfrm>
             <a:off x="360000" y="1980000"/>
-            <a:ext cx="9173520" cy="4673520"/>
+            <a:ext cx="9173160" cy="4673160"/>
           </a:xfrm>
           <a:prstGeom prst="rect">
             <a:avLst/>
@@ -11185,7 +10499,7 @@
         <p:spPr>
           <a:xfrm>
             <a:off x="7608600" y="6886080"/>
-            <a:ext cx="2278800" cy="358560"/>
+            <a:ext cx="2278440" cy="358200"/>
           </a:xfrm>
           <a:prstGeom prst="rect">
             <a:avLst/>
@@ -11237,7 +10551,7 @@
         <p:spPr>
           <a:xfrm>
             <a:off x="897120" y="6886080"/>
-            <a:ext cx="6440760" cy="358560"/>
+            <a:ext cx="6440400" cy="358200"/>
           </a:xfrm>
           <a:prstGeom prst="rect">
             <a:avLst/>
@@ -11293,7 +10607,7 @@
         <p:spPr>
           <a:xfrm>
             <a:off x="4031280" y="1824480"/>
-            <a:ext cx="5567400" cy="1007640"/>
+            <a:ext cx="5567040" cy="1007280"/>
           </a:xfrm>
           <a:prstGeom prst="rect">
             <a:avLst/>
@@ -11311,13 +10625,13 @@
         </p:nvPicPr>
         <p:blipFill>
           <a:blip r:embed="rId2"/>
-          <a:srcRect l="0" t="-1347" r="56124" b="1347"/>
+          <a:srcRect l="0" t="-1347" r="56113" b="1347"/>
           <a:stretch/>
         </p:blipFill>
         <p:spPr>
           <a:xfrm>
             <a:off x="1920240" y="3684240"/>
-            <a:ext cx="2756160" cy="2349720"/>
+            <a:ext cx="2755800" cy="2349360"/>
           </a:xfrm>
           <a:prstGeom prst="rect">
             <a:avLst/>
@@ -11336,7 +10650,7 @@
         <p:spPr>
           <a:xfrm>
             <a:off x="1932480" y="5997600"/>
-            <a:ext cx="1762920" cy="363960"/>
+            <a:ext cx="1762560" cy="363960"/>
           </a:xfrm>
           <a:prstGeom prst="rect">
             <a:avLst/>
@@ -11418,7 +10732,7 @@
         <p:spPr>
           <a:xfrm>
             <a:off x="360000" y="360000"/>
-            <a:ext cx="9353520" cy="893520"/>
+            <a:ext cx="9353160" cy="893160"/>
           </a:xfrm>
           <a:prstGeom prst="rect">
             <a:avLst/>
@@ -11470,7 +10784,7 @@
         <p:spPr>
           <a:xfrm>
             <a:off x="360000" y="1980000"/>
-            <a:ext cx="9173520" cy="4673520"/>
+            <a:ext cx="9173160" cy="4673160"/>
           </a:xfrm>
           <a:prstGeom prst="rect">
             <a:avLst/>
@@ -11748,7 +11062,7 @@
         <p:spPr>
           <a:xfrm>
             <a:off x="7608600" y="6886080"/>
-            <a:ext cx="2278800" cy="358560"/>
+            <a:ext cx="2278440" cy="358200"/>
           </a:xfrm>
           <a:prstGeom prst="rect">
             <a:avLst/>
@@ -11800,7 +11114,7 @@
         <p:spPr>
           <a:xfrm>
             <a:off x="897120" y="6886080"/>
-            <a:ext cx="6440760" cy="358560"/>
+            <a:ext cx="6440400" cy="358200"/>
           </a:xfrm>
           <a:prstGeom prst="rect">
             <a:avLst/>
@@ -11856,7 +11170,7 @@
         <p:spPr>
           <a:xfrm>
             <a:off x="4031280" y="1824480"/>
-            <a:ext cx="5567400" cy="1007640"/>
+            <a:ext cx="5567040" cy="1007280"/>
           </a:xfrm>
           <a:prstGeom prst="rect">
             <a:avLst/>
@@ -11879,7 +11193,7 @@
         <p:spPr>
           <a:xfrm>
             <a:off x="1920240" y="3715920"/>
-            <a:ext cx="6283800" cy="2349720"/>
+            <a:ext cx="6283440" cy="2349360"/>
           </a:xfrm>
           <a:prstGeom prst="rect">
             <a:avLst/>
@@ -11898,7 +11212,7 @@
         <p:spPr>
           <a:xfrm>
             <a:off x="1932480" y="5997600"/>
-            <a:ext cx="1762920" cy="363960"/>
+            <a:ext cx="1762560" cy="363960"/>
           </a:xfrm>
           <a:prstGeom prst="rect">
             <a:avLst/>
@@ -11950,7 +11264,7 @@
         <p:spPr>
           <a:xfrm>
             <a:off x="5944680" y="5365800"/>
-            <a:ext cx="1383480" cy="363960"/>
+            <a:ext cx="1383120" cy="363960"/>
           </a:xfrm>
           <a:prstGeom prst="rect">
             <a:avLst/>
@@ -12032,7 +11346,7 @@
         <p:spPr>
           <a:xfrm>
             <a:off x="360000" y="1980000"/>
-            <a:ext cx="9173520" cy="4673520"/>
+            <a:ext cx="9173160" cy="4673160"/>
           </a:xfrm>
           <a:prstGeom prst="rect">
             <a:avLst/>
@@ -12317,7 +11631,7 @@
         <p:spPr>
           <a:xfrm>
             <a:off x="360000" y="360000"/>
-            <a:ext cx="9353520" cy="893520"/>
+            <a:ext cx="9353160" cy="893160"/>
           </a:xfrm>
           <a:prstGeom prst="rect">
             <a:avLst/>
@@ -12368,13 +11682,13 @@
         </p:nvPicPr>
         <p:blipFill>
           <a:blip r:embed="rId1"/>
-          <a:srcRect l="55370" t="0" r="0" b="0"/>
+          <a:srcRect l="55364" t="0" r="0" b="0"/>
           <a:stretch/>
         </p:blipFill>
         <p:spPr>
           <a:xfrm>
             <a:off x="4191480" y="3435840"/>
-            <a:ext cx="2828520" cy="2864160"/>
+            <a:ext cx="2828160" cy="2863800"/>
           </a:xfrm>
           <a:prstGeom prst="rect">
             <a:avLst/>
@@ -12393,7 +11707,7 @@
         <p:spPr>
           <a:xfrm>
             <a:off x="7608600" y="6886080"/>
-            <a:ext cx="2278800" cy="358560"/>
+            <a:ext cx="2278440" cy="358200"/>
           </a:xfrm>
           <a:prstGeom prst="rect">
             <a:avLst/>
@@ -12445,7 +11759,7 @@
         <p:spPr>
           <a:xfrm>
             <a:off x="897120" y="6886080"/>
-            <a:ext cx="6440760" cy="358560"/>
+            <a:ext cx="6440400" cy="358200"/>
           </a:xfrm>
           <a:prstGeom prst="rect">
             <a:avLst/>
@@ -12527,7 +11841,7 @@
         <p:spPr>
           <a:xfrm>
             <a:off x="360000" y="1980000"/>
-            <a:ext cx="9173520" cy="4673520"/>
+            <a:ext cx="9173160" cy="4673160"/>
           </a:xfrm>
           <a:prstGeom prst="rect">
             <a:avLst/>
@@ -12812,7 +12126,7 @@
         <p:spPr>
           <a:xfrm>
             <a:off x="360000" y="360000"/>
-            <a:ext cx="9353520" cy="893520"/>
+            <a:ext cx="9353160" cy="893160"/>
           </a:xfrm>
           <a:prstGeom prst="rect">
             <a:avLst/>
@@ -12863,13 +12177,13 @@
         </p:nvPicPr>
         <p:blipFill>
           <a:blip r:embed="rId1"/>
-          <a:srcRect l="55370" t="0" r="0" b="0"/>
+          <a:srcRect l="55364" t="0" r="0" b="0"/>
           <a:stretch/>
         </p:blipFill>
         <p:spPr>
           <a:xfrm>
             <a:off x="3831480" y="3446640"/>
-            <a:ext cx="2828520" cy="2864160"/>
+            <a:ext cx="2828160" cy="2863800"/>
           </a:xfrm>
           <a:prstGeom prst="rect">
             <a:avLst/>
@@ -12888,7 +12202,7 @@
         <p:spPr>
           <a:xfrm>
             <a:off x="7608600" y="6886080"/>
-            <a:ext cx="2278800" cy="358560"/>
+            <a:ext cx="2278440" cy="358200"/>
           </a:xfrm>
           <a:prstGeom prst="rect">
             <a:avLst/>
@@ -12940,7 +12254,7 @@
         <p:spPr>
           <a:xfrm>
             <a:off x="897120" y="6886080"/>
-            <a:ext cx="6440760" cy="358560"/>
+            <a:ext cx="6440400" cy="358200"/>
           </a:xfrm>
           <a:prstGeom prst="rect">
             <a:avLst/>
@@ -12991,13 +12305,13 @@
         </p:nvPicPr>
         <p:blipFill>
           <a:blip r:embed="rId2"/>
-          <a:srcRect l="0" t="0" r="55370" b="0"/>
+          <a:srcRect l="0" t="0" r="55364" b="0"/>
           <a:stretch/>
         </p:blipFill>
         <p:spPr>
           <a:xfrm>
             <a:off x="6705000" y="3420000"/>
-            <a:ext cx="2828520" cy="2864160"/>
+            <a:ext cx="2828160" cy="2863800"/>
           </a:xfrm>
           <a:prstGeom prst="rect">
             <a:avLst/>
@@ -13046,7 +12360,7 @@
         <p:spPr>
           <a:xfrm>
             <a:off x="360000" y="360000"/>
-            <a:ext cx="9353520" cy="893520"/>
+            <a:ext cx="9353160" cy="893160"/>
           </a:xfrm>
           <a:prstGeom prst="rect">
             <a:avLst/>
@@ -13098,7 +12412,7 @@
         <p:spPr>
           <a:xfrm>
             <a:off x="360000" y="1980000"/>
-            <a:ext cx="9173520" cy="4673520"/>
+            <a:ext cx="9173160" cy="4673160"/>
           </a:xfrm>
           <a:prstGeom prst="rect">
             <a:avLst/>
@@ -13185,7 +12499,7 @@
         <p:spPr>
           <a:xfrm>
             <a:off x="7608600" y="6886080"/>
-            <a:ext cx="2278800" cy="358560"/>
+            <a:ext cx="2278440" cy="358200"/>
           </a:xfrm>
           <a:prstGeom prst="rect">
             <a:avLst/>
@@ -13237,7 +12551,7 @@
         <p:spPr>
           <a:xfrm>
             <a:off x="897120" y="6886080"/>
-            <a:ext cx="6440760" cy="358560"/>
+            <a:ext cx="6440400" cy="358200"/>
           </a:xfrm>
           <a:prstGeom prst="rect">
             <a:avLst/>
@@ -13293,7 +12607,7 @@
         <p:spPr>
           <a:xfrm>
             <a:off x="914400" y="2103120"/>
-            <a:ext cx="8417160" cy="2521080"/>
+            <a:ext cx="8416800" cy="2520720"/>
           </a:xfrm>
           <a:prstGeom prst="rect">
             <a:avLst/>
@@ -13316,7 +12630,7 @@
         <p:spPr>
           <a:xfrm>
             <a:off x="4909680" y="2693880"/>
-            <a:ext cx="4005360" cy="1435320"/>
+            <a:ext cx="4005000" cy="1434960"/>
           </a:xfrm>
           <a:prstGeom prst="rect">
             <a:avLst/>
@@ -13365,7 +12679,7 @@
         <p:spPr>
           <a:xfrm>
             <a:off x="360000" y="360000"/>
-            <a:ext cx="9353520" cy="893520"/>
+            <a:ext cx="9353160" cy="893160"/>
           </a:xfrm>
           <a:prstGeom prst="rect">
             <a:avLst/>
@@ -13417,7 +12731,7 @@
         <p:spPr>
           <a:xfrm>
             <a:off x="360000" y="1980000"/>
-            <a:ext cx="9173520" cy="4673520"/>
+            <a:ext cx="9173160" cy="4673160"/>
           </a:xfrm>
           <a:prstGeom prst="rect">
             <a:avLst/>
@@ -13577,7 +12891,7 @@
         <p:spPr>
           <a:xfrm>
             <a:off x="7608600" y="6886080"/>
-            <a:ext cx="2278800" cy="358560"/>
+            <a:ext cx="2278440" cy="358200"/>
           </a:xfrm>
           <a:prstGeom prst="rect">
             <a:avLst/>
@@ -13629,7 +12943,7 @@
         <p:spPr>
           <a:xfrm>
             <a:off x="897120" y="6886080"/>
-            <a:ext cx="6440760" cy="358560"/>
+            <a:ext cx="6440400" cy="358200"/>
           </a:xfrm>
           <a:prstGeom prst="rect">
             <a:avLst/>
@@ -13685,7 +12999,7 @@
         <p:spPr>
           <a:xfrm>
             <a:off x="920520" y="3651480"/>
-            <a:ext cx="7099200" cy="2368080"/>
+            <a:ext cx="7098840" cy="2367720"/>
           </a:xfrm>
           <a:prstGeom prst="rect">
             <a:avLst/>
@@ -13734,7 +13048,7 @@
         <p:spPr>
           <a:xfrm>
             <a:off x="360000" y="360000"/>
-            <a:ext cx="9353520" cy="893520"/>
+            <a:ext cx="9353160" cy="893160"/>
           </a:xfrm>
           <a:prstGeom prst="rect">
             <a:avLst/>
@@ -13786,7 +13100,7 @@
         <p:spPr>
           <a:xfrm>
             <a:off x="360000" y="1980000"/>
-            <a:ext cx="4118040" cy="4673520"/>
+            <a:ext cx="4117680" cy="4673160"/>
           </a:xfrm>
           <a:prstGeom prst="rect">
             <a:avLst/>
@@ -13931,7 +13245,7 @@
         <p:spPr>
           <a:xfrm>
             <a:off x="7608600" y="6886080"/>
-            <a:ext cx="2278800" cy="358560"/>
+            <a:ext cx="2278440" cy="358200"/>
           </a:xfrm>
           <a:prstGeom prst="rect">
             <a:avLst/>
@@ -13983,7 +13297,7 @@
         <p:spPr>
           <a:xfrm>
             <a:off x="897120" y="6886080"/>
-            <a:ext cx="6440760" cy="358560"/>
+            <a:ext cx="6440400" cy="358200"/>
           </a:xfrm>
           <a:prstGeom prst="rect">
             <a:avLst/>
@@ -14039,7 +13353,7 @@
         <p:spPr>
           <a:xfrm>
             <a:off x="640080" y="2824200"/>
-            <a:ext cx="2892600" cy="2454480"/>
+            <a:ext cx="2892240" cy="2454120"/>
           </a:xfrm>
           <a:prstGeom prst="rect">
             <a:avLst/>
@@ -14058,7 +13372,7 @@
         <p:spPr>
           <a:xfrm>
             <a:off x="4754880" y="1999080"/>
-            <a:ext cx="4209480" cy="4673520"/>
+            <a:ext cx="4209120" cy="4673160"/>
           </a:xfrm>
           <a:prstGeom prst="rect">
             <a:avLst/>
@@ -14193,7 +13507,7 @@
         <p:spPr>
           <a:xfrm>
             <a:off x="5577840" y="2962800"/>
-            <a:ext cx="2864160" cy="2521080"/>
+            <a:ext cx="2863800" cy="2520720"/>
           </a:xfrm>
           <a:prstGeom prst="rect">
             <a:avLst/>

--- a/DataStructuresAndAlgorithms/Aula 05 - Arvores Balanceadas (AVL)/Aula 05 - AVL Tree.pptx
+++ b/DataStructuresAndAlgorithms/Aula 05 - Arvores Balanceadas (AVL)/Aula 05 - AVL Tree.pptx
@@ -308,7 +308,7 @@
             <a:pPr algn="r">
               <a:buNone/>
             </a:pPr>
-            <a:fld id="{0E173081-31A4-4F64-9F37-8EA6F7949D38}" type="slidenum">
+            <a:fld id="{47138532-1815-47DD-B732-BB6DCD001C13}" type="slidenum">
               <a:rPr b="0" lang="pt-BR" sz="1400" spc="-1" strike="noStrike">
                 <a:latin typeface="Times New Roman"/>
               </a:rPr>
@@ -345,7 +345,7 @@
       </p:grpSpPr>
       <p:sp>
         <p:nvSpPr>
-          <p:cNvPr id="178" name="PlaceHolder 1"/>
+          <p:cNvPr id="180" name="PlaceHolder 1"/>
           <p:cNvSpPr>
             <a:spLocks noGrp="1"/>
           </p:cNvSpPr>
@@ -356,19 +356,19 @@
         <p:spPr>
           <a:xfrm>
             <a:off x="1376280" y="1336680"/>
-            <a:ext cx="4801320" cy="3601440"/>
-          </a:xfrm>
-          <a:prstGeom prst="rect">
-            <a:avLst/>
-          </a:prstGeom>
-          <a:ln w="0">
-            <a:noFill/>
-          </a:ln>
-        </p:spPr>
-      </p:sp>
-      <p:sp>
-        <p:nvSpPr>
-          <p:cNvPr id="179" name="PlaceHolder 2"/>
+            <a:ext cx="4800960" cy="3601080"/>
+          </a:xfrm>
+          <a:prstGeom prst="rect">
+            <a:avLst/>
+          </a:prstGeom>
+          <a:ln w="0">
+            <a:noFill/>
+          </a:ln>
+        </p:spPr>
+      </p:sp>
+      <p:sp>
+        <p:nvSpPr>
+          <p:cNvPr id="181" name="PlaceHolder 2"/>
           <p:cNvSpPr>
             <a:spLocks noGrp="1"/>
           </p:cNvSpPr>
@@ -379,7 +379,7 @@
         <p:spPr>
           <a:xfrm>
             <a:off x="756000" y="5145120"/>
-            <a:ext cx="6040800" cy="4203000"/>
+            <a:ext cx="6040440" cy="4202640"/>
           </a:xfrm>
           <a:prstGeom prst="rect">
             <a:avLst/>
@@ -402,14 +402,14 @@
       </p:sp>
       <p:sp>
         <p:nvSpPr>
-          <p:cNvPr id="180" name="CustomShape 3"/>
+          <p:cNvPr id="182" name="CustomShape 3"/>
           <p:cNvSpPr/>
           <p:nvPr/>
         </p:nvSpPr>
         <p:spPr>
           <a:xfrm>
             <a:off x="0" y="10155240"/>
-            <a:ext cx="3269160" cy="529560"/>
+            <a:ext cx="3268800" cy="529200"/>
           </a:xfrm>
           <a:prstGeom prst="rect">
             <a:avLst/>
@@ -476,7 +476,7 @@
       </p:grpSpPr>
       <p:sp>
         <p:nvSpPr>
-          <p:cNvPr id="205" name="PlaceHolder 1"/>
+          <p:cNvPr id="207" name="PlaceHolder 1"/>
           <p:cNvSpPr>
             <a:spLocks noGrp="1"/>
           </p:cNvSpPr>
@@ -487,19 +487,19 @@
         <p:spPr>
           <a:xfrm>
             <a:off x="1376280" y="1336680"/>
-            <a:ext cx="4801320" cy="3601440"/>
-          </a:xfrm>
-          <a:prstGeom prst="rect">
-            <a:avLst/>
-          </a:prstGeom>
-          <a:ln w="0">
-            <a:noFill/>
-          </a:ln>
-        </p:spPr>
-      </p:sp>
-      <p:sp>
-        <p:nvSpPr>
-          <p:cNvPr id="206" name="PlaceHolder 2"/>
+            <a:ext cx="4800960" cy="3601080"/>
+          </a:xfrm>
+          <a:prstGeom prst="rect">
+            <a:avLst/>
+          </a:prstGeom>
+          <a:ln w="0">
+            <a:noFill/>
+          </a:ln>
+        </p:spPr>
+      </p:sp>
+      <p:sp>
+        <p:nvSpPr>
+          <p:cNvPr id="208" name="PlaceHolder 2"/>
           <p:cNvSpPr>
             <a:spLocks noGrp="1"/>
           </p:cNvSpPr>
@@ -510,7 +510,7 @@
         <p:spPr>
           <a:xfrm>
             <a:off x="756000" y="5145120"/>
-            <a:ext cx="6040800" cy="4203000"/>
+            <a:ext cx="6040440" cy="4202640"/>
           </a:xfrm>
           <a:prstGeom prst="rect">
             <a:avLst/>
@@ -533,14 +533,14 @@
       </p:sp>
       <p:sp>
         <p:nvSpPr>
-          <p:cNvPr id="207" name="CustomShape 3"/>
+          <p:cNvPr id="209" name="CustomShape 3"/>
           <p:cNvSpPr/>
           <p:nvPr/>
         </p:nvSpPr>
         <p:spPr>
           <a:xfrm>
             <a:off x="0" y="10155240"/>
-            <a:ext cx="3269160" cy="529560"/>
+            <a:ext cx="3268800" cy="529200"/>
           </a:xfrm>
           <a:prstGeom prst="rect">
             <a:avLst/>
@@ -607,7 +607,7 @@
       </p:grpSpPr>
       <p:sp>
         <p:nvSpPr>
-          <p:cNvPr id="208" name="PlaceHolder 1"/>
+          <p:cNvPr id="210" name="PlaceHolder 1"/>
           <p:cNvSpPr>
             <a:spLocks noGrp="1"/>
           </p:cNvSpPr>
@@ -618,19 +618,19 @@
         <p:spPr>
           <a:xfrm>
             <a:off x="1376280" y="1336680"/>
-            <a:ext cx="4801320" cy="3601440"/>
-          </a:xfrm>
-          <a:prstGeom prst="rect">
-            <a:avLst/>
-          </a:prstGeom>
-          <a:ln w="0">
-            <a:noFill/>
-          </a:ln>
-        </p:spPr>
-      </p:sp>
-      <p:sp>
-        <p:nvSpPr>
-          <p:cNvPr id="209" name="PlaceHolder 2"/>
+            <a:ext cx="4800960" cy="3601080"/>
+          </a:xfrm>
+          <a:prstGeom prst="rect">
+            <a:avLst/>
+          </a:prstGeom>
+          <a:ln w="0">
+            <a:noFill/>
+          </a:ln>
+        </p:spPr>
+      </p:sp>
+      <p:sp>
+        <p:nvSpPr>
+          <p:cNvPr id="211" name="PlaceHolder 2"/>
           <p:cNvSpPr>
             <a:spLocks noGrp="1"/>
           </p:cNvSpPr>
@@ -641,7 +641,7 @@
         <p:spPr>
           <a:xfrm>
             <a:off x="756000" y="5145120"/>
-            <a:ext cx="6040800" cy="4203000"/>
+            <a:ext cx="6040440" cy="4202640"/>
           </a:xfrm>
           <a:prstGeom prst="rect">
             <a:avLst/>
@@ -664,14 +664,14 @@
       </p:sp>
       <p:sp>
         <p:nvSpPr>
-          <p:cNvPr id="210" name="CustomShape 3"/>
+          <p:cNvPr id="212" name="CustomShape 3"/>
           <p:cNvSpPr/>
           <p:nvPr/>
         </p:nvSpPr>
         <p:spPr>
           <a:xfrm>
             <a:off x="0" y="10155240"/>
-            <a:ext cx="3269160" cy="529560"/>
+            <a:ext cx="3268800" cy="529200"/>
           </a:xfrm>
           <a:prstGeom prst="rect">
             <a:avLst/>
@@ -738,7 +738,7 @@
       </p:grpSpPr>
       <p:sp>
         <p:nvSpPr>
-          <p:cNvPr id="211" name="PlaceHolder 1"/>
+          <p:cNvPr id="213" name="PlaceHolder 1"/>
           <p:cNvSpPr>
             <a:spLocks noGrp="1"/>
           </p:cNvSpPr>
@@ -749,19 +749,19 @@
         <p:spPr>
           <a:xfrm>
             <a:off x="1376280" y="1336680"/>
-            <a:ext cx="4801320" cy="3601440"/>
-          </a:xfrm>
-          <a:prstGeom prst="rect">
-            <a:avLst/>
-          </a:prstGeom>
-          <a:ln w="0">
-            <a:noFill/>
-          </a:ln>
-        </p:spPr>
-      </p:sp>
-      <p:sp>
-        <p:nvSpPr>
-          <p:cNvPr id="212" name="PlaceHolder 2"/>
+            <a:ext cx="4800960" cy="3601080"/>
+          </a:xfrm>
+          <a:prstGeom prst="rect">
+            <a:avLst/>
+          </a:prstGeom>
+          <a:ln w="0">
+            <a:noFill/>
+          </a:ln>
+        </p:spPr>
+      </p:sp>
+      <p:sp>
+        <p:nvSpPr>
+          <p:cNvPr id="214" name="PlaceHolder 2"/>
           <p:cNvSpPr>
             <a:spLocks noGrp="1"/>
           </p:cNvSpPr>
@@ -772,7 +772,7 @@
         <p:spPr>
           <a:xfrm>
             <a:off x="756000" y="5145120"/>
-            <a:ext cx="6040800" cy="4203000"/>
+            <a:ext cx="6040440" cy="4202640"/>
           </a:xfrm>
           <a:prstGeom prst="rect">
             <a:avLst/>
@@ -795,14 +795,14 @@
       </p:sp>
       <p:sp>
         <p:nvSpPr>
-          <p:cNvPr id="213" name="CustomShape 3"/>
+          <p:cNvPr id="215" name="CustomShape 3"/>
           <p:cNvSpPr/>
           <p:nvPr/>
         </p:nvSpPr>
         <p:spPr>
           <a:xfrm>
             <a:off x="0" y="10155240"/>
-            <a:ext cx="3269160" cy="529560"/>
+            <a:ext cx="3268800" cy="529200"/>
           </a:xfrm>
           <a:prstGeom prst="rect">
             <a:avLst/>
@@ -869,7 +869,7 @@
       </p:grpSpPr>
       <p:sp>
         <p:nvSpPr>
-          <p:cNvPr id="214" name="PlaceHolder 1"/>
+          <p:cNvPr id="216" name="PlaceHolder 1"/>
           <p:cNvSpPr>
             <a:spLocks noGrp="1"/>
           </p:cNvSpPr>
@@ -880,19 +880,19 @@
         <p:spPr>
           <a:xfrm>
             <a:off x="1376280" y="1336680"/>
-            <a:ext cx="4801320" cy="3601440"/>
-          </a:xfrm>
-          <a:prstGeom prst="rect">
-            <a:avLst/>
-          </a:prstGeom>
-          <a:ln w="0">
-            <a:noFill/>
-          </a:ln>
-        </p:spPr>
-      </p:sp>
-      <p:sp>
-        <p:nvSpPr>
-          <p:cNvPr id="215" name="PlaceHolder 2"/>
+            <a:ext cx="4800960" cy="3601080"/>
+          </a:xfrm>
+          <a:prstGeom prst="rect">
+            <a:avLst/>
+          </a:prstGeom>
+          <a:ln w="0">
+            <a:noFill/>
+          </a:ln>
+        </p:spPr>
+      </p:sp>
+      <p:sp>
+        <p:nvSpPr>
+          <p:cNvPr id="217" name="PlaceHolder 2"/>
           <p:cNvSpPr>
             <a:spLocks noGrp="1"/>
           </p:cNvSpPr>
@@ -903,7 +903,7 @@
         <p:spPr>
           <a:xfrm>
             <a:off x="756000" y="5145120"/>
-            <a:ext cx="6040800" cy="4203000"/>
+            <a:ext cx="6040440" cy="4202640"/>
           </a:xfrm>
           <a:prstGeom prst="rect">
             <a:avLst/>
@@ -926,14 +926,14 @@
       </p:sp>
       <p:sp>
         <p:nvSpPr>
-          <p:cNvPr id="216" name="CustomShape 3"/>
+          <p:cNvPr id="218" name="CustomShape 3"/>
           <p:cNvSpPr/>
           <p:nvPr/>
         </p:nvSpPr>
         <p:spPr>
           <a:xfrm>
             <a:off x="0" y="10155240"/>
-            <a:ext cx="3269160" cy="529560"/>
+            <a:ext cx="3268800" cy="529200"/>
           </a:xfrm>
           <a:prstGeom prst="rect">
             <a:avLst/>
@@ -1000,7 +1000,7 @@
       </p:grpSpPr>
       <p:sp>
         <p:nvSpPr>
-          <p:cNvPr id="217" name="PlaceHolder 1"/>
+          <p:cNvPr id="219" name="PlaceHolder 1"/>
           <p:cNvSpPr>
             <a:spLocks noGrp="1"/>
           </p:cNvSpPr>
@@ -1011,19 +1011,19 @@
         <p:spPr>
           <a:xfrm>
             <a:off x="1376280" y="1336680"/>
-            <a:ext cx="4801320" cy="3601440"/>
-          </a:xfrm>
-          <a:prstGeom prst="rect">
-            <a:avLst/>
-          </a:prstGeom>
-          <a:ln w="0">
-            <a:noFill/>
-          </a:ln>
-        </p:spPr>
-      </p:sp>
-      <p:sp>
-        <p:nvSpPr>
-          <p:cNvPr id="218" name="PlaceHolder 2"/>
+            <a:ext cx="4800960" cy="3601080"/>
+          </a:xfrm>
+          <a:prstGeom prst="rect">
+            <a:avLst/>
+          </a:prstGeom>
+          <a:ln w="0">
+            <a:noFill/>
+          </a:ln>
+        </p:spPr>
+      </p:sp>
+      <p:sp>
+        <p:nvSpPr>
+          <p:cNvPr id="220" name="PlaceHolder 2"/>
           <p:cNvSpPr>
             <a:spLocks noGrp="1"/>
           </p:cNvSpPr>
@@ -1034,7 +1034,7 @@
         <p:spPr>
           <a:xfrm>
             <a:off x="756000" y="5145120"/>
-            <a:ext cx="6040800" cy="4203000"/>
+            <a:ext cx="6040440" cy="4202640"/>
           </a:xfrm>
           <a:prstGeom prst="rect">
             <a:avLst/>
@@ -1057,14 +1057,14 @@
       </p:sp>
       <p:sp>
         <p:nvSpPr>
-          <p:cNvPr id="219" name="CustomShape 3"/>
+          <p:cNvPr id="221" name="CustomShape 3"/>
           <p:cNvSpPr/>
           <p:nvPr/>
         </p:nvSpPr>
         <p:spPr>
           <a:xfrm>
             <a:off x="0" y="10155240"/>
-            <a:ext cx="3269160" cy="529560"/>
+            <a:ext cx="3268800" cy="529200"/>
           </a:xfrm>
           <a:prstGeom prst="rect">
             <a:avLst/>
@@ -1131,7 +1131,7 @@
       </p:grpSpPr>
       <p:sp>
         <p:nvSpPr>
-          <p:cNvPr id="220" name="PlaceHolder 1"/>
+          <p:cNvPr id="222" name="PlaceHolder 1"/>
           <p:cNvSpPr>
             <a:spLocks noGrp="1"/>
           </p:cNvSpPr>
@@ -1142,19 +1142,19 @@
         <p:spPr>
           <a:xfrm>
             <a:off x="1376280" y="1336680"/>
-            <a:ext cx="4801320" cy="3601440"/>
-          </a:xfrm>
-          <a:prstGeom prst="rect">
-            <a:avLst/>
-          </a:prstGeom>
-          <a:ln w="0">
-            <a:noFill/>
-          </a:ln>
-        </p:spPr>
-      </p:sp>
-      <p:sp>
-        <p:nvSpPr>
-          <p:cNvPr id="221" name="PlaceHolder 2"/>
+            <a:ext cx="4800960" cy="3601080"/>
+          </a:xfrm>
+          <a:prstGeom prst="rect">
+            <a:avLst/>
+          </a:prstGeom>
+          <a:ln w="0">
+            <a:noFill/>
+          </a:ln>
+        </p:spPr>
+      </p:sp>
+      <p:sp>
+        <p:nvSpPr>
+          <p:cNvPr id="223" name="PlaceHolder 2"/>
           <p:cNvSpPr>
             <a:spLocks noGrp="1"/>
           </p:cNvSpPr>
@@ -1165,7 +1165,7 @@
         <p:spPr>
           <a:xfrm>
             <a:off x="756000" y="5145120"/>
-            <a:ext cx="6040800" cy="4203000"/>
+            <a:ext cx="6040440" cy="4202640"/>
           </a:xfrm>
           <a:prstGeom prst="rect">
             <a:avLst/>
@@ -1188,14 +1188,14 @@
       </p:sp>
       <p:sp>
         <p:nvSpPr>
-          <p:cNvPr id="222" name="CustomShape 3"/>
+          <p:cNvPr id="224" name="CustomShape 3"/>
           <p:cNvSpPr/>
           <p:nvPr/>
         </p:nvSpPr>
         <p:spPr>
           <a:xfrm>
             <a:off x="0" y="10155240"/>
-            <a:ext cx="3269160" cy="529560"/>
+            <a:ext cx="3268800" cy="529200"/>
           </a:xfrm>
           <a:prstGeom prst="rect">
             <a:avLst/>
@@ -1262,7 +1262,7 @@
       </p:grpSpPr>
       <p:sp>
         <p:nvSpPr>
-          <p:cNvPr id="223" name="PlaceHolder 1"/>
+          <p:cNvPr id="225" name="PlaceHolder 1"/>
           <p:cNvSpPr>
             <a:spLocks noGrp="1"/>
           </p:cNvSpPr>
@@ -1273,19 +1273,19 @@
         <p:spPr>
           <a:xfrm>
             <a:off x="1376280" y="1336680"/>
-            <a:ext cx="4801320" cy="3601440"/>
-          </a:xfrm>
-          <a:prstGeom prst="rect">
-            <a:avLst/>
-          </a:prstGeom>
-          <a:ln w="0">
-            <a:noFill/>
-          </a:ln>
-        </p:spPr>
-      </p:sp>
-      <p:sp>
-        <p:nvSpPr>
-          <p:cNvPr id="224" name="PlaceHolder 2"/>
+            <a:ext cx="4800960" cy="3601080"/>
+          </a:xfrm>
+          <a:prstGeom prst="rect">
+            <a:avLst/>
+          </a:prstGeom>
+          <a:ln w="0">
+            <a:noFill/>
+          </a:ln>
+        </p:spPr>
+      </p:sp>
+      <p:sp>
+        <p:nvSpPr>
+          <p:cNvPr id="226" name="PlaceHolder 2"/>
           <p:cNvSpPr>
             <a:spLocks noGrp="1"/>
           </p:cNvSpPr>
@@ -1296,7 +1296,7 @@
         <p:spPr>
           <a:xfrm>
             <a:off x="756000" y="5145120"/>
-            <a:ext cx="6040800" cy="4203000"/>
+            <a:ext cx="6040440" cy="4202640"/>
           </a:xfrm>
           <a:prstGeom prst="rect">
             <a:avLst/>
@@ -1319,14 +1319,14 @@
       </p:sp>
       <p:sp>
         <p:nvSpPr>
-          <p:cNvPr id="225" name="CustomShape 3"/>
+          <p:cNvPr id="227" name="CustomShape 3"/>
           <p:cNvSpPr/>
           <p:nvPr/>
         </p:nvSpPr>
         <p:spPr>
           <a:xfrm>
             <a:off x="0" y="10155240"/>
-            <a:ext cx="3269160" cy="529560"/>
+            <a:ext cx="3268800" cy="529200"/>
           </a:xfrm>
           <a:prstGeom prst="rect">
             <a:avLst/>
@@ -1393,7 +1393,7 @@
       </p:grpSpPr>
       <p:sp>
         <p:nvSpPr>
-          <p:cNvPr id="181" name="PlaceHolder 1"/>
+          <p:cNvPr id="183" name="PlaceHolder 1"/>
           <p:cNvSpPr>
             <a:spLocks noGrp="1"/>
           </p:cNvSpPr>
@@ -1404,19 +1404,19 @@
         <p:spPr>
           <a:xfrm>
             <a:off x="1376280" y="1336680"/>
-            <a:ext cx="4801320" cy="3601440"/>
-          </a:xfrm>
-          <a:prstGeom prst="rect">
-            <a:avLst/>
-          </a:prstGeom>
-          <a:ln w="0">
-            <a:noFill/>
-          </a:ln>
-        </p:spPr>
-      </p:sp>
-      <p:sp>
-        <p:nvSpPr>
-          <p:cNvPr id="182" name="PlaceHolder 2"/>
+            <a:ext cx="4800960" cy="3601080"/>
+          </a:xfrm>
+          <a:prstGeom prst="rect">
+            <a:avLst/>
+          </a:prstGeom>
+          <a:ln w="0">
+            <a:noFill/>
+          </a:ln>
+        </p:spPr>
+      </p:sp>
+      <p:sp>
+        <p:nvSpPr>
+          <p:cNvPr id="184" name="PlaceHolder 2"/>
           <p:cNvSpPr>
             <a:spLocks noGrp="1"/>
           </p:cNvSpPr>
@@ -1427,7 +1427,7 @@
         <p:spPr>
           <a:xfrm>
             <a:off x="756000" y="5145120"/>
-            <a:ext cx="6040800" cy="4203000"/>
+            <a:ext cx="6040440" cy="4202640"/>
           </a:xfrm>
           <a:prstGeom prst="rect">
             <a:avLst/>
@@ -1450,14 +1450,14 @@
       </p:sp>
       <p:sp>
         <p:nvSpPr>
-          <p:cNvPr id="183" name="CustomShape 3"/>
+          <p:cNvPr id="185" name="CustomShape 3"/>
           <p:cNvSpPr/>
           <p:nvPr/>
         </p:nvSpPr>
         <p:spPr>
           <a:xfrm>
             <a:off x="0" y="10155240"/>
-            <a:ext cx="3269160" cy="529560"/>
+            <a:ext cx="3268800" cy="529200"/>
           </a:xfrm>
           <a:prstGeom prst="rect">
             <a:avLst/>
@@ -1524,7 +1524,7 @@
       </p:grpSpPr>
       <p:sp>
         <p:nvSpPr>
-          <p:cNvPr id="184" name="PlaceHolder 1"/>
+          <p:cNvPr id="186" name="PlaceHolder 1"/>
           <p:cNvSpPr>
             <a:spLocks noGrp="1"/>
           </p:cNvSpPr>
@@ -1535,19 +1535,19 @@
         <p:spPr>
           <a:xfrm>
             <a:off x="1376280" y="1336680"/>
-            <a:ext cx="4801320" cy="3601440"/>
-          </a:xfrm>
-          <a:prstGeom prst="rect">
-            <a:avLst/>
-          </a:prstGeom>
-          <a:ln w="0">
-            <a:noFill/>
-          </a:ln>
-        </p:spPr>
-      </p:sp>
-      <p:sp>
-        <p:nvSpPr>
-          <p:cNvPr id="185" name="PlaceHolder 2"/>
+            <a:ext cx="4800960" cy="3601080"/>
+          </a:xfrm>
+          <a:prstGeom prst="rect">
+            <a:avLst/>
+          </a:prstGeom>
+          <a:ln w="0">
+            <a:noFill/>
+          </a:ln>
+        </p:spPr>
+      </p:sp>
+      <p:sp>
+        <p:nvSpPr>
+          <p:cNvPr id="187" name="PlaceHolder 2"/>
           <p:cNvSpPr>
             <a:spLocks noGrp="1"/>
           </p:cNvSpPr>
@@ -1558,7 +1558,7 @@
         <p:spPr>
           <a:xfrm>
             <a:off x="756000" y="5145120"/>
-            <a:ext cx="6040800" cy="4203000"/>
+            <a:ext cx="6040440" cy="4202640"/>
           </a:xfrm>
           <a:prstGeom prst="rect">
             <a:avLst/>
@@ -1581,14 +1581,14 @@
       </p:sp>
       <p:sp>
         <p:nvSpPr>
-          <p:cNvPr id="186" name="CustomShape 3"/>
+          <p:cNvPr id="188" name="CustomShape 3"/>
           <p:cNvSpPr/>
           <p:nvPr/>
         </p:nvSpPr>
         <p:spPr>
           <a:xfrm>
             <a:off x="0" y="10155240"/>
-            <a:ext cx="3269160" cy="529560"/>
+            <a:ext cx="3268800" cy="529200"/>
           </a:xfrm>
           <a:prstGeom prst="rect">
             <a:avLst/>
@@ -1655,7 +1655,7 @@
       </p:grpSpPr>
       <p:sp>
         <p:nvSpPr>
-          <p:cNvPr id="187" name="PlaceHolder 1"/>
+          <p:cNvPr id="189" name="PlaceHolder 1"/>
           <p:cNvSpPr>
             <a:spLocks noGrp="1"/>
           </p:cNvSpPr>
@@ -1666,19 +1666,19 @@
         <p:spPr>
           <a:xfrm>
             <a:off x="1376280" y="1336680"/>
-            <a:ext cx="4801320" cy="3601440"/>
-          </a:xfrm>
-          <a:prstGeom prst="rect">
-            <a:avLst/>
-          </a:prstGeom>
-          <a:ln w="0">
-            <a:noFill/>
-          </a:ln>
-        </p:spPr>
-      </p:sp>
-      <p:sp>
-        <p:nvSpPr>
-          <p:cNvPr id="188" name="PlaceHolder 2"/>
+            <a:ext cx="4800960" cy="3601080"/>
+          </a:xfrm>
+          <a:prstGeom prst="rect">
+            <a:avLst/>
+          </a:prstGeom>
+          <a:ln w="0">
+            <a:noFill/>
+          </a:ln>
+        </p:spPr>
+      </p:sp>
+      <p:sp>
+        <p:nvSpPr>
+          <p:cNvPr id="190" name="PlaceHolder 2"/>
           <p:cNvSpPr>
             <a:spLocks noGrp="1"/>
           </p:cNvSpPr>
@@ -1689,7 +1689,7 @@
         <p:spPr>
           <a:xfrm>
             <a:off x="756000" y="5145120"/>
-            <a:ext cx="6040800" cy="4203000"/>
+            <a:ext cx="6040440" cy="4202640"/>
           </a:xfrm>
           <a:prstGeom prst="rect">
             <a:avLst/>
@@ -1712,14 +1712,14 @@
       </p:sp>
       <p:sp>
         <p:nvSpPr>
-          <p:cNvPr id="189" name="CustomShape 3"/>
+          <p:cNvPr id="191" name="CustomShape 3"/>
           <p:cNvSpPr/>
           <p:nvPr/>
         </p:nvSpPr>
         <p:spPr>
           <a:xfrm>
             <a:off x="0" y="10155240"/>
-            <a:ext cx="3269160" cy="529560"/>
+            <a:ext cx="3268800" cy="529200"/>
           </a:xfrm>
           <a:prstGeom prst="rect">
             <a:avLst/>
@@ -1786,7 +1786,7 @@
       </p:grpSpPr>
       <p:sp>
         <p:nvSpPr>
-          <p:cNvPr id="190" name="PlaceHolder 1"/>
+          <p:cNvPr id="192" name="PlaceHolder 1"/>
           <p:cNvSpPr>
             <a:spLocks noGrp="1"/>
           </p:cNvSpPr>
@@ -1797,19 +1797,19 @@
         <p:spPr>
           <a:xfrm>
             <a:off x="1376280" y="1336680"/>
-            <a:ext cx="4801320" cy="3601440"/>
-          </a:xfrm>
-          <a:prstGeom prst="rect">
-            <a:avLst/>
-          </a:prstGeom>
-          <a:ln w="0">
-            <a:noFill/>
-          </a:ln>
-        </p:spPr>
-      </p:sp>
-      <p:sp>
-        <p:nvSpPr>
-          <p:cNvPr id="191" name="PlaceHolder 2"/>
+            <a:ext cx="4800960" cy="3601080"/>
+          </a:xfrm>
+          <a:prstGeom prst="rect">
+            <a:avLst/>
+          </a:prstGeom>
+          <a:ln w="0">
+            <a:noFill/>
+          </a:ln>
+        </p:spPr>
+      </p:sp>
+      <p:sp>
+        <p:nvSpPr>
+          <p:cNvPr id="193" name="PlaceHolder 2"/>
           <p:cNvSpPr>
             <a:spLocks noGrp="1"/>
           </p:cNvSpPr>
@@ -1820,7 +1820,7 @@
         <p:spPr>
           <a:xfrm>
             <a:off x="756000" y="5145120"/>
-            <a:ext cx="6040800" cy="4203000"/>
+            <a:ext cx="6040440" cy="4202640"/>
           </a:xfrm>
           <a:prstGeom prst="rect">
             <a:avLst/>
@@ -1843,14 +1843,14 @@
       </p:sp>
       <p:sp>
         <p:nvSpPr>
-          <p:cNvPr id="192" name="CustomShape 3"/>
+          <p:cNvPr id="194" name="CustomShape 3"/>
           <p:cNvSpPr/>
           <p:nvPr/>
         </p:nvSpPr>
         <p:spPr>
           <a:xfrm>
             <a:off x="0" y="10155240"/>
-            <a:ext cx="3269160" cy="529560"/>
+            <a:ext cx="3268800" cy="529200"/>
           </a:xfrm>
           <a:prstGeom prst="rect">
             <a:avLst/>
@@ -1917,7 +1917,7 @@
       </p:grpSpPr>
       <p:sp>
         <p:nvSpPr>
-          <p:cNvPr id="193" name="PlaceHolder 1"/>
+          <p:cNvPr id="195" name="PlaceHolder 1"/>
           <p:cNvSpPr>
             <a:spLocks noGrp="1"/>
           </p:cNvSpPr>
@@ -1928,19 +1928,19 @@
         <p:spPr>
           <a:xfrm>
             <a:off x="1376280" y="1336680"/>
-            <a:ext cx="4801320" cy="3601440"/>
-          </a:xfrm>
-          <a:prstGeom prst="rect">
-            <a:avLst/>
-          </a:prstGeom>
-          <a:ln w="0">
-            <a:noFill/>
-          </a:ln>
-        </p:spPr>
-      </p:sp>
-      <p:sp>
-        <p:nvSpPr>
-          <p:cNvPr id="194" name="PlaceHolder 2"/>
+            <a:ext cx="4800960" cy="3601080"/>
+          </a:xfrm>
+          <a:prstGeom prst="rect">
+            <a:avLst/>
+          </a:prstGeom>
+          <a:ln w="0">
+            <a:noFill/>
+          </a:ln>
+        </p:spPr>
+      </p:sp>
+      <p:sp>
+        <p:nvSpPr>
+          <p:cNvPr id="196" name="PlaceHolder 2"/>
           <p:cNvSpPr>
             <a:spLocks noGrp="1"/>
           </p:cNvSpPr>
@@ -1951,7 +1951,7 @@
         <p:spPr>
           <a:xfrm>
             <a:off x="756000" y="5145120"/>
-            <a:ext cx="6040800" cy="4203000"/>
+            <a:ext cx="6040440" cy="4202640"/>
           </a:xfrm>
           <a:prstGeom prst="rect">
             <a:avLst/>
@@ -1974,14 +1974,14 @@
       </p:sp>
       <p:sp>
         <p:nvSpPr>
-          <p:cNvPr id="195" name="CustomShape 3"/>
+          <p:cNvPr id="197" name="CustomShape 3"/>
           <p:cNvSpPr/>
           <p:nvPr/>
         </p:nvSpPr>
         <p:spPr>
           <a:xfrm>
             <a:off x="0" y="10155240"/>
-            <a:ext cx="3269160" cy="529560"/>
+            <a:ext cx="3268800" cy="529200"/>
           </a:xfrm>
           <a:prstGeom prst="rect">
             <a:avLst/>
@@ -2048,7 +2048,7 @@
       </p:grpSpPr>
       <p:sp>
         <p:nvSpPr>
-          <p:cNvPr id="196" name="PlaceHolder 1"/>
+          <p:cNvPr id="198" name="PlaceHolder 1"/>
           <p:cNvSpPr>
             <a:spLocks noGrp="1"/>
           </p:cNvSpPr>
@@ -2059,19 +2059,19 @@
         <p:spPr>
           <a:xfrm>
             <a:off x="1376280" y="1336680"/>
-            <a:ext cx="4801320" cy="3601440"/>
-          </a:xfrm>
-          <a:prstGeom prst="rect">
-            <a:avLst/>
-          </a:prstGeom>
-          <a:ln w="0">
-            <a:noFill/>
-          </a:ln>
-        </p:spPr>
-      </p:sp>
-      <p:sp>
-        <p:nvSpPr>
-          <p:cNvPr id="197" name="PlaceHolder 2"/>
+            <a:ext cx="4800960" cy="3601080"/>
+          </a:xfrm>
+          <a:prstGeom prst="rect">
+            <a:avLst/>
+          </a:prstGeom>
+          <a:ln w="0">
+            <a:noFill/>
+          </a:ln>
+        </p:spPr>
+      </p:sp>
+      <p:sp>
+        <p:nvSpPr>
+          <p:cNvPr id="199" name="PlaceHolder 2"/>
           <p:cNvSpPr>
             <a:spLocks noGrp="1"/>
           </p:cNvSpPr>
@@ -2082,7 +2082,7 @@
         <p:spPr>
           <a:xfrm>
             <a:off x="756000" y="5145120"/>
-            <a:ext cx="6040800" cy="4203000"/>
+            <a:ext cx="6040440" cy="4202640"/>
           </a:xfrm>
           <a:prstGeom prst="rect">
             <a:avLst/>
@@ -2105,14 +2105,14 @@
       </p:sp>
       <p:sp>
         <p:nvSpPr>
-          <p:cNvPr id="198" name="CustomShape 3"/>
+          <p:cNvPr id="200" name="CustomShape 3"/>
           <p:cNvSpPr/>
           <p:nvPr/>
         </p:nvSpPr>
         <p:spPr>
           <a:xfrm>
             <a:off x="0" y="10155240"/>
-            <a:ext cx="3269160" cy="529560"/>
+            <a:ext cx="3268800" cy="529200"/>
           </a:xfrm>
           <a:prstGeom prst="rect">
             <a:avLst/>
@@ -2179,7 +2179,7 @@
       </p:grpSpPr>
       <p:sp>
         <p:nvSpPr>
-          <p:cNvPr id="199" name="PlaceHolder 1"/>
+          <p:cNvPr id="201" name="PlaceHolder 1"/>
           <p:cNvSpPr>
             <a:spLocks noGrp="1"/>
           </p:cNvSpPr>
@@ -2190,19 +2190,19 @@
         <p:spPr>
           <a:xfrm>
             <a:off x="1376280" y="1336680"/>
-            <a:ext cx="4801320" cy="3601440"/>
-          </a:xfrm>
-          <a:prstGeom prst="rect">
-            <a:avLst/>
-          </a:prstGeom>
-          <a:ln w="0">
-            <a:noFill/>
-          </a:ln>
-        </p:spPr>
-      </p:sp>
-      <p:sp>
-        <p:nvSpPr>
-          <p:cNvPr id="200" name="PlaceHolder 2"/>
+            <a:ext cx="4800960" cy="3601080"/>
+          </a:xfrm>
+          <a:prstGeom prst="rect">
+            <a:avLst/>
+          </a:prstGeom>
+          <a:ln w="0">
+            <a:noFill/>
+          </a:ln>
+        </p:spPr>
+      </p:sp>
+      <p:sp>
+        <p:nvSpPr>
+          <p:cNvPr id="202" name="PlaceHolder 2"/>
           <p:cNvSpPr>
             <a:spLocks noGrp="1"/>
           </p:cNvSpPr>
@@ -2213,7 +2213,7 @@
         <p:spPr>
           <a:xfrm>
             <a:off x="756000" y="5145120"/>
-            <a:ext cx="6040800" cy="4203000"/>
+            <a:ext cx="6040440" cy="4202640"/>
           </a:xfrm>
           <a:prstGeom prst="rect">
             <a:avLst/>
@@ -2236,14 +2236,14 @@
       </p:sp>
       <p:sp>
         <p:nvSpPr>
-          <p:cNvPr id="201" name="CustomShape 3"/>
+          <p:cNvPr id="203" name="CustomShape 3"/>
           <p:cNvSpPr/>
           <p:nvPr/>
         </p:nvSpPr>
         <p:spPr>
           <a:xfrm>
             <a:off x="0" y="10155240"/>
-            <a:ext cx="3269160" cy="529560"/>
+            <a:ext cx="3268800" cy="529200"/>
           </a:xfrm>
           <a:prstGeom prst="rect">
             <a:avLst/>
@@ -2310,7 +2310,7 @@
       </p:grpSpPr>
       <p:sp>
         <p:nvSpPr>
-          <p:cNvPr id="202" name="PlaceHolder 1"/>
+          <p:cNvPr id="204" name="PlaceHolder 1"/>
           <p:cNvSpPr>
             <a:spLocks noGrp="1"/>
           </p:cNvSpPr>
@@ -2321,19 +2321,19 @@
         <p:spPr>
           <a:xfrm>
             <a:off x="1376280" y="1336680"/>
-            <a:ext cx="4801320" cy="3601440"/>
-          </a:xfrm>
-          <a:prstGeom prst="rect">
-            <a:avLst/>
-          </a:prstGeom>
-          <a:ln w="0">
-            <a:noFill/>
-          </a:ln>
-        </p:spPr>
-      </p:sp>
-      <p:sp>
-        <p:nvSpPr>
-          <p:cNvPr id="203" name="PlaceHolder 2"/>
+            <a:ext cx="4800960" cy="3601080"/>
+          </a:xfrm>
+          <a:prstGeom prst="rect">
+            <a:avLst/>
+          </a:prstGeom>
+          <a:ln w="0">
+            <a:noFill/>
+          </a:ln>
+        </p:spPr>
+      </p:sp>
+      <p:sp>
+        <p:nvSpPr>
+          <p:cNvPr id="205" name="PlaceHolder 2"/>
           <p:cNvSpPr>
             <a:spLocks noGrp="1"/>
           </p:cNvSpPr>
@@ -2344,7 +2344,7 @@
         <p:spPr>
           <a:xfrm>
             <a:off x="756000" y="5145120"/>
-            <a:ext cx="6040800" cy="4203000"/>
+            <a:ext cx="6040440" cy="4202640"/>
           </a:xfrm>
           <a:prstGeom prst="rect">
             <a:avLst/>
@@ -2367,14 +2367,14 @@
       </p:sp>
       <p:sp>
         <p:nvSpPr>
-          <p:cNvPr id="204" name="CustomShape 3"/>
+          <p:cNvPr id="206" name="CustomShape 3"/>
           <p:cNvSpPr/>
           <p:nvPr/>
         </p:nvSpPr>
         <p:spPr>
           <a:xfrm>
             <a:off x="0" y="10155240"/>
-            <a:ext cx="3269160" cy="529560"/>
+            <a:ext cx="3268800" cy="529200"/>
           </a:xfrm>
           <a:prstGeom prst="rect">
             <a:avLst/>
@@ -5503,7 +5503,7 @@
         <p:spPr>
           <a:xfrm>
             <a:off x="0" y="3150000"/>
-            <a:ext cx="9713160" cy="1253160"/>
+            <a:ext cx="9712800" cy="1252800"/>
           </a:xfrm>
           <a:prstGeom prst="rect">
             <a:avLst/>
@@ -5801,7 +5801,7 @@
         <p:spPr>
           <a:xfrm>
             <a:off x="0" y="180000"/>
-            <a:ext cx="9713160" cy="1253160"/>
+            <a:ext cx="9712800" cy="1252800"/>
           </a:xfrm>
           <a:prstGeom prst="rect">
             <a:avLst/>
@@ -5829,7 +5829,7 @@
         <p:spPr>
           <a:xfrm>
             <a:off x="7560000" y="6840000"/>
-            <a:ext cx="2513160" cy="533160"/>
+            <a:ext cx="2512800" cy="532800"/>
           </a:xfrm>
           <a:prstGeom prst="rect">
             <a:avLst/>
@@ -5857,7 +5857,7 @@
         <p:spPr>
           <a:xfrm>
             <a:off x="900000" y="6840000"/>
-            <a:ext cx="6473160" cy="533160"/>
+            <a:ext cx="6472800" cy="532800"/>
           </a:xfrm>
           <a:prstGeom prst="rect">
             <a:avLst/>
@@ -5885,7 +5885,7 @@
         <p:spPr>
           <a:xfrm>
             <a:off x="180000" y="6840000"/>
-            <a:ext cx="533160" cy="533160"/>
+            <a:ext cx="532800" cy="532800"/>
           </a:xfrm>
           <a:prstGeom prst="rect">
             <a:avLst/>
@@ -5937,7 +5937,13 @@
               <a:rPr b="0" lang="pt-BR" sz="4400" spc="-1" strike="noStrike">
                 <a:latin typeface="Arial"/>
               </a:rPr>
-              <a:t>Click to edit the title text format</a:t>
+              <a:t>Click to edit the </a:t>
+            </a:r>
+            <a:r>
+              <a:rPr b="0" lang="pt-BR" sz="4400" spc="-1" strike="noStrike">
+                <a:latin typeface="Arial"/>
+              </a:rPr>
+              <a:t>title text format</a:t>
             </a:r>
             <a:endParaRPr b="0" lang="pt-BR" sz="4400" spc="-1" strike="noStrike">
               <a:latin typeface="Arial"/>
@@ -6174,7 +6180,7 @@
         <p:spPr>
           <a:xfrm>
             <a:off x="360000" y="3330000"/>
-            <a:ext cx="9353160" cy="893160"/>
+            <a:ext cx="9352800" cy="892800"/>
           </a:xfrm>
           <a:prstGeom prst="rect">
             <a:avLst/>
@@ -6202,7 +6208,7 @@
               <a:buNone/>
             </a:pPr>
             <a:r>
-              <a:rPr b="1" lang="pt-BR" sz="3200" spc="-1" strike="noStrike">
+              <a:rPr b="1" lang="pt-BR" sz="2800" spc="-1" strike="noStrike">
                 <a:solidFill>
                   <a:srgbClr val="ffffff"/>
                 </a:solidFill>
@@ -6211,7 +6217,7 @@
               </a:rPr>
               <a:t>Fundamentos de Algoritmos e Estrutura de Dados – Aula 05 – Árvores Balanceadas (AVL)</a:t>
             </a:r>
-            <a:endParaRPr b="0" lang="pt-BR" sz="3200" spc="-1" strike="noStrike">
+            <a:endParaRPr b="0" lang="pt-BR" sz="2800" spc="-1" strike="noStrike">
               <a:latin typeface="Arial"/>
             </a:endParaRPr>
           </a:p>
@@ -6226,7 +6232,7 @@
         <p:spPr>
           <a:xfrm>
             <a:off x="540000" y="4680000"/>
-            <a:ext cx="9173160" cy="2513160"/>
+            <a:ext cx="9172800" cy="2512800"/>
           </a:xfrm>
           <a:prstGeom prst="rect">
             <a:avLst/>
@@ -6424,14 +6430,14 @@
       </p:grpSpPr>
       <p:sp>
         <p:nvSpPr>
-          <p:cNvPr id="137" name="CustomShape 1"/>
+          <p:cNvPr id="139" name="CustomShape 1"/>
           <p:cNvSpPr/>
           <p:nvPr/>
         </p:nvSpPr>
         <p:spPr>
           <a:xfrm>
             <a:off x="360000" y="360000"/>
-            <a:ext cx="9353160" cy="893160"/>
+            <a:ext cx="9352800" cy="892800"/>
           </a:xfrm>
           <a:prstGeom prst="rect">
             <a:avLst/>
@@ -6476,14 +6482,14 @@
       </p:sp>
       <p:sp>
         <p:nvSpPr>
-          <p:cNvPr id="138" name="CustomShape 2"/>
+          <p:cNvPr id="140" name="CustomShape 2"/>
           <p:cNvSpPr/>
           <p:nvPr/>
         </p:nvSpPr>
         <p:spPr>
           <a:xfrm>
             <a:off x="360000" y="1980000"/>
-            <a:ext cx="3843360" cy="4673160"/>
+            <a:ext cx="3843000" cy="4672800"/>
           </a:xfrm>
           <a:prstGeom prst="rect">
             <a:avLst/>
@@ -6649,14 +6655,14 @@
       </p:sp>
       <p:sp>
         <p:nvSpPr>
-          <p:cNvPr id="139" name="CustomShape 3"/>
+          <p:cNvPr id="141" name="CustomShape 3"/>
           <p:cNvSpPr/>
           <p:nvPr/>
         </p:nvSpPr>
         <p:spPr>
           <a:xfrm>
             <a:off x="7608600" y="6886080"/>
-            <a:ext cx="2278440" cy="358200"/>
+            <a:ext cx="2278080" cy="357840"/>
           </a:xfrm>
           <a:prstGeom prst="rect">
             <a:avLst/>
@@ -6701,14 +6707,14 @@
       </p:sp>
       <p:sp>
         <p:nvSpPr>
-          <p:cNvPr id="140" name="CustomShape 4"/>
+          <p:cNvPr id="142" name="CustomShape 4"/>
           <p:cNvSpPr/>
           <p:nvPr/>
         </p:nvSpPr>
         <p:spPr>
           <a:xfrm>
             <a:off x="897120" y="6886080"/>
-            <a:ext cx="6440400" cy="358200"/>
+            <a:ext cx="6440040" cy="357840"/>
           </a:xfrm>
           <a:prstGeom prst="rect">
             <a:avLst/>
@@ -6753,7 +6759,7 @@
       </p:sp>
       <p:pic>
         <p:nvPicPr>
-          <p:cNvPr id="141" name="Imagem 349" descr=""/>
+          <p:cNvPr id="143" name="Imagem 349" descr=""/>
           <p:cNvPicPr/>
           <p:nvPr/>
         </p:nvPicPr>
@@ -6763,8 +6769,8 @@
         </p:blipFill>
         <p:spPr>
           <a:xfrm>
-            <a:off x="897480" y="2743200"/>
-            <a:ext cx="2940120" cy="2949480"/>
+            <a:off x="1200240" y="3170880"/>
+            <a:ext cx="2939760" cy="2949120"/>
           </a:xfrm>
           <a:prstGeom prst="rect">
             <a:avLst/>
@@ -6776,7 +6782,7 @@
       </p:pic>
       <p:pic>
         <p:nvPicPr>
-          <p:cNvPr id="142" name="Imagem 350" descr=""/>
+          <p:cNvPr id="144" name="Imagem 350" descr=""/>
           <p:cNvPicPr/>
           <p:nvPr/>
         </p:nvPicPr>
@@ -6787,7 +6793,7 @@
         <p:spPr>
           <a:xfrm>
             <a:off x="6027840" y="2834640"/>
-            <a:ext cx="2930400" cy="3006720"/>
+            <a:ext cx="2930040" cy="3006360"/>
           </a:xfrm>
           <a:prstGeom prst="rect">
             <a:avLst/>
@@ -6799,14 +6805,14 @@
       </p:pic>
       <p:sp>
         <p:nvSpPr>
-          <p:cNvPr id="143" name="CustomShape 5"/>
+          <p:cNvPr id="145" name="CustomShape 5"/>
           <p:cNvSpPr/>
           <p:nvPr/>
         </p:nvSpPr>
         <p:spPr>
           <a:xfrm>
             <a:off x="5472000" y="1980000"/>
-            <a:ext cx="4117680" cy="4673160"/>
+            <a:ext cx="4117320" cy="4672800"/>
           </a:xfrm>
           <a:prstGeom prst="rect">
             <a:avLst/>
@@ -6974,14 +6980,14 @@
       </p:grpSpPr>
       <p:sp>
         <p:nvSpPr>
-          <p:cNvPr id="144" name="CustomShape 1"/>
+          <p:cNvPr id="146" name="CustomShape 1"/>
           <p:cNvSpPr/>
           <p:nvPr/>
         </p:nvSpPr>
         <p:spPr>
           <a:xfrm>
             <a:off x="360000" y="360000"/>
-            <a:ext cx="9353160" cy="893160"/>
+            <a:ext cx="9352800" cy="892800"/>
           </a:xfrm>
           <a:prstGeom prst="rect">
             <a:avLst/>
@@ -7026,14 +7032,14 @@
       </p:sp>
       <p:sp>
         <p:nvSpPr>
-          <p:cNvPr id="145" name="CustomShape 2"/>
+          <p:cNvPr id="147" name="CustomShape 2"/>
           <p:cNvSpPr/>
           <p:nvPr/>
         </p:nvSpPr>
         <p:spPr>
           <a:xfrm>
             <a:off x="7608600" y="6886080"/>
-            <a:ext cx="2278440" cy="358200"/>
+            <a:ext cx="2278080" cy="357840"/>
           </a:xfrm>
           <a:prstGeom prst="rect">
             <a:avLst/>
@@ -7078,14 +7084,14 @@
       </p:sp>
       <p:sp>
         <p:nvSpPr>
-          <p:cNvPr id="146" name="CustomShape 3"/>
+          <p:cNvPr id="148" name="CustomShape 3"/>
           <p:cNvSpPr/>
           <p:nvPr/>
         </p:nvSpPr>
         <p:spPr>
           <a:xfrm>
             <a:off x="897120" y="6886080"/>
-            <a:ext cx="6440400" cy="358200"/>
+            <a:ext cx="6440040" cy="357840"/>
           </a:xfrm>
           <a:prstGeom prst="rect">
             <a:avLst/>
@@ -7130,14 +7136,14 @@
       </p:sp>
       <p:sp>
         <p:nvSpPr>
-          <p:cNvPr id="147" name="CustomShape 4"/>
+          <p:cNvPr id="149" name="CustomShape 4"/>
           <p:cNvSpPr/>
           <p:nvPr/>
         </p:nvSpPr>
         <p:spPr>
           <a:xfrm>
             <a:off x="360000" y="1980000"/>
-            <a:ext cx="9329760" cy="4673160"/>
+            <a:ext cx="9329400" cy="4672800"/>
           </a:xfrm>
           <a:prstGeom prst="rect">
             <a:avLst/>
@@ -7562,14 +7568,14 @@
       </p:grpSpPr>
       <p:sp>
         <p:nvSpPr>
-          <p:cNvPr id="148" name="CustomShape 1"/>
+          <p:cNvPr id="150" name="CustomShape 1"/>
           <p:cNvSpPr/>
           <p:nvPr/>
         </p:nvSpPr>
         <p:spPr>
           <a:xfrm>
             <a:off x="360000" y="360000"/>
-            <a:ext cx="9353160" cy="893160"/>
+            <a:ext cx="9352800" cy="892800"/>
           </a:xfrm>
           <a:prstGeom prst="rect">
             <a:avLst/>
@@ -7614,14 +7620,14 @@
       </p:sp>
       <p:sp>
         <p:nvSpPr>
-          <p:cNvPr id="149" name="CustomShape 2"/>
+          <p:cNvPr id="151" name="CustomShape 2"/>
           <p:cNvSpPr/>
           <p:nvPr/>
         </p:nvSpPr>
         <p:spPr>
           <a:xfrm>
             <a:off x="360000" y="1980000"/>
-            <a:ext cx="9173160" cy="4673160"/>
+            <a:ext cx="9172800" cy="4672800"/>
           </a:xfrm>
           <a:prstGeom prst="rect">
             <a:avLst/>
@@ -7788,14 +7794,14 @@
       </p:sp>
       <p:sp>
         <p:nvSpPr>
-          <p:cNvPr id="150" name="CustomShape 3"/>
+          <p:cNvPr id="152" name="CustomShape 3"/>
           <p:cNvSpPr/>
           <p:nvPr/>
         </p:nvSpPr>
         <p:spPr>
           <a:xfrm>
             <a:off x="7608600" y="6886080"/>
-            <a:ext cx="2278440" cy="358200"/>
+            <a:ext cx="2278080" cy="357840"/>
           </a:xfrm>
           <a:prstGeom prst="rect">
             <a:avLst/>
@@ -7840,14 +7846,14 @@
       </p:sp>
       <p:sp>
         <p:nvSpPr>
-          <p:cNvPr id="151" name="CustomShape 4"/>
+          <p:cNvPr id="153" name="CustomShape 4"/>
           <p:cNvSpPr/>
           <p:nvPr/>
         </p:nvSpPr>
         <p:spPr>
           <a:xfrm>
             <a:off x="897120" y="6886080"/>
-            <a:ext cx="6440400" cy="358200"/>
+            <a:ext cx="6440040" cy="357840"/>
           </a:xfrm>
           <a:prstGeom prst="rect">
             <a:avLst/>
@@ -7892,7 +7898,7 @@
       </p:sp>
       <p:pic>
         <p:nvPicPr>
-          <p:cNvPr id="152" name="Imagem 360" descr=""/>
+          <p:cNvPr id="154" name="Imagem 360" descr=""/>
           <p:cNvPicPr/>
           <p:nvPr/>
         </p:nvPicPr>
@@ -7903,7 +7909,7 @@
         <p:spPr>
           <a:xfrm>
             <a:off x="716400" y="3176640"/>
-            <a:ext cx="2892240" cy="2454120"/>
+            <a:ext cx="2891880" cy="2453760"/>
           </a:xfrm>
           <a:prstGeom prst="rect">
             <a:avLst/>
@@ -7915,7 +7921,7 @@
       </p:pic>
       <p:pic>
         <p:nvPicPr>
-          <p:cNvPr id="153" name="Imagem 361" descr=""/>
+          <p:cNvPr id="155" name="Imagem 361" descr=""/>
           <p:cNvPicPr/>
           <p:nvPr/>
         </p:nvPicPr>
@@ -7926,7 +7932,7 @@
         <p:spPr>
           <a:xfrm>
             <a:off x="5702040" y="2574000"/>
-            <a:ext cx="3530520" cy="3244680"/>
+            <a:ext cx="3530160" cy="3244320"/>
           </a:xfrm>
           <a:prstGeom prst="rect">
             <a:avLst/>
@@ -7938,7 +7944,7 @@
       </p:pic>
       <p:pic>
         <p:nvPicPr>
-          <p:cNvPr id="154" name="Imagem 362" descr=""/>
+          <p:cNvPr id="156" name="Imagem 362" descr=""/>
           <p:cNvPicPr/>
           <p:nvPr/>
         </p:nvPicPr>
@@ -7949,7 +7955,7 @@
         <p:spPr>
           <a:xfrm>
             <a:off x="5647680" y="1899720"/>
-            <a:ext cx="2872800" cy="291960"/>
+            <a:ext cx="2872440" cy="291600"/>
           </a:xfrm>
           <a:prstGeom prst="rect">
             <a:avLst/>
@@ -7991,14 +7997,14 @@
       </p:grpSpPr>
       <p:sp>
         <p:nvSpPr>
-          <p:cNvPr id="155" name="CustomShape 1"/>
+          <p:cNvPr id="157" name="CustomShape 1"/>
           <p:cNvSpPr/>
           <p:nvPr/>
         </p:nvSpPr>
         <p:spPr>
           <a:xfrm>
             <a:off x="360000" y="360000"/>
-            <a:ext cx="9353160" cy="893160"/>
+            <a:ext cx="9352800" cy="892800"/>
           </a:xfrm>
           <a:prstGeom prst="rect">
             <a:avLst/>
@@ -8043,14 +8049,14 @@
       </p:sp>
       <p:sp>
         <p:nvSpPr>
-          <p:cNvPr id="156" name="CustomShape 2"/>
+          <p:cNvPr id="158" name="CustomShape 2"/>
           <p:cNvSpPr/>
           <p:nvPr/>
         </p:nvSpPr>
         <p:spPr>
           <a:xfrm>
             <a:off x="360000" y="1980000"/>
-            <a:ext cx="9173160" cy="4673160"/>
+            <a:ext cx="9172800" cy="4672800"/>
           </a:xfrm>
           <a:prstGeom prst="rect">
             <a:avLst/>
@@ -8174,14 +8180,14 @@
       </p:sp>
       <p:sp>
         <p:nvSpPr>
-          <p:cNvPr id="157" name="CustomShape 3"/>
+          <p:cNvPr id="159" name="CustomShape 3"/>
           <p:cNvSpPr/>
           <p:nvPr/>
         </p:nvSpPr>
         <p:spPr>
           <a:xfrm>
             <a:off x="7608600" y="6886080"/>
-            <a:ext cx="2278440" cy="358200"/>
+            <a:ext cx="2278080" cy="357840"/>
           </a:xfrm>
           <a:prstGeom prst="rect">
             <a:avLst/>
@@ -8226,14 +8232,14 @@
       </p:sp>
       <p:sp>
         <p:nvSpPr>
-          <p:cNvPr id="158" name="CustomShape 4"/>
+          <p:cNvPr id="160" name="CustomShape 4"/>
           <p:cNvSpPr/>
           <p:nvPr/>
         </p:nvSpPr>
         <p:spPr>
           <a:xfrm>
             <a:off x="897120" y="6886080"/>
-            <a:ext cx="6440400" cy="358200"/>
+            <a:ext cx="6440040" cy="357840"/>
           </a:xfrm>
           <a:prstGeom prst="rect">
             <a:avLst/>
@@ -8278,7 +8284,7 @@
       </p:sp>
       <p:pic>
         <p:nvPicPr>
-          <p:cNvPr id="159" name="Imagem 367" descr=""/>
+          <p:cNvPr id="161" name="Imagem 367" descr=""/>
           <p:cNvPicPr/>
           <p:nvPr/>
         </p:nvPicPr>
@@ -8289,7 +8295,7 @@
         <p:spPr>
           <a:xfrm>
             <a:off x="914400" y="2923920"/>
-            <a:ext cx="2863800" cy="2520720"/>
+            <a:ext cx="2863440" cy="2520360"/>
           </a:xfrm>
           <a:prstGeom prst="rect">
             <a:avLst/>
@@ -8301,7 +8307,7 @@
       </p:pic>
       <p:pic>
         <p:nvPicPr>
-          <p:cNvPr id="160" name="Imagem 368" descr=""/>
+          <p:cNvPr id="162" name="Imagem 368" descr=""/>
           <p:cNvPicPr/>
           <p:nvPr/>
         </p:nvPicPr>
@@ -8312,7 +8318,7 @@
         <p:spPr>
           <a:xfrm>
             <a:off x="6012360" y="2926080"/>
-            <a:ext cx="3311640" cy="3244680"/>
+            <a:ext cx="3311280" cy="3244320"/>
           </a:xfrm>
           <a:prstGeom prst="rect">
             <a:avLst/>
@@ -8324,7 +8330,7 @@
       </p:pic>
       <p:pic>
         <p:nvPicPr>
-          <p:cNvPr id="161" name="Imagem 369" descr=""/>
+          <p:cNvPr id="163" name="Imagem 369" descr=""/>
           <p:cNvPicPr/>
           <p:nvPr/>
         </p:nvPicPr>
@@ -8335,7 +8341,7 @@
         <p:spPr>
           <a:xfrm>
             <a:off x="5999040" y="2286000"/>
-            <a:ext cx="3015720" cy="291960"/>
+            <a:ext cx="3015360" cy="291600"/>
           </a:xfrm>
           <a:prstGeom prst="rect">
             <a:avLst/>
@@ -8377,14 +8383,14 @@
       </p:grpSpPr>
       <p:sp>
         <p:nvSpPr>
-          <p:cNvPr id="162" name="CustomShape 1"/>
+          <p:cNvPr id="164" name="CustomShape 1"/>
           <p:cNvSpPr/>
           <p:nvPr/>
         </p:nvSpPr>
         <p:spPr>
           <a:xfrm>
             <a:off x="360000" y="360000"/>
-            <a:ext cx="9353160" cy="893160"/>
+            <a:ext cx="9352800" cy="892800"/>
           </a:xfrm>
           <a:prstGeom prst="rect">
             <a:avLst/>
@@ -8429,14 +8435,14 @@
       </p:sp>
       <p:sp>
         <p:nvSpPr>
-          <p:cNvPr id="163" name="CustomShape 2"/>
+          <p:cNvPr id="165" name="CustomShape 2"/>
           <p:cNvSpPr/>
           <p:nvPr/>
         </p:nvSpPr>
         <p:spPr>
           <a:xfrm>
             <a:off x="360000" y="1980000"/>
-            <a:ext cx="9173160" cy="4673160"/>
+            <a:ext cx="9172800" cy="4672800"/>
           </a:xfrm>
           <a:prstGeom prst="rect">
             <a:avLst/>
@@ -8602,14 +8608,14 @@
       </p:sp>
       <p:sp>
         <p:nvSpPr>
-          <p:cNvPr id="164" name="CustomShape 3"/>
+          <p:cNvPr id="166" name="CustomShape 3"/>
           <p:cNvSpPr/>
           <p:nvPr/>
         </p:nvSpPr>
         <p:spPr>
           <a:xfrm>
             <a:off x="7608600" y="6886080"/>
-            <a:ext cx="2278440" cy="358200"/>
+            <a:ext cx="2278080" cy="357840"/>
           </a:xfrm>
           <a:prstGeom prst="rect">
             <a:avLst/>
@@ -8654,14 +8660,14 @@
       </p:sp>
       <p:sp>
         <p:nvSpPr>
-          <p:cNvPr id="165" name="CustomShape 4"/>
+          <p:cNvPr id="167" name="CustomShape 4"/>
           <p:cNvSpPr/>
           <p:nvPr/>
         </p:nvSpPr>
         <p:spPr>
           <a:xfrm>
             <a:off x="897120" y="6886080"/>
-            <a:ext cx="6440400" cy="358200"/>
+            <a:ext cx="6440040" cy="357840"/>
           </a:xfrm>
           <a:prstGeom prst="rect">
             <a:avLst/>
@@ -8706,7 +8712,7 @@
       </p:sp>
       <p:pic>
         <p:nvPicPr>
-          <p:cNvPr id="166" name="Imagem 374" descr=""/>
+          <p:cNvPr id="168" name="Imagem 374" descr=""/>
           <p:cNvPicPr/>
           <p:nvPr/>
         </p:nvPicPr>
@@ -8717,7 +8723,7 @@
         <p:spPr>
           <a:xfrm>
             <a:off x="897480" y="2743200"/>
-            <a:ext cx="2940120" cy="2949480"/>
+            <a:ext cx="2939760" cy="2949120"/>
           </a:xfrm>
           <a:prstGeom prst="rect">
             <a:avLst/>
@@ -8729,7 +8735,7 @@
       </p:pic>
       <p:pic>
         <p:nvPicPr>
-          <p:cNvPr id="167" name="Imagem 375" descr=""/>
+          <p:cNvPr id="169" name="Imagem 375" descr=""/>
           <p:cNvPicPr/>
           <p:nvPr/>
         </p:nvPicPr>
@@ -8740,7 +8746,7 @@
         <p:spPr>
           <a:xfrm>
             <a:off x="6049440" y="2194560"/>
-            <a:ext cx="3091680" cy="853560"/>
+            <a:ext cx="3091320" cy="853200"/>
           </a:xfrm>
           <a:prstGeom prst="rect">
             <a:avLst/>
@@ -8782,14 +8788,14 @@
       </p:grpSpPr>
       <p:sp>
         <p:nvSpPr>
-          <p:cNvPr id="168" name="CustomShape 1"/>
+          <p:cNvPr id="170" name="CustomShape 1"/>
           <p:cNvSpPr/>
           <p:nvPr/>
         </p:nvSpPr>
         <p:spPr>
           <a:xfrm>
             <a:off x="360000" y="360000"/>
-            <a:ext cx="9353160" cy="893160"/>
+            <a:ext cx="9352800" cy="892800"/>
           </a:xfrm>
           <a:prstGeom prst="rect">
             <a:avLst/>
@@ -8834,14 +8840,14 @@
       </p:sp>
       <p:sp>
         <p:nvSpPr>
-          <p:cNvPr id="169" name="CustomShape 2"/>
+          <p:cNvPr id="171" name="CustomShape 2"/>
           <p:cNvSpPr/>
           <p:nvPr/>
         </p:nvSpPr>
         <p:spPr>
           <a:xfrm>
             <a:off x="360000" y="1980000"/>
-            <a:ext cx="9173160" cy="4673160"/>
+            <a:ext cx="9172800" cy="4672800"/>
           </a:xfrm>
           <a:prstGeom prst="rect">
             <a:avLst/>
@@ -8979,14 +8985,14 @@
       </p:sp>
       <p:sp>
         <p:nvSpPr>
-          <p:cNvPr id="170" name="CustomShape 3"/>
+          <p:cNvPr id="172" name="CustomShape 3"/>
           <p:cNvSpPr/>
           <p:nvPr/>
         </p:nvSpPr>
         <p:spPr>
           <a:xfrm>
             <a:off x="7608600" y="6886080"/>
-            <a:ext cx="2278440" cy="358200"/>
+            <a:ext cx="2278080" cy="357840"/>
           </a:xfrm>
           <a:prstGeom prst="rect">
             <a:avLst/>
@@ -9031,14 +9037,14 @@
       </p:sp>
       <p:sp>
         <p:nvSpPr>
-          <p:cNvPr id="171" name="CustomShape 4"/>
+          <p:cNvPr id="173" name="CustomShape 4"/>
           <p:cNvSpPr/>
           <p:nvPr/>
         </p:nvSpPr>
         <p:spPr>
           <a:xfrm>
             <a:off x="897120" y="6886080"/>
-            <a:ext cx="6440400" cy="358200"/>
+            <a:ext cx="6440040" cy="357840"/>
           </a:xfrm>
           <a:prstGeom prst="rect">
             <a:avLst/>
@@ -9083,7 +9089,7 @@
       </p:sp>
       <p:pic>
         <p:nvPicPr>
-          <p:cNvPr id="172" name="Imagem 380" descr=""/>
+          <p:cNvPr id="174" name="Imagem 380" descr=""/>
           <p:cNvPicPr/>
           <p:nvPr/>
         </p:nvPicPr>
@@ -9094,7 +9100,7 @@
         <p:spPr>
           <a:xfrm>
             <a:off x="907200" y="2842560"/>
-            <a:ext cx="2930400" cy="3006720"/>
+            <a:ext cx="2930040" cy="3006360"/>
           </a:xfrm>
           <a:prstGeom prst="rect">
             <a:avLst/>
@@ -9106,7 +9112,7 @@
       </p:pic>
       <p:pic>
         <p:nvPicPr>
-          <p:cNvPr id="173" name="Imagem 381" descr=""/>
+          <p:cNvPr id="175" name="Imagem 381" descr=""/>
           <p:cNvPicPr/>
           <p:nvPr/>
         </p:nvPicPr>
@@ -9117,7 +9123,7 @@
         <p:spPr>
           <a:xfrm>
             <a:off x="6126480" y="2651760"/>
-            <a:ext cx="3159000" cy="901800"/>
+            <a:ext cx="3158640" cy="901440"/>
           </a:xfrm>
           <a:prstGeom prst="rect">
             <a:avLst/>
@@ -9159,14 +9165,14 @@
       </p:grpSpPr>
       <p:sp>
         <p:nvSpPr>
-          <p:cNvPr id="174" name="CustomShape 1"/>
+          <p:cNvPr id="176" name="CustomShape 1"/>
           <p:cNvSpPr/>
           <p:nvPr/>
         </p:nvSpPr>
         <p:spPr>
           <a:xfrm>
             <a:off x="360000" y="360000"/>
-            <a:ext cx="9353160" cy="893160"/>
+            <a:ext cx="9352800" cy="892800"/>
           </a:xfrm>
           <a:prstGeom prst="rect">
             <a:avLst/>
@@ -9211,14 +9217,14 @@
       </p:sp>
       <p:sp>
         <p:nvSpPr>
-          <p:cNvPr id="175" name="CustomShape 2"/>
+          <p:cNvPr id="177" name="CustomShape 2"/>
           <p:cNvSpPr/>
           <p:nvPr/>
         </p:nvSpPr>
         <p:spPr>
           <a:xfrm>
             <a:off x="720000" y="1980000"/>
-            <a:ext cx="7739640" cy="4319640"/>
+            <a:ext cx="7739280" cy="4319280"/>
           </a:xfrm>
           <a:prstGeom prst="rect">
             <a:avLst/>
@@ -9562,6 +9568,16 @@
               </a:rPr>
               <a:t>12/09</a:t>
             </a:r>
+            <a:r>
+              <a:rPr b="1" lang="pt-BR" sz="2000" spc="-1" strike="noStrike">
+                <a:solidFill>
+                  <a:srgbClr val="1c1c1c"/>
+                </a:solidFill>
+                <a:latin typeface="Latin Modern Sans"/>
+                <a:ea typeface="DejaVu Sans"/>
+              </a:rPr>
+              <a:t>- 23:59 </a:t>
+            </a:r>
             <a:endParaRPr b="0" lang="pt-BR" sz="2000" spc="-1" strike="noStrike">
               <a:latin typeface="Arial"/>
             </a:endParaRPr>
@@ -9711,14 +9727,14 @@
       </p:sp>
       <p:sp>
         <p:nvSpPr>
-          <p:cNvPr id="176" name="CustomShape 3"/>
+          <p:cNvPr id="178" name="CustomShape 3"/>
           <p:cNvSpPr/>
           <p:nvPr/>
         </p:nvSpPr>
         <p:spPr>
           <a:xfrm>
             <a:off x="7608600" y="6886080"/>
-            <a:ext cx="2278440" cy="358200"/>
+            <a:ext cx="2278080" cy="357840"/>
           </a:xfrm>
           <a:prstGeom prst="rect">
             <a:avLst/>
@@ -9763,14 +9779,14 @@
       </p:sp>
       <p:sp>
         <p:nvSpPr>
-          <p:cNvPr id="177" name="CustomShape 4"/>
+          <p:cNvPr id="179" name="CustomShape 4"/>
           <p:cNvSpPr/>
           <p:nvPr/>
         </p:nvSpPr>
         <p:spPr>
           <a:xfrm>
             <a:off x="897120" y="6886080"/>
-            <a:ext cx="6440400" cy="358200"/>
+            <a:ext cx="6440040" cy="357840"/>
           </a:xfrm>
           <a:prstGeom prst="rect">
             <a:avLst/>
@@ -9852,7 +9868,7 @@
         <p:spPr>
           <a:xfrm>
             <a:off x="360000" y="360000"/>
-            <a:ext cx="9353160" cy="893160"/>
+            <a:ext cx="9352800" cy="892800"/>
           </a:xfrm>
           <a:prstGeom prst="rect">
             <a:avLst/>
@@ -9904,7 +9920,7 @@
         <p:spPr>
           <a:xfrm>
             <a:off x="360000" y="1980000"/>
-            <a:ext cx="9173160" cy="4673160"/>
+            <a:ext cx="9172800" cy="4672800"/>
           </a:xfrm>
           <a:prstGeom prst="rect">
             <a:avLst/>
@@ -10035,7 +10051,7 @@
         <p:spPr>
           <a:xfrm>
             <a:off x="7608600" y="6886080"/>
-            <a:ext cx="2278440" cy="358200"/>
+            <a:ext cx="2278080" cy="357840"/>
           </a:xfrm>
           <a:prstGeom prst="rect">
             <a:avLst/>
@@ -10087,7 +10103,7 @@
         <p:spPr>
           <a:xfrm>
             <a:off x="897120" y="6886080"/>
-            <a:ext cx="6440400" cy="358200"/>
+            <a:ext cx="6440040" cy="357840"/>
           </a:xfrm>
           <a:prstGeom prst="rect">
             <a:avLst/>
@@ -10169,7 +10185,7 @@
         <p:spPr>
           <a:xfrm>
             <a:off x="360000" y="360000"/>
-            <a:ext cx="9353160" cy="893160"/>
+            <a:ext cx="9352800" cy="892800"/>
           </a:xfrm>
           <a:prstGeom prst="rect">
             <a:avLst/>
@@ -10221,7 +10237,7 @@
         <p:spPr>
           <a:xfrm>
             <a:off x="360000" y="1980000"/>
-            <a:ext cx="9173160" cy="4673160"/>
+            <a:ext cx="9172800" cy="4672800"/>
           </a:xfrm>
           <a:prstGeom prst="rect">
             <a:avLst/>
@@ -10499,7 +10515,7 @@
         <p:spPr>
           <a:xfrm>
             <a:off x="7608600" y="6886080"/>
-            <a:ext cx="2278440" cy="358200"/>
+            <a:ext cx="2278080" cy="357840"/>
           </a:xfrm>
           <a:prstGeom prst="rect">
             <a:avLst/>
@@ -10551,7 +10567,7 @@
         <p:spPr>
           <a:xfrm>
             <a:off x="897120" y="6886080"/>
-            <a:ext cx="6440400" cy="358200"/>
+            <a:ext cx="6440040" cy="357840"/>
           </a:xfrm>
           <a:prstGeom prst="rect">
             <a:avLst/>
@@ -10607,7 +10623,7 @@
         <p:spPr>
           <a:xfrm>
             <a:off x="4031280" y="1824480"/>
-            <a:ext cx="5567040" cy="1007280"/>
+            <a:ext cx="5566680" cy="1006920"/>
           </a:xfrm>
           <a:prstGeom prst="rect">
             <a:avLst/>
@@ -10625,13 +10641,13 @@
         </p:nvPicPr>
         <p:blipFill>
           <a:blip r:embed="rId2"/>
-          <a:srcRect l="0" t="-1347" r="56113" b="1347"/>
+          <a:srcRect l="0" t="-1347" r="56101" b="1347"/>
           <a:stretch/>
         </p:blipFill>
         <p:spPr>
           <a:xfrm>
             <a:off x="1920240" y="3684240"/>
-            <a:ext cx="2755800" cy="2349360"/>
+            <a:ext cx="2755440" cy="2349000"/>
           </a:xfrm>
           <a:prstGeom prst="rect">
             <a:avLst/>
@@ -10650,7 +10666,7 @@
         <p:spPr>
           <a:xfrm>
             <a:off x="1932480" y="5997600"/>
-            <a:ext cx="1762560" cy="363960"/>
+            <a:ext cx="1762200" cy="363960"/>
           </a:xfrm>
           <a:prstGeom prst="rect">
             <a:avLst/>
@@ -10732,7 +10748,7 @@
         <p:spPr>
           <a:xfrm>
             <a:off x="360000" y="360000"/>
-            <a:ext cx="9353160" cy="893160"/>
+            <a:ext cx="9352800" cy="892800"/>
           </a:xfrm>
           <a:prstGeom prst="rect">
             <a:avLst/>
@@ -10784,7 +10800,7 @@
         <p:spPr>
           <a:xfrm>
             <a:off x="360000" y="1980000"/>
-            <a:ext cx="9173160" cy="4673160"/>
+            <a:ext cx="9172800" cy="4672800"/>
           </a:xfrm>
           <a:prstGeom prst="rect">
             <a:avLst/>
@@ -11062,7 +11078,7 @@
         <p:spPr>
           <a:xfrm>
             <a:off x="7608600" y="6886080"/>
-            <a:ext cx="2278440" cy="358200"/>
+            <a:ext cx="2278080" cy="357840"/>
           </a:xfrm>
           <a:prstGeom prst="rect">
             <a:avLst/>
@@ -11114,7 +11130,7 @@
         <p:spPr>
           <a:xfrm>
             <a:off x="897120" y="6886080"/>
-            <a:ext cx="6440400" cy="358200"/>
+            <a:ext cx="6440040" cy="357840"/>
           </a:xfrm>
           <a:prstGeom prst="rect">
             <a:avLst/>
@@ -11170,7 +11186,7 @@
         <p:spPr>
           <a:xfrm>
             <a:off x="4031280" y="1824480"/>
-            <a:ext cx="5567040" cy="1007280"/>
+            <a:ext cx="5566680" cy="1006920"/>
           </a:xfrm>
           <a:prstGeom prst="rect">
             <a:avLst/>
@@ -11193,7 +11209,7 @@
         <p:spPr>
           <a:xfrm>
             <a:off x="1920240" y="3715920"/>
-            <a:ext cx="6283440" cy="2349360"/>
+            <a:ext cx="6283080" cy="2349000"/>
           </a:xfrm>
           <a:prstGeom prst="rect">
             <a:avLst/>
@@ -11212,7 +11228,7 @@
         <p:spPr>
           <a:xfrm>
             <a:off x="1932480" y="5997600"/>
-            <a:ext cx="1762560" cy="363960"/>
+            <a:ext cx="1762200" cy="363960"/>
           </a:xfrm>
           <a:prstGeom prst="rect">
             <a:avLst/>
@@ -11264,7 +11280,7 @@
         <p:spPr>
           <a:xfrm>
             <a:off x="5944680" y="5365800"/>
-            <a:ext cx="1383120" cy="363960"/>
+            <a:ext cx="1382760" cy="363960"/>
           </a:xfrm>
           <a:prstGeom prst="rect">
             <a:avLst/>
@@ -11346,7 +11362,7 @@
         <p:spPr>
           <a:xfrm>
             <a:off x="360000" y="1980000"/>
-            <a:ext cx="9173160" cy="4673160"/>
+            <a:ext cx="9172800" cy="4672800"/>
           </a:xfrm>
           <a:prstGeom prst="rect">
             <a:avLst/>
@@ -11544,7 +11560,7 @@
                 <a:latin typeface="Latin Modern Sans"/>
                 <a:ea typeface="DejaVu Sans"/>
               </a:rPr>
-              <a:t>FB( ) &lt; = → he &lt; hd</a:t>
+              <a:t>FB( ) &lt; 0 → he &lt; hd</a:t>
             </a:r>
             <a:endParaRPr b="0" lang="pt-BR" sz="1600" spc="-1" strike="noStrike">
               <a:latin typeface="Arial"/>
@@ -11631,7 +11647,7 @@
         <p:spPr>
           <a:xfrm>
             <a:off x="360000" y="360000"/>
-            <a:ext cx="9353160" cy="893160"/>
+            <a:ext cx="9352800" cy="892800"/>
           </a:xfrm>
           <a:prstGeom prst="rect">
             <a:avLst/>
@@ -11682,13 +11698,13 @@
         </p:nvPicPr>
         <p:blipFill>
           <a:blip r:embed="rId1"/>
-          <a:srcRect l="55364" t="0" r="0" b="0"/>
+          <a:srcRect l="55359" t="0" r="0" b="0"/>
           <a:stretch/>
         </p:blipFill>
         <p:spPr>
           <a:xfrm>
             <a:off x="4191480" y="3435840"/>
-            <a:ext cx="2828160" cy="2863800"/>
+            <a:ext cx="2827800" cy="2863440"/>
           </a:xfrm>
           <a:prstGeom prst="rect">
             <a:avLst/>
@@ -11707,7 +11723,7 @@
         <p:spPr>
           <a:xfrm>
             <a:off x="7608600" y="6886080"/>
-            <a:ext cx="2278440" cy="358200"/>
+            <a:ext cx="2278080" cy="357840"/>
           </a:xfrm>
           <a:prstGeom prst="rect">
             <a:avLst/>
@@ -11759,7 +11775,7 @@
         <p:spPr>
           <a:xfrm>
             <a:off x="897120" y="6886080"/>
-            <a:ext cx="6440400" cy="358200"/>
+            <a:ext cx="6440040" cy="357840"/>
           </a:xfrm>
           <a:prstGeom prst="rect">
             <a:avLst/>
@@ -11802,6 +11818,30 @@
           </a:p>
         </p:txBody>
       </p:sp>
+      <p:pic>
+        <p:nvPicPr>
+          <p:cNvPr id="113" name="Imagem 1" descr=""/>
+          <p:cNvPicPr/>
+          <p:nvPr/>
+        </p:nvPicPr>
+        <p:blipFill>
+          <a:blip r:embed="rId2"/>
+          <a:srcRect l="55359" t="0" r="0" b="0"/>
+          <a:stretch/>
+        </p:blipFill>
+        <p:spPr>
+          <a:xfrm>
+            <a:off x="4191840" y="3435840"/>
+            <a:ext cx="2827800" cy="2863440"/>
+          </a:xfrm>
+          <a:prstGeom prst="rect">
+            <a:avLst/>
+          </a:prstGeom>
+          <a:ln w="0">
+            <a:noFill/>
+          </a:ln>
+        </p:spPr>
+      </p:pic>
     </p:spTree>
   </p:cSld>
   <mc:AlternateContent>
@@ -11834,14 +11874,14 @@
       </p:grpSpPr>
       <p:sp>
         <p:nvSpPr>
-          <p:cNvPr id="113" name="CustomShape 2"/>
+          <p:cNvPr id="114" name="CustomShape 2"/>
           <p:cNvSpPr/>
           <p:nvPr/>
         </p:nvSpPr>
         <p:spPr>
           <a:xfrm>
             <a:off x="360000" y="1980000"/>
-            <a:ext cx="9173160" cy="4673160"/>
+            <a:ext cx="9172800" cy="4672800"/>
           </a:xfrm>
           <a:prstGeom prst="rect">
             <a:avLst/>
@@ -12119,14 +12159,14 @@
       </p:sp>
       <p:sp>
         <p:nvSpPr>
-          <p:cNvPr id="114" name="CustomShape 1"/>
+          <p:cNvPr id="115" name="CustomShape 1"/>
           <p:cNvSpPr/>
           <p:nvPr/>
         </p:nvSpPr>
         <p:spPr>
           <a:xfrm>
             <a:off x="360000" y="360000"/>
-            <a:ext cx="9353160" cy="893160"/>
+            <a:ext cx="9352800" cy="892800"/>
           </a:xfrm>
           <a:prstGeom prst="rect">
             <a:avLst/>
@@ -12171,19 +12211,19 @@
       </p:sp>
       <p:pic>
         <p:nvPicPr>
-          <p:cNvPr id="115" name="Imagem 324" descr=""/>
+          <p:cNvPr id="116" name="Imagem 324" descr=""/>
           <p:cNvPicPr/>
           <p:nvPr/>
         </p:nvPicPr>
         <p:blipFill>
           <a:blip r:embed="rId1"/>
-          <a:srcRect l="55364" t="0" r="0" b="0"/>
+          <a:srcRect l="55359" t="0" r="0" b="0"/>
           <a:stretch/>
         </p:blipFill>
         <p:spPr>
           <a:xfrm>
             <a:off x="3831480" y="3446640"/>
-            <a:ext cx="2828160" cy="2863800"/>
+            <a:ext cx="2827800" cy="2863440"/>
           </a:xfrm>
           <a:prstGeom prst="rect">
             <a:avLst/>
@@ -12195,14 +12235,14 @@
       </p:pic>
       <p:sp>
         <p:nvSpPr>
-          <p:cNvPr id="116" name="CustomShape 3"/>
+          <p:cNvPr id="117" name="CustomShape 3"/>
           <p:cNvSpPr/>
           <p:nvPr/>
         </p:nvSpPr>
         <p:spPr>
           <a:xfrm>
             <a:off x="7608600" y="6886080"/>
-            <a:ext cx="2278440" cy="358200"/>
+            <a:ext cx="2278080" cy="357840"/>
           </a:xfrm>
           <a:prstGeom prst="rect">
             <a:avLst/>
@@ -12247,14 +12287,14 @@
       </p:sp>
       <p:sp>
         <p:nvSpPr>
-          <p:cNvPr id="117" name="CustomShape 4"/>
+          <p:cNvPr id="118" name="CustomShape 4"/>
           <p:cNvSpPr/>
           <p:nvPr/>
         </p:nvSpPr>
         <p:spPr>
           <a:xfrm>
             <a:off x="897120" y="6886080"/>
-            <a:ext cx="6440400" cy="358200"/>
+            <a:ext cx="6440040" cy="357840"/>
           </a:xfrm>
           <a:prstGeom prst="rect">
             <a:avLst/>
@@ -12299,19 +12339,19 @@
       </p:sp>
       <p:pic>
         <p:nvPicPr>
-          <p:cNvPr id="118" name="Imagem 6" descr=""/>
+          <p:cNvPr id="119" name="Imagem 6" descr=""/>
           <p:cNvPicPr/>
           <p:nvPr/>
         </p:nvPicPr>
         <p:blipFill>
           <a:blip r:embed="rId2"/>
-          <a:srcRect l="0" t="0" r="55364" b="0"/>
+          <a:srcRect l="0" t="0" r="55359" b="0"/>
           <a:stretch/>
         </p:blipFill>
         <p:spPr>
           <a:xfrm>
             <a:off x="6705000" y="3420000"/>
-            <a:ext cx="2828160" cy="2863800"/>
+            <a:ext cx="2827800" cy="2863440"/>
           </a:xfrm>
           <a:prstGeom prst="rect">
             <a:avLst/>
@@ -12353,14 +12393,14 @@
       </p:grpSpPr>
       <p:sp>
         <p:nvSpPr>
-          <p:cNvPr id="119" name="CustomShape 1"/>
+          <p:cNvPr id="120" name="CustomShape 1"/>
           <p:cNvSpPr/>
           <p:nvPr/>
         </p:nvSpPr>
         <p:spPr>
           <a:xfrm>
             <a:off x="360000" y="360000"/>
-            <a:ext cx="9353160" cy="893160"/>
+            <a:ext cx="9352800" cy="892800"/>
           </a:xfrm>
           <a:prstGeom prst="rect">
             <a:avLst/>
@@ -12405,14 +12445,14 @@
       </p:sp>
       <p:sp>
         <p:nvSpPr>
-          <p:cNvPr id="120" name="CustomShape 2"/>
+          <p:cNvPr id="121" name="CustomShape 2"/>
           <p:cNvSpPr/>
           <p:nvPr/>
         </p:nvSpPr>
         <p:spPr>
           <a:xfrm>
             <a:off x="360000" y="1980000"/>
-            <a:ext cx="9173160" cy="4673160"/>
+            <a:ext cx="9172800" cy="4672800"/>
           </a:xfrm>
           <a:prstGeom prst="rect">
             <a:avLst/>
@@ -12492,14 +12532,14 @@
       </p:sp>
       <p:sp>
         <p:nvSpPr>
-          <p:cNvPr id="121" name="CustomShape 3"/>
+          <p:cNvPr id="122" name="CustomShape 3"/>
           <p:cNvSpPr/>
           <p:nvPr/>
         </p:nvSpPr>
         <p:spPr>
           <a:xfrm>
             <a:off x="7608600" y="6886080"/>
-            <a:ext cx="2278440" cy="358200"/>
+            <a:ext cx="2278080" cy="357840"/>
           </a:xfrm>
           <a:prstGeom prst="rect">
             <a:avLst/>
@@ -12544,14 +12584,14 @@
       </p:sp>
       <p:sp>
         <p:nvSpPr>
-          <p:cNvPr id="122" name="CustomShape 4"/>
+          <p:cNvPr id="123" name="CustomShape 4"/>
           <p:cNvSpPr/>
           <p:nvPr/>
         </p:nvSpPr>
         <p:spPr>
           <a:xfrm>
             <a:off x="897120" y="6886080"/>
-            <a:ext cx="6440400" cy="358200"/>
+            <a:ext cx="6440040" cy="357840"/>
           </a:xfrm>
           <a:prstGeom prst="rect">
             <a:avLst/>
@@ -12596,7 +12636,7 @@
       </p:sp>
       <p:pic>
         <p:nvPicPr>
-          <p:cNvPr id="123" name="Imagem 332" descr=""/>
+          <p:cNvPr id="124" name="Imagem 332" descr=""/>
           <p:cNvPicPr/>
           <p:nvPr/>
         </p:nvPicPr>
@@ -12607,7 +12647,7 @@
         <p:spPr>
           <a:xfrm>
             <a:off x="914400" y="2103120"/>
-            <a:ext cx="8416800" cy="2520720"/>
+            <a:ext cx="8416440" cy="2520360"/>
           </a:xfrm>
           <a:prstGeom prst="rect">
             <a:avLst/>
@@ -12619,7 +12659,7 @@
       </p:pic>
       <p:pic>
         <p:nvPicPr>
-          <p:cNvPr id="124" name="Imagem 2" descr=""/>
+          <p:cNvPr id="125" name="Imagem 2" descr=""/>
           <p:cNvPicPr/>
           <p:nvPr/>
         </p:nvPicPr>
@@ -12630,7 +12670,7 @@
         <p:spPr>
           <a:xfrm>
             <a:off x="4909680" y="2693880"/>
-            <a:ext cx="4005000" cy="1434960"/>
+            <a:ext cx="4004640" cy="1434600"/>
           </a:xfrm>
           <a:prstGeom prst="rect">
             <a:avLst/>
@@ -12672,14 +12712,14 @@
       </p:grpSpPr>
       <p:sp>
         <p:nvSpPr>
-          <p:cNvPr id="125" name="CustomShape 1"/>
+          <p:cNvPr id="126" name="CustomShape 1"/>
           <p:cNvSpPr/>
           <p:nvPr/>
         </p:nvSpPr>
         <p:spPr>
           <a:xfrm>
             <a:off x="360000" y="360000"/>
-            <a:ext cx="9353160" cy="893160"/>
+            <a:ext cx="9352800" cy="892800"/>
           </a:xfrm>
           <a:prstGeom prst="rect">
             <a:avLst/>
@@ -12724,14 +12764,14 @@
       </p:sp>
       <p:sp>
         <p:nvSpPr>
-          <p:cNvPr id="126" name="CustomShape 2"/>
+          <p:cNvPr id="127" name="CustomShape 2"/>
           <p:cNvSpPr/>
           <p:nvPr/>
         </p:nvSpPr>
         <p:spPr>
           <a:xfrm>
             <a:off x="360000" y="1980000"/>
-            <a:ext cx="9173160" cy="4673160"/>
+            <a:ext cx="9172800" cy="4672800"/>
           </a:xfrm>
           <a:prstGeom prst="rect">
             <a:avLst/>
@@ -12884,14 +12924,14 @@
       </p:sp>
       <p:sp>
         <p:nvSpPr>
-          <p:cNvPr id="127" name="CustomShape 3"/>
+          <p:cNvPr id="128" name="CustomShape 3"/>
           <p:cNvSpPr/>
           <p:nvPr/>
         </p:nvSpPr>
         <p:spPr>
           <a:xfrm>
             <a:off x="7608600" y="6886080"/>
-            <a:ext cx="2278440" cy="358200"/>
+            <a:ext cx="2278080" cy="357840"/>
           </a:xfrm>
           <a:prstGeom prst="rect">
             <a:avLst/>
@@ -12936,14 +12976,14 @@
       </p:sp>
       <p:sp>
         <p:nvSpPr>
-          <p:cNvPr id="128" name="CustomShape 4"/>
+          <p:cNvPr id="129" name="CustomShape 4"/>
           <p:cNvSpPr/>
           <p:nvPr/>
         </p:nvSpPr>
         <p:spPr>
           <a:xfrm>
             <a:off x="897120" y="6886080"/>
-            <a:ext cx="6440400" cy="358200"/>
+            <a:ext cx="6440040" cy="357840"/>
           </a:xfrm>
           <a:prstGeom prst="rect">
             <a:avLst/>
@@ -12988,7 +13028,7 @@
       </p:sp>
       <p:pic>
         <p:nvPicPr>
-          <p:cNvPr id="129" name="Imagem 337" descr=""/>
+          <p:cNvPr id="130" name="Imagem 337" descr=""/>
           <p:cNvPicPr/>
           <p:nvPr/>
         </p:nvPicPr>
@@ -12999,7 +13039,30 @@
         <p:spPr>
           <a:xfrm>
             <a:off x="920520" y="3651480"/>
-            <a:ext cx="7098840" cy="2367720"/>
+            <a:ext cx="7098480" cy="2367360"/>
+          </a:xfrm>
+          <a:prstGeom prst="rect">
+            <a:avLst/>
+          </a:prstGeom>
+          <a:ln w="0">
+            <a:noFill/>
+          </a:ln>
+        </p:spPr>
+      </p:pic>
+      <p:pic>
+        <p:nvPicPr>
+          <p:cNvPr id="131" name="Imagem 3" descr=""/>
+          <p:cNvPicPr/>
+          <p:nvPr/>
+        </p:nvPicPr>
+        <p:blipFill>
+          <a:blip r:embed="rId2"/>
+          <a:stretch/>
+        </p:blipFill>
+        <p:spPr>
+          <a:xfrm>
+            <a:off x="920520" y="3651480"/>
+            <a:ext cx="7098480" cy="2367360"/>
           </a:xfrm>
           <a:prstGeom prst="rect">
             <a:avLst/>
@@ -13041,14 +13104,14 @@
       </p:grpSpPr>
       <p:sp>
         <p:nvSpPr>
-          <p:cNvPr id="130" name="CustomShape 1"/>
+          <p:cNvPr id="132" name="CustomShape 1"/>
           <p:cNvSpPr/>
           <p:nvPr/>
         </p:nvSpPr>
         <p:spPr>
           <a:xfrm>
             <a:off x="360000" y="360000"/>
-            <a:ext cx="9353160" cy="893160"/>
+            <a:ext cx="9352800" cy="892800"/>
           </a:xfrm>
           <a:prstGeom prst="rect">
             <a:avLst/>
@@ -13093,14 +13156,14 @@
       </p:sp>
       <p:sp>
         <p:nvSpPr>
-          <p:cNvPr id="131" name="CustomShape 2"/>
+          <p:cNvPr id="133" name="CustomShape 2"/>
           <p:cNvSpPr/>
           <p:nvPr/>
         </p:nvSpPr>
         <p:spPr>
           <a:xfrm>
             <a:off x="360000" y="1980000"/>
-            <a:ext cx="4117680" cy="4673160"/>
+            <a:ext cx="4117320" cy="4672800"/>
           </a:xfrm>
           <a:prstGeom prst="rect">
             <a:avLst/>
@@ -13238,14 +13301,14 @@
       </p:sp>
       <p:sp>
         <p:nvSpPr>
-          <p:cNvPr id="132" name="CustomShape 3"/>
+          <p:cNvPr id="134" name="CustomShape 3"/>
           <p:cNvSpPr/>
           <p:nvPr/>
         </p:nvSpPr>
         <p:spPr>
           <a:xfrm>
             <a:off x="7608600" y="6886080"/>
-            <a:ext cx="2278440" cy="358200"/>
+            <a:ext cx="2278080" cy="357840"/>
           </a:xfrm>
           <a:prstGeom prst="rect">
             <a:avLst/>
@@ -13290,14 +13353,14 @@
       </p:sp>
       <p:sp>
         <p:nvSpPr>
-          <p:cNvPr id="133" name="CustomShape 4"/>
+          <p:cNvPr id="135" name="CustomShape 4"/>
           <p:cNvSpPr/>
           <p:nvPr/>
         </p:nvSpPr>
         <p:spPr>
           <a:xfrm>
             <a:off x="897120" y="6886080"/>
-            <a:ext cx="6440400" cy="358200"/>
+            <a:ext cx="6440040" cy="357840"/>
           </a:xfrm>
           <a:prstGeom prst="rect">
             <a:avLst/>
@@ -13342,7 +13405,7 @@
       </p:sp>
       <p:pic>
         <p:nvPicPr>
-          <p:cNvPr id="134" name="Imagem 342" descr=""/>
+          <p:cNvPr id="136" name="Imagem 342" descr=""/>
           <p:cNvPicPr/>
           <p:nvPr/>
         </p:nvPicPr>
@@ -13353,7 +13416,7 @@
         <p:spPr>
           <a:xfrm>
             <a:off x="640080" y="2824200"/>
-            <a:ext cx="2892240" cy="2454120"/>
+            <a:ext cx="2891880" cy="2453760"/>
           </a:xfrm>
           <a:prstGeom prst="rect">
             <a:avLst/>
@@ -13365,14 +13428,14 @@
       </p:pic>
       <p:sp>
         <p:nvSpPr>
-          <p:cNvPr id="135" name="CustomShape 5"/>
+          <p:cNvPr id="137" name="CustomShape 5"/>
           <p:cNvSpPr/>
           <p:nvPr/>
         </p:nvSpPr>
         <p:spPr>
           <a:xfrm>
             <a:off x="4754880" y="1999080"/>
-            <a:ext cx="4209120" cy="4673160"/>
+            <a:ext cx="4208760" cy="4672800"/>
           </a:xfrm>
           <a:prstGeom prst="rect">
             <a:avLst/>
@@ -13496,7 +13559,7 @@
       </p:sp>
       <p:pic>
         <p:nvPicPr>
-          <p:cNvPr id="136" name="Imagem 344" descr=""/>
+          <p:cNvPr id="138" name="Imagem 344" descr=""/>
           <p:cNvPicPr/>
           <p:nvPr/>
         </p:nvPicPr>
@@ -13507,7 +13570,7 @@
         <p:spPr>
           <a:xfrm>
             <a:off x="5577840" y="2962800"/>
-            <a:ext cx="2863800" cy="2520720"/>
+            <a:ext cx="2863440" cy="2520360"/>
           </a:xfrm>
           <a:prstGeom prst="rect">
             <a:avLst/>
